--- a/Lectures/Lecture3/lesson3.pptx
+++ b/Lectures/Lecture3/lesson3.pptx
@@ -5,7 +5,7 @@
     <p:sldMasterId id="2147483648" r:id="rId1"/>
   </p:sldMasterIdLst>
   <p:notesMasterIdLst>
-    <p:notesMasterId r:id="rId24"/>
+    <p:notesMasterId r:id="rId39"/>
   </p:notesMasterIdLst>
   <p:sldIdLst>
     <p:sldId id="256" r:id="rId2"/>
@@ -26,10 +26,25 @@
     <p:sldId id="276" r:id="rId17"/>
     <p:sldId id="265" r:id="rId18"/>
     <p:sldId id="269" r:id="rId19"/>
-    <p:sldId id="266" r:id="rId20"/>
-    <p:sldId id="277" r:id="rId21"/>
+    <p:sldId id="277" r:id="rId20"/>
+    <p:sldId id="266" r:id="rId21"/>
     <p:sldId id="267" r:id="rId22"/>
     <p:sldId id="268" r:id="rId23"/>
+    <p:sldId id="278" r:id="rId24"/>
+    <p:sldId id="279" r:id="rId25"/>
+    <p:sldId id="280" r:id="rId26"/>
+    <p:sldId id="281" r:id="rId27"/>
+    <p:sldId id="282" r:id="rId28"/>
+    <p:sldId id="283" r:id="rId29"/>
+    <p:sldId id="284" r:id="rId30"/>
+    <p:sldId id="290" r:id="rId31"/>
+    <p:sldId id="289" r:id="rId32"/>
+    <p:sldId id="285" r:id="rId33"/>
+    <p:sldId id="286" r:id="rId34"/>
+    <p:sldId id="287" r:id="rId35"/>
+    <p:sldId id="292" r:id="rId36"/>
+    <p:sldId id="293" r:id="rId37"/>
+    <p:sldId id="288" r:id="rId38"/>
   </p:sldIdLst>
   <p:sldSz cx="9144000" cy="6858000" type="screen4x3"/>
   <p:notesSz cx="6858000" cy="9144000"/>
@@ -4044,6 +4059,549 @@
 </p:notes>
 </file>
 
+<file path=ppt/notesSlides/notesSlide10.xml><?xml version="1.0" encoding="utf-8"?>
+<p:notes xmlns:a="http://schemas.openxmlformats.org/drawingml/2006/main" xmlns:r="http://schemas.openxmlformats.org/officeDocument/2006/relationships" xmlns:p="http://schemas.openxmlformats.org/presentationml/2006/main">
+  <p:cSld>
+    <p:spTree>
+      <p:nvGrpSpPr>
+        <p:cNvPr id="1" name=""/>
+        <p:cNvGrpSpPr/>
+        <p:nvPr/>
+      </p:nvGrpSpPr>
+      <p:grpSpPr>
+        <a:xfrm>
+          <a:off x="0" y="0"/>
+          <a:ext cx="0" cy="0"/>
+          <a:chOff x="0" y="0"/>
+          <a:chExt cx="0" cy="0"/>
+        </a:xfrm>
+      </p:grpSpPr>
+      <p:sp>
+        <p:nvSpPr>
+          <p:cNvPr id="2" name="Slide Image Placeholder 1"/>
+          <p:cNvSpPr>
+            <a:spLocks noGrp="1" noRot="1" noChangeAspect="1"/>
+          </p:cNvSpPr>
+          <p:nvPr>
+            <p:ph type="sldImg"/>
+          </p:nvPr>
+        </p:nvSpPr>
+        <p:spPr/>
+      </p:sp>
+      <p:sp>
+        <p:nvSpPr>
+          <p:cNvPr id="3" name="Notes Placeholder 2"/>
+          <p:cNvSpPr>
+            <a:spLocks noGrp="1"/>
+          </p:cNvSpPr>
+          <p:nvPr>
+            <p:ph type="body" idx="1"/>
+          </p:nvPr>
+        </p:nvSpPr>
+        <p:spPr/>
+        <p:txBody>
+          <a:bodyPr/>
+          <a:lstStyle/>
+          <a:p>
+            <a:pPr marL="171450" indent="-171450">
+              <a:buFontTx/>
+              <a:buChar char="-"/>
+            </a:pPr>
+            <a:r>
+              <a:rPr lang="en-US" dirty="0"/>
+              <a:t>Implement pagination</a:t>
+            </a:r>
+          </a:p>
+        </p:txBody>
+      </p:sp>
+    </p:spTree>
+    <p:extLst>
+      <p:ext uri="{BB962C8B-B14F-4D97-AF65-F5344CB8AC3E}">
+        <p14:creationId xmlns:p14="http://schemas.microsoft.com/office/powerpoint/2010/main" val="1192180995"/>
+      </p:ext>
+    </p:extLst>
+  </p:cSld>
+  <p:clrMapOvr>
+    <a:masterClrMapping/>
+  </p:clrMapOvr>
+</p:notes>
+</file>
+
+<file path=ppt/notesSlides/notesSlide11.xml><?xml version="1.0" encoding="utf-8"?>
+<p:notes xmlns:a="http://schemas.openxmlformats.org/drawingml/2006/main" xmlns:r="http://schemas.openxmlformats.org/officeDocument/2006/relationships" xmlns:p="http://schemas.openxmlformats.org/presentationml/2006/main">
+  <p:cSld>
+    <p:spTree>
+      <p:nvGrpSpPr>
+        <p:cNvPr id="1" name=""/>
+        <p:cNvGrpSpPr/>
+        <p:nvPr/>
+      </p:nvGrpSpPr>
+      <p:grpSpPr>
+        <a:xfrm>
+          <a:off x="0" y="0"/>
+          <a:ext cx="0" cy="0"/>
+          <a:chOff x="0" y="0"/>
+          <a:chExt cx="0" cy="0"/>
+        </a:xfrm>
+      </p:grpSpPr>
+      <p:sp>
+        <p:nvSpPr>
+          <p:cNvPr id="2" name="Slide Image Placeholder 1"/>
+          <p:cNvSpPr>
+            <a:spLocks noGrp="1" noRot="1" noChangeAspect="1"/>
+          </p:cNvSpPr>
+          <p:nvPr>
+            <p:ph type="sldImg"/>
+          </p:nvPr>
+        </p:nvSpPr>
+        <p:spPr/>
+      </p:sp>
+      <p:sp>
+        <p:nvSpPr>
+          <p:cNvPr id="3" name="Notes Placeholder 2"/>
+          <p:cNvSpPr>
+            <a:spLocks noGrp="1"/>
+          </p:cNvSpPr>
+          <p:nvPr>
+            <p:ph type="body" idx="1"/>
+          </p:nvPr>
+        </p:nvSpPr>
+        <p:spPr/>
+        <p:txBody>
+          <a:bodyPr/>
+          <a:lstStyle/>
+          <a:p>
+            <a:r>
+              <a:rPr lang="en-US" dirty="0"/>
+              <a:t>Pagination filtering is usually based on a given a parameter in the header</a:t>
+            </a:r>
+          </a:p>
+          <a:p>
+            <a:r>
+              <a:rPr lang="en-US" dirty="0"/>
+              <a:t> </a:t>
+            </a:r>
+          </a:p>
+        </p:txBody>
+      </p:sp>
+    </p:spTree>
+    <p:extLst>
+      <p:ext uri="{BB962C8B-B14F-4D97-AF65-F5344CB8AC3E}">
+        <p14:creationId xmlns:p14="http://schemas.microsoft.com/office/powerpoint/2010/main" val="2006240417"/>
+      </p:ext>
+    </p:extLst>
+  </p:cSld>
+  <p:clrMapOvr>
+    <a:masterClrMapping/>
+  </p:clrMapOvr>
+</p:notes>
+</file>
+
+<file path=ppt/notesSlides/notesSlide12.xml><?xml version="1.0" encoding="utf-8"?>
+<p:notes xmlns:a="http://schemas.openxmlformats.org/drawingml/2006/main" xmlns:r="http://schemas.openxmlformats.org/officeDocument/2006/relationships" xmlns:p="http://schemas.openxmlformats.org/presentationml/2006/main">
+  <p:cSld>
+    <p:spTree>
+      <p:nvGrpSpPr>
+        <p:cNvPr id="1" name=""/>
+        <p:cNvGrpSpPr/>
+        <p:nvPr/>
+      </p:nvGrpSpPr>
+      <p:grpSpPr>
+        <a:xfrm>
+          <a:off x="0" y="0"/>
+          <a:ext cx="0" cy="0"/>
+          <a:chOff x="0" y="0"/>
+          <a:chExt cx="0" cy="0"/>
+        </a:xfrm>
+      </p:grpSpPr>
+      <p:sp>
+        <p:nvSpPr>
+          <p:cNvPr id="2" name="Slide Image Placeholder 1"/>
+          <p:cNvSpPr>
+            <a:spLocks noGrp="1" noRot="1" noChangeAspect="1"/>
+          </p:cNvSpPr>
+          <p:nvPr>
+            <p:ph type="sldImg"/>
+          </p:nvPr>
+        </p:nvSpPr>
+        <p:spPr/>
+      </p:sp>
+      <p:sp>
+        <p:nvSpPr>
+          <p:cNvPr id="3" name="Notes Placeholder 2"/>
+          <p:cNvSpPr>
+            <a:spLocks noGrp="1"/>
+          </p:cNvSpPr>
+          <p:nvPr>
+            <p:ph type="body" idx="1"/>
+          </p:nvPr>
+        </p:nvSpPr>
+        <p:spPr/>
+        <p:txBody>
+          <a:bodyPr/>
+          <a:lstStyle/>
+          <a:p>
+            <a:r>
+              <a:rPr lang="en-US" dirty="0"/>
+              <a:t>Pagination filtering is usually based on a given a parameter in the header </a:t>
+            </a:r>
+          </a:p>
+          <a:p>
+            <a:r>
+              <a:rPr lang="en-US" dirty="0"/>
+              <a:t>The client must generate a </a:t>
+            </a:r>
+            <a:r>
+              <a:rPr lang="en-US" sz="1200" b="0" i="0" dirty="0">
+                <a:effectLst/>
+                <a:latin typeface="+mn-lt"/>
+                <a:ea typeface="+mn-ea"/>
+                <a:cs typeface="+mn-cs"/>
+                <a:sym typeface="Calibri"/>
+              </a:rPr>
+              <a:t>hierarchical data structure in the format that is acceptable by the server</a:t>
+            </a:r>
+            <a:endParaRPr lang="en-US" dirty="0"/>
+          </a:p>
+        </p:txBody>
+      </p:sp>
+    </p:spTree>
+    <p:extLst>
+      <p:ext uri="{BB962C8B-B14F-4D97-AF65-F5344CB8AC3E}">
+        <p14:creationId xmlns:p14="http://schemas.microsoft.com/office/powerpoint/2010/main" val="3600316888"/>
+      </p:ext>
+    </p:extLst>
+  </p:cSld>
+  <p:clrMapOvr>
+    <a:masterClrMapping/>
+  </p:clrMapOvr>
+</p:notes>
+</file>
+
+<file path=ppt/notesSlides/notesSlide13.xml><?xml version="1.0" encoding="utf-8"?>
+<p:notes xmlns:a="http://schemas.openxmlformats.org/drawingml/2006/main" xmlns:r="http://schemas.openxmlformats.org/officeDocument/2006/relationships" xmlns:p="http://schemas.openxmlformats.org/presentationml/2006/main">
+  <p:cSld>
+    <p:spTree>
+      <p:nvGrpSpPr>
+        <p:cNvPr id="1" name=""/>
+        <p:cNvGrpSpPr/>
+        <p:nvPr/>
+      </p:nvGrpSpPr>
+      <p:grpSpPr>
+        <a:xfrm>
+          <a:off x="0" y="0"/>
+          <a:ext cx="0" cy="0"/>
+          <a:chOff x="0" y="0"/>
+          <a:chExt cx="0" cy="0"/>
+        </a:xfrm>
+      </p:grpSpPr>
+      <p:sp>
+        <p:nvSpPr>
+          <p:cNvPr id="2" name="Slide Image Placeholder 1"/>
+          <p:cNvSpPr>
+            <a:spLocks noGrp="1" noRot="1" noChangeAspect="1"/>
+          </p:cNvSpPr>
+          <p:nvPr>
+            <p:ph type="sldImg"/>
+          </p:nvPr>
+        </p:nvSpPr>
+        <p:spPr/>
+      </p:sp>
+      <p:sp>
+        <p:nvSpPr>
+          <p:cNvPr id="3" name="Notes Placeholder 2"/>
+          <p:cNvSpPr>
+            <a:spLocks noGrp="1"/>
+          </p:cNvSpPr>
+          <p:nvPr>
+            <p:ph type="body" idx="1"/>
+          </p:nvPr>
+        </p:nvSpPr>
+        <p:spPr/>
+        <p:txBody>
+          <a:bodyPr/>
+          <a:lstStyle/>
+          <a:p>
+            <a:r>
+              <a:rPr lang="en-US" dirty="0"/>
+              <a:t>Pagination filtering is usually based on a given a parameter in the header</a:t>
+            </a:r>
+          </a:p>
+          <a:p>
+            <a:r>
+              <a:rPr lang="en-US" dirty="0"/>
+              <a:t>The client must generate a </a:t>
+            </a:r>
+            <a:r>
+              <a:rPr lang="en-US" sz="1200" b="0" i="0" dirty="0">
+                <a:effectLst/>
+                <a:latin typeface="+mn-lt"/>
+                <a:ea typeface="+mn-ea"/>
+                <a:cs typeface="+mn-cs"/>
+                <a:sym typeface="Calibri"/>
+              </a:rPr>
+              <a:t>hierarchical data structure in the format that is acceptable by the server</a:t>
+            </a:r>
+            <a:endParaRPr lang="en-US" dirty="0"/>
+          </a:p>
+        </p:txBody>
+      </p:sp>
+    </p:spTree>
+    <p:extLst>
+      <p:ext uri="{BB962C8B-B14F-4D97-AF65-F5344CB8AC3E}">
+        <p14:creationId xmlns:p14="http://schemas.microsoft.com/office/powerpoint/2010/main" val="3361584496"/>
+      </p:ext>
+    </p:extLst>
+  </p:cSld>
+  <p:clrMapOvr>
+    <a:masterClrMapping/>
+  </p:clrMapOvr>
+</p:notes>
+</file>
+
+<file path=ppt/notesSlides/notesSlide14.xml><?xml version="1.0" encoding="utf-8"?>
+<p:notes xmlns:a="http://schemas.openxmlformats.org/drawingml/2006/main" xmlns:r="http://schemas.openxmlformats.org/officeDocument/2006/relationships" xmlns:p="http://schemas.openxmlformats.org/presentationml/2006/main">
+  <p:cSld>
+    <p:spTree>
+      <p:nvGrpSpPr>
+        <p:cNvPr id="1" name=""/>
+        <p:cNvGrpSpPr/>
+        <p:nvPr/>
+      </p:nvGrpSpPr>
+      <p:grpSpPr>
+        <a:xfrm>
+          <a:off x="0" y="0"/>
+          <a:ext cx="0" cy="0"/>
+          <a:chOff x="0" y="0"/>
+          <a:chExt cx="0" cy="0"/>
+        </a:xfrm>
+      </p:grpSpPr>
+      <p:sp>
+        <p:nvSpPr>
+          <p:cNvPr id="2" name="Slide Image Placeholder 1"/>
+          <p:cNvSpPr>
+            <a:spLocks noGrp="1" noRot="1" noChangeAspect="1"/>
+          </p:cNvSpPr>
+          <p:nvPr>
+            <p:ph type="sldImg"/>
+          </p:nvPr>
+        </p:nvSpPr>
+        <p:spPr/>
+      </p:sp>
+      <p:sp>
+        <p:nvSpPr>
+          <p:cNvPr id="3" name="Notes Placeholder 2"/>
+          <p:cNvSpPr>
+            <a:spLocks noGrp="1"/>
+          </p:cNvSpPr>
+          <p:nvPr>
+            <p:ph type="body" idx="1"/>
+          </p:nvPr>
+        </p:nvSpPr>
+        <p:spPr/>
+        <p:txBody>
+          <a:bodyPr/>
+          <a:lstStyle/>
+          <a:p>
+            <a:r>
+              <a:rPr lang="en-US" dirty="0"/>
+              <a:t>Pagination filtering is usually based on a given a parameter in the header</a:t>
+            </a:r>
+          </a:p>
+          <a:p>
+            <a:r>
+              <a:rPr lang="en-US" dirty="0"/>
+              <a:t>The client must generate a </a:t>
+            </a:r>
+            <a:r>
+              <a:rPr lang="en-US" sz="1200" b="0" i="0" dirty="0">
+                <a:effectLst/>
+                <a:latin typeface="+mn-lt"/>
+                <a:ea typeface="+mn-ea"/>
+                <a:cs typeface="+mn-cs"/>
+                <a:sym typeface="Calibri"/>
+              </a:rPr>
+              <a:t>hierarchical data structure in the format that is acceptable by the server</a:t>
+            </a:r>
+            <a:endParaRPr lang="en-US" dirty="0"/>
+          </a:p>
+        </p:txBody>
+      </p:sp>
+    </p:spTree>
+    <p:extLst>
+      <p:ext uri="{BB962C8B-B14F-4D97-AF65-F5344CB8AC3E}">
+        <p14:creationId xmlns:p14="http://schemas.microsoft.com/office/powerpoint/2010/main" val="3990616405"/>
+      </p:ext>
+    </p:extLst>
+  </p:cSld>
+  <p:clrMapOvr>
+    <a:masterClrMapping/>
+  </p:clrMapOvr>
+</p:notes>
+</file>
+
+<file path=ppt/notesSlides/notesSlide15.xml><?xml version="1.0" encoding="utf-8"?>
+<p:notes xmlns:a="http://schemas.openxmlformats.org/drawingml/2006/main" xmlns:r="http://schemas.openxmlformats.org/officeDocument/2006/relationships" xmlns:p="http://schemas.openxmlformats.org/presentationml/2006/main">
+  <p:cSld>
+    <p:spTree>
+      <p:nvGrpSpPr>
+        <p:cNvPr id="1" name=""/>
+        <p:cNvGrpSpPr/>
+        <p:nvPr/>
+      </p:nvGrpSpPr>
+      <p:grpSpPr>
+        <a:xfrm>
+          <a:off x="0" y="0"/>
+          <a:ext cx="0" cy="0"/>
+          <a:chOff x="0" y="0"/>
+          <a:chExt cx="0" cy="0"/>
+        </a:xfrm>
+      </p:grpSpPr>
+      <p:sp>
+        <p:nvSpPr>
+          <p:cNvPr id="2" name="Slide Image Placeholder 1"/>
+          <p:cNvSpPr>
+            <a:spLocks noGrp="1" noRot="1" noChangeAspect="1"/>
+          </p:cNvSpPr>
+          <p:nvPr>
+            <p:ph type="sldImg"/>
+          </p:nvPr>
+        </p:nvSpPr>
+        <p:spPr/>
+      </p:sp>
+      <p:sp>
+        <p:nvSpPr>
+          <p:cNvPr id="3" name="Notes Placeholder 2"/>
+          <p:cNvSpPr>
+            <a:spLocks noGrp="1"/>
+          </p:cNvSpPr>
+          <p:nvPr>
+            <p:ph type="body" idx="1"/>
+          </p:nvPr>
+        </p:nvSpPr>
+        <p:spPr/>
+        <p:txBody>
+          <a:bodyPr/>
+          <a:lstStyle/>
+          <a:p>
+            <a:r>
+              <a:rPr lang="en-US" dirty="0"/>
+              <a:t>Pagination filtering is usually based on a given a parameter in the header</a:t>
+            </a:r>
+          </a:p>
+          <a:p>
+            <a:r>
+              <a:rPr lang="en-US" dirty="0"/>
+              <a:t>The client must generate a </a:t>
+            </a:r>
+            <a:r>
+              <a:rPr lang="en-US" sz="1200" b="0" i="0" dirty="0">
+                <a:effectLst/>
+                <a:latin typeface="+mn-lt"/>
+                <a:ea typeface="+mn-ea"/>
+                <a:cs typeface="+mn-cs"/>
+                <a:sym typeface="Calibri"/>
+              </a:rPr>
+              <a:t>hierarchical data structure in the format that is acceptable by the server</a:t>
+            </a:r>
+            <a:endParaRPr lang="en-US" dirty="0"/>
+          </a:p>
+        </p:txBody>
+      </p:sp>
+    </p:spTree>
+    <p:extLst>
+      <p:ext uri="{BB962C8B-B14F-4D97-AF65-F5344CB8AC3E}">
+        <p14:creationId xmlns:p14="http://schemas.microsoft.com/office/powerpoint/2010/main" val="2920292546"/>
+      </p:ext>
+    </p:extLst>
+  </p:cSld>
+  <p:clrMapOvr>
+    <a:masterClrMapping/>
+  </p:clrMapOvr>
+</p:notes>
+</file>
+
+<file path=ppt/notesSlides/notesSlide16.xml><?xml version="1.0" encoding="utf-8"?>
+<p:notes xmlns:a="http://schemas.openxmlformats.org/drawingml/2006/main" xmlns:r="http://schemas.openxmlformats.org/officeDocument/2006/relationships" xmlns:p="http://schemas.openxmlformats.org/presentationml/2006/main">
+  <p:cSld>
+    <p:spTree>
+      <p:nvGrpSpPr>
+        <p:cNvPr id="1" name=""/>
+        <p:cNvGrpSpPr/>
+        <p:nvPr/>
+      </p:nvGrpSpPr>
+      <p:grpSpPr>
+        <a:xfrm>
+          <a:off x="0" y="0"/>
+          <a:ext cx="0" cy="0"/>
+          <a:chOff x="0" y="0"/>
+          <a:chExt cx="0" cy="0"/>
+        </a:xfrm>
+      </p:grpSpPr>
+      <p:sp>
+        <p:nvSpPr>
+          <p:cNvPr id="2" name="Slide Image Placeholder 1"/>
+          <p:cNvSpPr>
+            <a:spLocks noGrp="1" noRot="1" noChangeAspect="1"/>
+          </p:cNvSpPr>
+          <p:nvPr>
+            <p:ph type="sldImg"/>
+          </p:nvPr>
+        </p:nvSpPr>
+        <p:spPr/>
+      </p:sp>
+      <p:sp>
+        <p:nvSpPr>
+          <p:cNvPr id="3" name="Notes Placeholder 2"/>
+          <p:cNvSpPr>
+            <a:spLocks noGrp="1"/>
+          </p:cNvSpPr>
+          <p:nvPr>
+            <p:ph type="body" idx="1"/>
+          </p:nvPr>
+        </p:nvSpPr>
+        <p:spPr/>
+        <p:txBody>
+          <a:bodyPr/>
+          <a:lstStyle/>
+          <a:p>
+            <a:r>
+              <a:rPr lang="en-US" dirty="0"/>
+              <a:t>Pagination filtering is usually based on a given a parameter in the header</a:t>
+            </a:r>
+          </a:p>
+          <a:p>
+            <a:r>
+              <a:rPr lang="en-US" dirty="0"/>
+              <a:t>The client must generate a </a:t>
+            </a:r>
+            <a:r>
+              <a:rPr lang="en-US" sz="1200" b="0" i="0" dirty="0">
+                <a:effectLst/>
+                <a:latin typeface="+mn-lt"/>
+                <a:ea typeface="+mn-ea"/>
+                <a:cs typeface="+mn-cs"/>
+                <a:sym typeface="Calibri"/>
+              </a:rPr>
+              <a:t>hierarchical data structure in the format that is acceptable by the server</a:t>
+            </a:r>
+            <a:endParaRPr lang="en-US" dirty="0"/>
+          </a:p>
+        </p:txBody>
+      </p:sp>
+    </p:spTree>
+    <p:extLst>
+      <p:ext uri="{BB962C8B-B14F-4D97-AF65-F5344CB8AC3E}">
+        <p14:creationId xmlns:p14="http://schemas.microsoft.com/office/powerpoint/2010/main" val="1372780454"/>
+      </p:ext>
+    </p:extLst>
+  </p:cSld>
+  <p:clrMapOvr>
+    <a:masterClrMapping/>
+  </p:clrMapOvr>
+</p:notes>
+</file>
+
 <file path=ppt/notesSlides/notesSlide2.xml><?xml version="1.0" encoding="utf-8"?>
 <p:notes xmlns:a="http://schemas.openxmlformats.org/drawingml/2006/main" xmlns:r="http://schemas.openxmlformats.org/officeDocument/2006/relationships" xmlns:p="http://schemas.openxmlformats.org/presentationml/2006/main">
   <p:cSld>
@@ -4340,21 +4898,33 @@
           <a:p>
             <a:r>
               <a:rPr lang="en-US" dirty="0"/>
-              <a:t>- Create the </a:t>
-            </a:r>
-            <a:r>
-              <a:rPr lang="en-US" dirty="0" err="1"/>
-              <a:t>webapi</a:t>
-            </a:r>
+              <a:t>Discuss with the students how the client is built</a:t>
+            </a:r>
+          </a:p>
+          <a:p>
+            <a:pPr marL="171450" indent="-171450">
+              <a:buFont typeface="Arial" panose="020B0604020202020204" pitchFamily="34" charset="0"/>
+              <a:buChar char="•"/>
+            </a:pPr>
             <a:r>
               <a:rPr lang="en-US" dirty="0"/>
-              <a:t> project folder</a:t>
-            </a:r>
-          </a:p>
-          <a:p>
+              <a:t>Template engine would respond with a html file for each request</a:t>
+            </a:r>
+          </a:p>
+          <a:p>
+            <a:pPr marL="171450" indent="-171450">
+              <a:buFont typeface="Arial" panose="020B0604020202020204" pitchFamily="34" charset="0"/>
+              <a:buChar char="•"/>
+            </a:pPr>
             <a:r>
               <a:rPr lang="en-US" dirty="0"/>
-              <a:t>- Use post man to view values</a:t>
+              <a:t>Single page application would respond with an html file one and then with JSON</a:t>
+            </a:r>
+          </a:p>
+          <a:p>
+            <a:r>
+              <a:rPr lang="en-US" dirty="0"/>
+              <a:t> </a:t>
             </a:r>
           </a:p>
         </p:txBody>
@@ -4362,7 +4932,7 @@
     </p:spTree>
     <p:extLst>
       <p:ext uri="{BB962C8B-B14F-4D97-AF65-F5344CB8AC3E}">
-        <p14:creationId xmlns:p14="http://schemas.microsoft.com/office/powerpoint/2010/main" val="1355058162"/>
+        <p14:creationId xmlns:p14="http://schemas.microsoft.com/office/powerpoint/2010/main" val="2514578775"/>
       </p:ext>
     </p:extLst>
   </p:cSld>
@@ -4416,6 +4986,84 @@
           <a:bodyPr/>
           <a:lstStyle/>
           <a:p>
+            <a:r>
+              <a:rPr lang="en-US" dirty="0"/>
+              <a:t>- Create the </a:t>
+            </a:r>
+            <a:r>
+              <a:rPr lang="en-US" dirty="0" err="1"/>
+              <a:t>webapi</a:t>
+            </a:r>
+            <a:r>
+              <a:rPr lang="en-US" dirty="0"/>
+              <a:t> project folder</a:t>
+            </a:r>
+          </a:p>
+          <a:p>
+            <a:r>
+              <a:rPr lang="en-US" dirty="0"/>
+              <a:t>- Use post man to view values</a:t>
+            </a:r>
+          </a:p>
+        </p:txBody>
+      </p:sp>
+    </p:spTree>
+    <p:extLst>
+      <p:ext uri="{BB962C8B-B14F-4D97-AF65-F5344CB8AC3E}">
+        <p14:creationId xmlns:p14="http://schemas.microsoft.com/office/powerpoint/2010/main" val="1355058162"/>
+      </p:ext>
+    </p:extLst>
+  </p:cSld>
+  <p:clrMapOvr>
+    <a:masterClrMapping/>
+  </p:clrMapOvr>
+</p:notes>
+</file>
+
+<file path=ppt/notesSlides/notesSlide5.xml><?xml version="1.0" encoding="utf-8"?>
+<p:notes xmlns:a="http://schemas.openxmlformats.org/drawingml/2006/main" xmlns:r="http://schemas.openxmlformats.org/officeDocument/2006/relationships" xmlns:p="http://schemas.openxmlformats.org/presentationml/2006/main">
+  <p:cSld>
+    <p:spTree>
+      <p:nvGrpSpPr>
+        <p:cNvPr id="1" name=""/>
+        <p:cNvGrpSpPr/>
+        <p:nvPr/>
+      </p:nvGrpSpPr>
+      <p:grpSpPr>
+        <a:xfrm>
+          <a:off x="0" y="0"/>
+          <a:ext cx="0" cy="0"/>
+          <a:chOff x="0" y="0"/>
+          <a:chExt cx="0" cy="0"/>
+        </a:xfrm>
+      </p:grpSpPr>
+      <p:sp>
+        <p:nvSpPr>
+          <p:cNvPr id="2" name="Slide Image Placeholder 1"/>
+          <p:cNvSpPr>
+            <a:spLocks noGrp="1" noRot="1" noChangeAspect="1"/>
+          </p:cNvSpPr>
+          <p:nvPr>
+            <p:ph type="sldImg"/>
+          </p:nvPr>
+        </p:nvSpPr>
+        <p:spPr/>
+      </p:sp>
+      <p:sp>
+        <p:nvSpPr>
+          <p:cNvPr id="3" name="Notes Placeholder 2"/>
+          <p:cNvSpPr>
+            <a:spLocks noGrp="1"/>
+          </p:cNvSpPr>
+          <p:nvPr>
+            <p:ph type="body" idx="1"/>
+          </p:nvPr>
+        </p:nvSpPr>
+        <p:spPr/>
+        <p:txBody>
+          <a:bodyPr/>
+          <a:lstStyle/>
+          <a:p>
             <a:pPr marL="171450" indent="-171450">
               <a:buFontTx/>
               <a:buChar char="-"/>
@@ -4451,6 +5099,917 @@
     <p:extLst>
       <p:ext uri="{BB962C8B-B14F-4D97-AF65-F5344CB8AC3E}">
         <p14:creationId xmlns:p14="http://schemas.microsoft.com/office/powerpoint/2010/main" val="3590338308"/>
+      </p:ext>
+    </p:extLst>
+  </p:cSld>
+  <p:clrMapOvr>
+    <a:masterClrMapping/>
+  </p:clrMapOvr>
+</p:notes>
+</file>
+
+<file path=ppt/notesSlides/notesSlide6.xml><?xml version="1.0" encoding="utf-8"?>
+<p:notes xmlns:a="http://schemas.openxmlformats.org/drawingml/2006/main" xmlns:r="http://schemas.openxmlformats.org/officeDocument/2006/relationships" xmlns:p="http://schemas.openxmlformats.org/presentationml/2006/main">
+  <p:cSld>
+    <p:spTree>
+      <p:nvGrpSpPr>
+        <p:cNvPr id="1" name=""/>
+        <p:cNvGrpSpPr/>
+        <p:nvPr/>
+      </p:nvGrpSpPr>
+      <p:grpSpPr>
+        <a:xfrm>
+          <a:off x="0" y="0"/>
+          <a:ext cx="0" cy="0"/>
+          <a:chOff x="0" y="0"/>
+          <a:chExt cx="0" cy="0"/>
+        </a:xfrm>
+      </p:grpSpPr>
+      <p:sp>
+        <p:nvSpPr>
+          <p:cNvPr id="2" name="Slide Image Placeholder 1"/>
+          <p:cNvSpPr>
+            <a:spLocks noGrp="1" noRot="1" noChangeAspect="1"/>
+          </p:cNvSpPr>
+          <p:nvPr>
+            <p:ph type="sldImg"/>
+          </p:nvPr>
+        </p:nvSpPr>
+        <p:spPr/>
+      </p:sp>
+      <p:sp>
+        <p:nvSpPr>
+          <p:cNvPr id="3" name="Notes Placeholder 2"/>
+          <p:cNvSpPr>
+            <a:spLocks noGrp="1"/>
+          </p:cNvSpPr>
+          <p:nvPr>
+            <p:ph type="body" idx="1"/>
+          </p:nvPr>
+        </p:nvSpPr>
+        <p:spPr/>
+        <p:txBody>
+          <a:bodyPr/>
+          <a:lstStyle/>
+          <a:p>
+            <a:pPr marL="0" marR="0" indent="0" defTabSz="457200" eaLnBrk="1" fontAlgn="auto" latinLnBrk="0" hangingPunct="1">
+              <a:lnSpc>
+                <a:spcPct val="100000"/>
+              </a:lnSpc>
+              <a:spcBef>
+                <a:spcPts val="0"/>
+              </a:spcBef>
+              <a:spcAft>
+                <a:spcPts val="0"/>
+              </a:spcAft>
+              <a:buClrTx/>
+              <a:buSzTx/>
+              <a:buFontTx/>
+              <a:buNone/>
+              <a:tabLst/>
+              <a:defRPr/>
+            </a:pPr>
+            <a:r>
+              <a:rPr lang="en-US" dirty="0"/>
+              <a:t>Reason for pagination:</a:t>
+            </a:r>
+          </a:p>
+          <a:p>
+            <a:r>
+              <a:rPr lang="en-US" sz="1200" b="0" i="0" dirty="0">
+                <a:effectLst/>
+                <a:latin typeface="+mn-lt"/>
+                <a:ea typeface="+mn-ea"/>
+                <a:cs typeface="+mn-cs"/>
+                <a:sym typeface="Calibri"/>
+              </a:rPr>
+              <a:t>- </a:t>
+            </a:r>
+            <a:r>
+              <a:rPr lang="en-US" sz="1200" b="0" i="0" dirty="0" err="1">
+                <a:effectLst/>
+                <a:latin typeface="+mn-lt"/>
+                <a:ea typeface="+mn-ea"/>
+                <a:cs typeface="+mn-cs"/>
+                <a:sym typeface="Calibri"/>
+              </a:rPr>
+              <a:t>GetAll</a:t>
+            </a:r>
+            <a:r>
+              <a:rPr lang="en-US" sz="1200" b="0" i="0" dirty="0">
+                <a:effectLst/>
+                <a:latin typeface="+mn-lt"/>
+                <a:ea typeface="+mn-ea"/>
+                <a:cs typeface="+mn-cs"/>
+                <a:sym typeface="Calibri"/>
+              </a:rPr>
+              <a:t> is a bit of an issue (to much data)</a:t>
+            </a:r>
+          </a:p>
+          <a:p>
+            <a:r>
+              <a:rPr lang="en-US" sz="1200" b="0" i="0" dirty="0">
+                <a:effectLst/>
+                <a:latin typeface="+mn-lt"/>
+                <a:ea typeface="+mn-ea"/>
+                <a:cs typeface="+mn-cs"/>
+                <a:sym typeface="Calibri"/>
+              </a:rPr>
+              <a:t>- A malicious attacker could cause a DDOS by simply spinning up a lot of requests</a:t>
+            </a:r>
+          </a:p>
+          <a:p>
+            <a:r>
+              <a:rPr lang="en-US" sz="1200" b="0" i="0" dirty="0">
+                <a:effectLst/>
+                <a:latin typeface="+mn-lt"/>
+                <a:ea typeface="+mn-ea"/>
+                <a:cs typeface="+mn-cs"/>
+                <a:sym typeface="Calibri"/>
+              </a:rPr>
+              <a:t>- Requests would all eventually fail because of timeout</a:t>
+            </a:r>
+          </a:p>
+          <a:p>
+            <a:r>
+              <a:rPr lang="en-US" sz="1200" b="0" i="0" dirty="0">
+                <a:effectLst/>
+                <a:latin typeface="+mn-lt"/>
+                <a:ea typeface="+mn-ea"/>
+                <a:cs typeface="+mn-cs"/>
+                <a:sym typeface="Calibri"/>
+              </a:rPr>
+              <a:t>- Our server would be quickly overwhelmed</a:t>
+            </a:r>
+            <a:endParaRPr lang="en-US" dirty="0"/>
+          </a:p>
+          <a:p>
+            <a:pPr marL="0" marR="0" indent="0" defTabSz="457200" eaLnBrk="1" fontAlgn="auto" latinLnBrk="0" hangingPunct="1">
+              <a:lnSpc>
+                <a:spcPct val="100000"/>
+              </a:lnSpc>
+              <a:spcBef>
+                <a:spcPts val="0"/>
+              </a:spcBef>
+              <a:spcAft>
+                <a:spcPts val="0"/>
+              </a:spcAft>
+              <a:buClrTx/>
+              <a:buSzTx/>
+              <a:buFontTx/>
+              <a:buNone/>
+              <a:tabLst/>
+              <a:defRPr/>
+            </a:pPr>
+            <a:endParaRPr lang="en-US" dirty="0"/>
+          </a:p>
+          <a:p>
+            <a:pPr marL="0" marR="0" indent="0" defTabSz="457200" eaLnBrk="1" fontAlgn="auto" latinLnBrk="0" hangingPunct="1">
+              <a:lnSpc>
+                <a:spcPct val="100000"/>
+              </a:lnSpc>
+              <a:spcBef>
+                <a:spcPts val="0"/>
+              </a:spcBef>
+              <a:spcAft>
+                <a:spcPts val="0"/>
+              </a:spcAft>
+              <a:buClrTx/>
+              <a:buSzTx/>
+              <a:buFontTx/>
+              <a:buNone/>
+              <a:tabLst/>
+              <a:defRPr/>
+            </a:pPr>
+            <a:r>
+              <a:rPr lang="en-US" dirty="0"/>
+              <a:t>Server-side pagination is more common</a:t>
+            </a:r>
+          </a:p>
+          <a:p>
+            <a:pPr marL="0" marR="0" indent="0" defTabSz="457200" eaLnBrk="1" fontAlgn="auto" latinLnBrk="0" hangingPunct="1">
+              <a:lnSpc>
+                <a:spcPct val="100000"/>
+              </a:lnSpc>
+              <a:spcBef>
+                <a:spcPts val="0"/>
+              </a:spcBef>
+              <a:spcAft>
+                <a:spcPts val="0"/>
+              </a:spcAft>
+              <a:buClrTx/>
+              <a:buSzTx/>
+              <a:buFontTx/>
+              <a:buNone/>
+              <a:tabLst/>
+              <a:defRPr/>
+            </a:pPr>
+            <a:r>
+              <a:rPr lang="en-US" sz="1200" b="0" i="0" dirty="0">
+                <a:effectLst/>
+                <a:latin typeface="+mn-lt"/>
+                <a:ea typeface="+mn-ea"/>
+                <a:cs typeface="+mn-cs"/>
+                <a:sym typeface="Calibri"/>
+              </a:rPr>
+              <a:t>Client-side pagination can be used when there are very few records to be accessed</a:t>
+            </a:r>
+          </a:p>
+          <a:p>
+            <a:pPr marL="0" marR="0" indent="0" defTabSz="457200" eaLnBrk="1" fontAlgn="auto" latinLnBrk="0" hangingPunct="1">
+              <a:lnSpc>
+                <a:spcPct val="100000"/>
+              </a:lnSpc>
+              <a:spcBef>
+                <a:spcPts val="0"/>
+              </a:spcBef>
+              <a:spcAft>
+                <a:spcPts val="0"/>
+              </a:spcAft>
+              <a:buClrTx/>
+              <a:buSzTx/>
+              <a:buFontTx/>
+              <a:buNone/>
+              <a:tabLst/>
+              <a:defRPr/>
+            </a:pPr>
+            <a:endParaRPr lang="en-US" dirty="0"/>
+          </a:p>
+        </p:txBody>
+      </p:sp>
+    </p:spTree>
+    <p:extLst>
+      <p:ext uri="{BB962C8B-B14F-4D97-AF65-F5344CB8AC3E}">
+        <p14:creationId xmlns:p14="http://schemas.microsoft.com/office/powerpoint/2010/main" val="3124353100"/>
+      </p:ext>
+    </p:extLst>
+  </p:cSld>
+  <p:clrMapOvr>
+    <a:masterClrMapping/>
+  </p:clrMapOvr>
+</p:notes>
+</file>
+
+<file path=ppt/notesSlides/notesSlide7.xml><?xml version="1.0" encoding="utf-8"?>
+<p:notes xmlns:a="http://schemas.openxmlformats.org/drawingml/2006/main" xmlns:r="http://schemas.openxmlformats.org/officeDocument/2006/relationships" xmlns:p="http://schemas.openxmlformats.org/presentationml/2006/main">
+  <p:cSld>
+    <p:spTree>
+      <p:nvGrpSpPr>
+        <p:cNvPr id="1" name=""/>
+        <p:cNvGrpSpPr/>
+        <p:nvPr/>
+      </p:nvGrpSpPr>
+      <p:grpSpPr>
+        <a:xfrm>
+          <a:off x="0" y="0"/>
+          <a:ext cx="0" cy="0"/>
+          <a:chOff x="0" y="0"/>
+          <a:chExt cx="0" cy="0"/>
+        </a:xfrm>
+      </p:grpSpPr>
+      <p:sp>
+        <p:nvSpPr>
+          <p:cNvPr id="2" name="Slide Image Placeholder 1"/>
+          <p:cNvSpPr>
+            <a:spLocks noGrp="1" noRot="1" noChangeAspect="1"/>
+          </p:cNvSpPr>
+          <p:nvPr>
+            <p:ph type="sldImg"/>
+          </p:nvPr>
+        </p:nvSpPr>
+        <p:spPr/>
+      </p:sp>
+      <p:sp>
+        <p:nvSpPr>
+          <p:cNvPr id="3" name="Notes Placeholder 2"/>
+          <p:cNvSpPr>
+            <a:spLocks noGrp="1"/>
+          </p:cNvSpPr>
+          <p:nvPr>
+            <p:ph type="body" idx="1"/>
+          </p:nvPr>
+        </p:nvSpPr>
+        <p:spPr/>
+        <p:txBody>
+          <a:bodyPr/>
+          <a:lstStyle/>
+          <a:p>
+            <a:pPr marL="0" marR="0" indent="0" defTabSz="457200" eaLnBrk="1" fontAlgn="auto" latinLnBrk="0" hangingPunct="1">
+              <a:lnSpc>
+                <a:spcPct val="100000"/>
+              </a:lnSpc>
+              <a:spcBef>
+                <a:spcPts val="0"/>
+              </a:spcBef>
+              <a:spcAft>
+                <a:spcPts val="0"/>
+              </a:spcAft>
+              <a:buClrTx/>
+              <a:buSzTx/>
+              <a:buFontTx/>
+              <a:buNone/>
+              <a:tabLst/>
+              <a:defRPr/>
+            </a:pPr>
+            <a:r>
+              <a:rPr lang="en-US" dirty="0"/>
+              <a:t>Reason for pagination:</a:t>
+            </a:r>
+          </a:p>
+          <a:p>
+            <a:r>
+              <a:rPr lang="en-US" sz="1200" b="0" i="0" dirty="0">
+                <a:effectLst/>
+                <a:latin typeface="+mn-lt"/>
+                <a:ea typeface="+mn-ea"/>
+                <a:cs typeface="+mn-cs"/>
+                <a:sym typeface="Calibri"/>
+              </a:rPr>
+              <a:t>- </a:t>
+            </a:r>
+            <a:r>
+              <a:rPr lang="en-US" sz="1200" b="0" i="0" dirty="0" err="1">
+                <a:effectLst/>
+                <a:latin typeface="+mn-lt"/>
+                <a:ea typeface="+mn-ea"/>
+                <a:cs typeface="+mn-cs"/>
+                <a:sym typeface="Calibri"/>
+              </a:rPr>
+              <a:t>GetAll</a:t>
+            </a:r>
+            <a:r>
+              <a:rPr lang="en-US" sz="1200" b="0" i="0" dirty="0">
+                <a:effectLst/>
+                <a:latin typeface="+mn-lt"/>
+                <a:ea typeface="+mn-ea"/>
+                <a:cs typeface="+mn-cs"/>
+                <a:sym typeface="Calibri"/>
+              </a:rPr>
+              <a:t> is a bit of an issue (to much data)</a:t>
+            </a:r>
+          </a:p>
+          <a:p>
+            <a:r>
+              <a:rPr lang="en-US" sz="1200" b="0" i="0" dirty="0">
+                <a:effectLst/>
+                <a:latin typeface="+mn-lt"/>
+                <a:ea typeface="+mn-ea"/>
+                <a:cs typeface="+mn-cs"/>
+                <a:sym typeface="Calibri"/>
+              </a:rPr>
+              <a:t>- A malicious attacker could cause a DDOS by simply spinning up a lot of requests</a:t>
+            </a:r>
+          </a:p>
+          <a:p>
+            <a:r>
+              <a:rPr lang="en-US" sz="1200" b="0" i="0" dirty="0">
+                <a:effectLst/>
+                <a:latin typeface="+mn-lt"/>
+                <a:ea typeface="+mn-ea"/>
+                <a:cs typeface="+mn-cs"/>
+                <a:sym typeface="Calibri"/>
+              </a:rPr>
+              <a:t>- Requests would all eventually fail because of timeout</a:t>
+            </a:r>
+          </a:p>
+          <a:p>
+            <a:r>
+              <a:rPr lang="en-US" sz="1200" b="0" i="0" dirty="0">
+                <a:effectLst/>
+                <a:latin typeface="+mn-lt"/>
+                <a:ea typeface="+mn-ea"/>
+                <a:cs typeface="+mn-cs"/>
+                <a:sym typeface="Calibri"/>
+              </a:rPr>
+              <a:t>- Our server would be quickly overwhelmed</a:t>
+            </a:r>
+            <a:endParaRPr lang="en-US" dirty="0"/>
+          </a:p>
+          <a:p>
+            <a:pPr marL="0" marR="0" indent="0" defTabSz="457200" eaLnBrk="1" fontAlgn="auto" latinLnBrk="0" hangingPunct="1">
+              <a:lnSpc>
+                <a:spcPct val="100000"/>
+              </a:lnSpc>
+              <a:spcBef>
+                <a:spcPts val="0"/>
+              </a:spcBef>
+              <a:spcAft>
+                <a:spcPts val="0"/>
+              </a:spcAft>
+              <a:buClrTx/>
+              <a:buSzTx/>
+              <a:buFontTx/>
+              <a:buNone/>
+              <a:tabLst/>
+              <a:defRPr/>
+            </a:pPr>
+            <a:endParaRPr lang="en-US" dirty="0"/>
+          </a:p>
+          <a:p>
+            <a:pPr marL="0" marR="0" indent="0" defTabSz="457200" eaLnBrk="1" fontAlgn="auto" latinLnBrk="0" hangingPunct="1">
+              <a:lnSpc>
+                <a:spcPct val="100000"/>
+              </a:lnSpc>
+              <a:spcBef>
+                <a:spcPts val="0"/>
+              </a:spcBef>
+              <a:spcAft>
+                <a:spcPts val="0"/>
+              </a:spcAft>
+              <a:buClrTx/>
+              <a:buSzTx/>
+              <a:buFontTx/>
+              <a:buNone/>
+              <a:tabLst/>
+              <a:defRPr/>
+            </a:pPr>
+            <a:r>
+              <a:rPr lang="en-US" dirty="0"/>
+              <a:t>Server-side pagination is more common</a:t>
+            </a:r>
+          </a:p>
+          <a:p>
+            <a:pPr marL="0" marR="0" indent="0" defTabSz="457200" eaLnBrk="1" fontAlgn="auto" latinLnBrk="0" hangingPunct="1">
+              <a:lnSpc>
+                <a:spcPct val="100000"/>
+              </a:lnSpc>
+              <a:spcBef>
+                <a:spcPts val="0"/>
+              </a:spcBef>
+              <a:spcAft>
+                <a:spcPts val="0"/>
+              </a:spcAft>
+              <a:buClrTx/>
+              <a:buSzTx/>
+              <a:buFontTx/>
+              <a:buNone/>
+              <a:tabLst/>
+              <a:defRPr/>
+            </a:pPr>
+            <a:r>
+              <a:rPr lang="en-US" sz="1200" b="0" i="0" dirty="0">
+                <a:effectLst/>
+                <a:latin typeface="+mn-lt"/>
+                <a:ea typeface="+mn-ea"/>
+                <a:cs typeface="+mn-cs"/>
+                <a:sym typeface="Calibri"/>
+              </a:rPr>
+              <a:t>Client-side pagination can be used when there are very few records to be accessed</a:t>
+            </a:r>
+            <a:endParaRPr lang="en-US" dirty="0"/>
+          </a:p>
+        </p:txBody>
+      </p:sp>
+    </p:spTree>
+    <p:extLst>
+      <p:ext uri="{BB962C8B-B14F-4D97-AF65-F5344CB8AC3E}">
+        <p14:creationId xmlns:p14="http://schemas.microsoft.com/office/powerpoint/2010/main" val="3768883872"/>
+      </p:ext>
+    </p:extLst>
+  </p:cSld>
+  <p:clrMapOvr>
+    <a:masterClrMapping/>
+  </p:clrMapOvr>
+</p:notes>
+</file>
+
+<file path=ppt/notesSlides/notesSlide8.xml><?xml version="1.0" encoding="utf-8"?>
+<p:notes xmlns:a="http://schemas.openxmlformats.org/drawingml/2006/main" xmlns:r="http://schemas.openxmlformats.org/officeDocument/2006/relationships" xmlns:p="http://schemas.openxmlformats.org/presentationml/2006/main">
+  <p:cSld>
+    <p:spTree>
+      <p:nvGrpSpPr>
+        <p:cNvPr id="1" name=""/>
+        <p:cNvGrpSpPr/>
+        <p:nvPr/>
+      </p:nvGrpSpPr>
+      <p:grpSpPr>
+        <a:xfrm>
+          <a:off x="0" y="0"/>
+          <a:ext cx="0" cy="0"/>
+          <a:chOff x="0" y="0"/>
+          <a:chExt cx="0" cy="0"/>
+        </a:xfrm>
+      </p:grpSpPr>
+      <p:sp>
+        <p:nvSpPr>
+          <p:cNvPr id="2" name="Slide Image Placeholder 1"/>
+          <p:cNvSpPr>
+            <a:spLocks noGrp="1" noRot="1" noChangeAspect="1"/>
+          </p:cNvSpPr>
+          <p:nvPr>
+            <p:ph type="sldImg"/>
+          </p:nvPr>
+        </p:nvSpPr>
+        <p:spPr/>
+      </p:sp>
+      <p:sp>
+        <p:nvSpPr>
+          <p:cNvPr id="3" name="Notes Placeholder 2"/>
+          <p:cNvSpPr>
+            <a:spLocks noGrp="1"/>
+          </p:cNvSpPr>
+          <p:nvPr>
+            <p:ph type="body" idx="1"/>
+          </p:nvPr>
+        </p:nvSpPr>
+        <p:spPr/>
+        <p:txBody>
+          <a:bodyPr/>
+          <a:lstStyle/>
+          <a:p>
+            <a:pPr marL="0" marR="0" indent="0" defTabSz="457200" eaLnBrk="1" fontAlgn="auto" latinLnBrk="0" hangingPunct="1">
+              <a:lnSpc>
+                <a:spcPct val="100000"/>
+              </a:lnSpc>
+              <a:spcBef>
+                <a:spcPts val="0"/>
+              </a:spcBef>
+              <a:spcAft>
+                <a:spcPts val="0"/>
+              </a:spcAft>
+              <a:buClrTx/>
+              <a:buSzTx/>
+              <a:buFontTx/>
+              <a:buNone/>
+              <a:tabLst/>
+              <a:defRPr/>
+            </a:pPr>
+            <a:r>
+              <a:rPr lang="en-US" dirty="0"/>
+              <a:t>Reason for pagination:</a:t>
+            </a:r>
+          </a:p>
+          <a:p>
+            <a:r>
+              <a:rPr lang="en-US" sz="1200" b="0" i="0" dirty="0">
+                <a:effectLst/>
+                <a:latin typeface="+mn-lt"/>
+                <a:ea typeface="+mn-ea"/>
+                <a:cs typeface="+mn-cs"/>
+                <a:sym typeface="Calibri"/>
+              </a:rPr>
+              <a:t>- </a:t>
+            </a:r>
+            <a:r>
+              <a:rPr lang="en-US" sz="1200" b="0" i="0" dirty="0" err="1">
+                <a:effectLst/>
+                <a:latin typeface="+mn-lt"/>
+                <a:ea typeface="+mn-ea"/>
+                <a:cs typeface="+mn-cs"/>
+                <a:sym typeface="Calibri"/>
+              </a:rPr>
+              <a:t>GetAll</a:t>
+            </a:r>
+            <a:r>
+              <a:rPr lang="en-US" sz="1200" b="0" i="0" dirty="0">
+                <a:effectLst/>
+                <a:latin typeface="+mn-lt"/>
+                <a:ea typeface="+mn-ea"/>
+                <a:cs typeface="+mn-cs"/>
+                <a:sym typeface="Calibri"/>
+              </a:rPr>
+              <a:t> is a bit of an issue (too much data)</a:t>
+            </a:r>
+          </a:p>
+          <a:p>
+            <a:r>
+              <a:rPr lang="en-US" sz="1200" b="0" i="0" dirty="0">
+                <a:effectLst/>
+                <a:latin typeface="+mn-lt"/>
+                <a:ea typeface="+mn-ea"/>
+                <a:cs typeface="+mn-cs"/>
+                <a:sym typeface="Calibri"/>
+              </a:rPr>
+              <a:t>- A malicious attacker could cause a DDOS by simply spinning up a lot of requests</a:t>
+            </a:r>
+          </a:p>
+          <a:p>
+            <a:r>
+              <a:rPr lang="en-US" sz="1200" b="0" i="0" dirty="0">
+                <a:effectLst/>
+                <a:latin typeface="+mn-lt"/>
+                <a:ea typeface="+mn-ea"/>
+                <a:cs typeface="+mn-cs"/>
+                <a:sym typeface="Calibri"/>
+              </a:rPr>
+              <a:t>- Requests would all eventually fail because of timeout</a:t>
+            </a:r>
+          </a:p>
+          <a:p>
+            <a:r>
+              <a:rPr lang="en-US" sz="1200" b="0" i="0" dirty="0">
+                <a:effectLst/>
+                <a:latin typeface="+mn-lt"/>
+                <a:ea typeface="+mn-ea"/>
+                <a:cs typeface="+mn-cs"/>
+                <a:sym typeface="Calibri"/>
+              </a:rPr>
+              <a:t>- Our server would be quickly overwhelmed</a:t>
+            </a:r>
+            <a:endParaRPr lang="en-US" dirty="0"/>
+          </a:p>
+          <a:p>
+            <a:pPr marL="0" marR="0" indent="0" defTabSz="457200" eaLnBrk="1" fontAlgn="auto" latinLnBrk="0" hangingPunct="1">
+              <a:lnSpc>
+                <a:spcPct val="100000"/>
+              </a:lnSpc>
+              <a:spcBef>
+                <a:spcPts val="0"/>
+              </a:spcBef>
+              <a:spcAft>
+                <a:spcPts val="0"/>
+              </a:spcAft>
+              <a:buClrTx/>
+              <a:buSzTx/>
+              <a:buFontTx/>
+              <a:buNone/>
+              <a:tabLst/>
+              <a:defRPr/>
+            </a:pPr>
+            <a:endParaRPr lang="en-US" dirty="0"/>
+          </a:p>
+          <a:p>
+            <a:pPr marL="0" marR="0" indent="0" defTabSz="457200" eaLnBrk="1" fontAlgn="auto" latinLnBrk="0" hangingPunct="1">
+              <a:lnSpc>
+                <a:spcPct val="100000"/>
+              </a:lnSpc>
+              <a:spcBef>
+                <a:spcPts val="0"/>
+              </a:spcBef>
+              <a:spcAft>
+                <a:spcPts val="0"/>
+              </a:spcAft>
+              <a:buClrTx/>
+              <a:buSzTx/>
+              <a:buFontTx/>
+              <a:buNone/>
+              <a:tabLst/>
+              <a:defRPr/>
+            </a:pPr>
+            <a:r>
+              <a:rPr lang="en-US" dirty="0"/>
+              <a:t>Server-side pagination is more common</a:t>
+            </a:r>
+          </a:p>
+          <a:p>
+            <a:pPr marL="0" marR="0" indent="0" defTabSz="457200" eaLnBrk="1" fontAlgn="auto" latinLnBrk="0" hangingPunct="1">
+              <a:lnSpc>
+                <a:spcPct val="100000"/>
+              </a:lnSpc>
+              <a:spcBef>
+                <a:spcPts val="0"/>
+              </a:spcBef>
+              <a:spcAft>
+                <a:spcPts val="0"/>
+              </a:spcAft>
+              <a:buClrTx/>
+              <a:buSzTx/>
+              <a:buFontTx/>
+              <a:buNone/>
+              <a:tabLst/>
+              <a:defRPr/>
+            </a:pPr>
+            <a:r>
+              <a:rPr lang="en-US" sz="1200" b="0" i="0" dirty="0">
+                <a:effectLst/>
+                <a:latin typeface="+mn-lt"/>
+                <a:ea typeface="+mn-ea"/>
+                <a:cs typeface="+mn-cs"/>
+                <a:sym typeface="Calibri"/>
+              </a:rPr>
+              <a:t>Client-side pagination can be used when there are very few records to be accessed</a:t>
+            </a:r>
+            <a:endParaRPr lang="en-US" dirty="0"/>
+          </a:p>
+        </p:txBody>
+      </p:sp>
+    </p:spTree>
+    <p:extLst>
+      <p:ext uri="{BB962C8B-B14F-4D97-AF65-F5344CB8AC3E}">
+        <p14:creationId xmlns:p14="http://schemas.microsoft.com/office/powerpoint/2010/main" val="3793017362"/>
+      </p:ext>
+    </p:extLst>
+  </p:cSld>
+  <p:clrMapOvr>
+    <a:masterClrMapping/>
+  </p:clrMapOvr>
+</p:notes>
+</file>
+
+<file path=ppt/notesSlides/notesSlide9.xml><?xml version="1.0" encoding="utf-8"?>
+<p:notes xmlns:a="http://schemas.openxmlformats.org/drawingml/2006/main" xmlns:r="http://schemas.openxmlformats.org/officeDocument/2006/relationships" xmlns:p="http://schemas.openxmlformats.org/presentationml/2006/main">
+  <p:cSld>
+    <p:spTree>
+      <p:nvGrpSpPr>
+        <p:cNvPr id="1" name=""/>
+        <p:cNvGrpSpPr/>
+        <p:nvPr/>
+      </p:nvGrpSpPr>
+      <p:grpSpPr>
+        <a:xfrm>
+          <a:off x="0" y="0"/>
+          <a:ext cx="0" cy="0"/>
+          <a:chOff x="0" y="0"/>
+          <a:chExt cx="0" cy="0"/>
+        </a:xfrm>
+      </p:grpSpPr>
+      <p:sp>
+        <p:nvSpPr>
+          <p:cNvPr id="2" name="Slide Image Placeholder 1"/>
+          <p:cNvSpPr>
+            <a:spLocks noGrp="1" noRot="1" noChangeAspect="1"/>
+          </p:cNvSpPr>
+          <p:nvPr>
+            <p:ph type="sldImg"/>
+          </p:nvPr>
+        </p:nvSpPr>
+        <p:spPr/>
+      </p:sp>
+      <p:sp>
+        <p:nvSpPr>
+          <p:cNvPr id="3" name="Notes Placeholder 2"/>
+          <p:cNvSpPr>
+            <a:spLocks noGrp="1"/>
+          </p:cNvSpPr>
+          <p:nvPr>
+            <p:ph type="body" idx="1"/>
+          </p:nvPr>
+        </p:nvSpPr>
+        <p:spPr/>
+        <p:txBody>
+          <a:bodyPr/>
+          <a:lstStyle/>
+          <a:p>
+            <a:pPr marL="0" marR="0" indent="0" defTabSz="457200" eaLnBrk="1" fontAlgn="auto" latinLnBrk="0" hangingPunct="1">
+              <a:lnSpc>
+                <a:spcPct val="100000"/>
+              </a:lnSpc>
+              <a:spcBef>
+                <a:spcPts val="0"/>
+              </a:spcBef>
+              <a:spcAft>
+                <a:spcPts val="0"/>
+              </a:spcAft>
+              <a:buClrTx/>
+              <a:buSzTx/>
+              <a:buFontTx/>
+              <a:buNone/>
+              <a:tabLst/>
+              <a:defRPr/>
+            </a:pPr>
+            <a:r>
+              <a:rPr lang="en-US" dirty="0"/>
+              <a:t>Reason for pagination:</a:t>
+            </a:r>
+          </a:p>
+          <a:p>
+            <a:r>
+              <a:rPr lang="en-US" sz="1200" b="0" i="0" dirty="0">
+                <a:effectLst/>
+                <a:latin typeface="+mn-lt"/>
+                <a:ea typeface="+mn-ea"/>
+                <a:cs typeface="+mn-cs"/>
+                <a:sym typeface="Calibri"/>
+              </a:rPr>
+              <a:t>- </a:t>
+            </a:r>
+            <a:r>
+              <a:rPr lang="en-US" sz="1200" b="0" i="0" dirty="0" err="1">
+                <a:effectLst/>
+                <a:latin typeface="+mn-lt"/>
+                <a:ea typeface="+mn-ea"/>
+                <a:cs typeface="+mn-cs"/>
+                <a:sym typeface="Calibri"/>
+              </a:rPr>
+              <a:t>GetAll</a:t>
+            </a:r>
+            <a:r>
+              <a:rPr lang="en-US" sz="1200" b="0" i="0" dirty="0">
+                <a:effectLst/>
+                <a:latin typeface="+mn-lt"/>
+                <a:ea typeface="+mn-ea"/>
+                <a:cs typeface="+mn-cs"/>
+                <a:sym typeface="Calibri"/>
+              </a:rPr>
+              <a:t> is a bit of an issue (too much data)</a:t>
+            </a:r>
+          </a:p>
+          <a:p>
+            <a:r>
+              <a:rPr lang="en-US" sz="1200" b="0" i="0" dirty="0">
+                <a:effectLst/>
+                <a:latin typeface="+mn-lt"/>
+                <a:ea typeface="+mn-ea"/>
+                <a:cs typeface="+mn-cs"/>
+                <a:sym typeface="Calibri"/>
+              </a:rPr>
+              <a:t>- A malicious attacker could cause a DDOS by simply spinning up a lot of requests</a:t>
+            </a:r>
+          </a:p>
+          <a:p>
+            <a:r>
+              <a:rPr lang="en-US" sz="1200" b="0" i="0" dirty="0">
+                <a:effectLst/>
+                <a:latin typeface="+mn-lt"/>
+                <a:ea typeface="+mn-ea"/>
+                <a:cs typeface="+mn-cs"/>
+                <a:sym typeface="Calibri"/>
+              </a:rPr>
+              <a:t>- Requests would all eventually fail because of timeout</a:t>
+            </a:r>
+          </a:p>
+          <a:p>
+            <a:r>
+              <a:rPr lang="en-US" sz="1200" b="0" i="0" dirty="0">
+                <a:effectLst/>
+                <a:latin typeface="+mn-lt"/>
+                <a:ea typeface="+mn-ea"/>
+                <a:cs typeface="+mn-cs"/>
+                <a:sym typeface="Calibri"/>
+              </a:rPr>
+              <a:t>- Our server would be quickly overwhelmed</a:t>
+            </a:r>
+            <a:endParaRPr lang="en-US" dirty="0"/>
+          </a:p>
+          <a:p>
+            <a:pPr marL="0" marR="0" indent="0" defTabSz="457200" eaLnBrk="1" fontAlgn="auto" latinLnBrk="0" hangingPunct="1">
+              <a:lnSpc>
+                <a:spcPct val="100000"/>
+              </a:lnSpc>
+              <a:spcBef>
+                <a:spcPts val="0"/>
+              </a:spcBef>
+              <a:spcAft>
+                <a:spcPts val="0"/>
+              </a:spcAft>
+              <a:buClrTx/>
+              <a:buSzTx/>
+              <a:buFontTx/>
+              <a:buNone/>
+              <a:tabLst/>
+              <a:defRPr/>
+            </a:pPr>
+            <a:endParaRPr lang="en-US" dirty="0"/>
+          </a:p>
+          <a:p>
+            <a:pPr marL="0" marR="0" indent="0" defTabSz="457200" eaLnBrk="1" fontAlgn="auto" latinLnBrk="0" hangingPunct="1">
+              <a:lnSpc>
+                <a:spcPct val="100000"/>
+              </a:lnSpc>
+              <a:spcBef>
+                <a:spcPts val="0"/>
+              </a:spcBef>
+              <a:spcAft>
+                <a:spcPts val="0"/>
+              </a:spcAft>
+              <a:buClrTx/>
+              <a:buSzTx/>
+              <a:buFontTx/>
+              <a:buNone/>
+              <a:tabLst/>
+              <a:defRPr/>
+            </a:pPr>
+            <a:r>
+              <a:rPr lang="en-US" dirty="0"/>
+              <a:t>Server-side pagination is more common</a:t>
+            </a:r>
+          </a:p>
+          <a:p>
+            <a:pPr marL="0" marR="0" indent="0" defTabSz="457200" eaLnBrk="1" fontAlgn="auto" latinLnBrk="0" hangingPunct="1">
+              <a:lnSpc>
+                <a:spcPct val="100000"/>
+              </a:lnSpc>
+              <a:spcBef>
+                <a:spcPts val="0"/>
+              </a:spcBef>
+              <a:spcAft>
+                <a:spcPts val="0"/>
+              </a:spcAft>
+              <a:buClrTx/>
+              <a:buSzTx/>
+              <a:buFontTx/>
+              <a:buNone/>
+              <a:tabLst/>
+              <a:defRPr/>
+            </a:pPr>
+            <a:r>
+              <a:rPr lang="en-US" sz="1200" b="0" i="0" dirty="0">
+                <a:effectLst/>
+                <a:latin typeface="+mn-lt"/>
+                <a:ea typeface="+mn-ea"/>
+                <a:cs typeface="+mn-cs"/>
+                <a:sym typeface="Calibri"/>
+              </a:rPr>
+              <a:t>Client-side pagination can be used when there are very few records to be accessed</a:t>
+            </a:r>
+            <a:endParaRPr lang="en-US" dirty="0"/>
+          </a:p>
+        </p:txBody>
+      </p:sp>
+    </p:spTree>
+    <p:extLst>
+      <p:ext uri="{BB962C8B-B14F-4D97-AF65-F5344CB8AC3E}">
+        <p14:creationId xmlns:p14="http://schemas.microsoft.com/office/powerpoint/2010/main" val="902604523"/>
       </p:ext>
     </p:extLst>
   </p:cSld>
@@ -6154,7 +7713,7 @@
           </a:ln>
           <a:extLst>
             <a:ext uri="{C572A759-6A51-4108-AA02-DFA0A04FC94B}">
-              <ma14:wrappingTextBoxFlag xmlns:ma14="http://schemas.microsoft.com/office/mac/drawingml/2011/main" xmlns="" val="1"/>
+              <ma14:wrappingTextBoxFlag xmlns="" xmlns:ma14="http://schemas.microsoft.com/office/mac/drawingml/2011/main" val="1"/>
             </a:ext>
           </a:extLst>
         </p:spPr>
@@ -6193,7 +7752,7 @@
           </a:ln>
           <a:extLst>
             <a:ext uri="{C572A759-6A51-4108-AA02-DFA0A04FC94B}">
-              <ma14:wrappingTextBoxFlag xmlns:ma14="http://schemas.microsoft.com/office/mac/drawingml/2011/main" xmlns="" val="1"/>
+              <ma14:wrappingTextBoxFlag xmlns="" xmlns:ma14="http://schemas.microsoft.com/office/mac/drawingml/2011/main" val="1"/>
             </a:ext>
           </a:extLst>
         </p:spPr>
@@ -7273,7 +8832,7 @@
           <a:lstStyle/>
           <a:p>
             <a:r>
-              <a:rPr lang="en-US" sz="2500" dirty="0"/>
+              <a:rPr lang="en-US" sz="4000" dirty="0"/>
               <a:t>HTTP API</a:t>
             </a:r>
           </a:p>
@@ -7365,7 +8924,9 @@
           </a:prstGeom>
         </p:spPr>
         <p:txBody>
-          <a:bodyPr/>
+          <a:bodyPr>
+            <a:noAutofit/>
+          </a:bodyPr>
           <a:lstStyle>
             <a:lvl1pPr>
               <a:defRPr sz="2500" b="1"/>
@@ -7373,14 +8934,14 @@
           </a:lstStyle>
           <a:p>
             <a:r>
-              <a:rPr b="0" dirty="0"/>
+              <a:rPr sz="4000" b="0" dirty="0"/>
               <a:t>HTTP API</a:t>
             </a:r>
             <a:r>
-              <a:rPr lang="en-US" b="0" dirty="0"/>
+              <a:rPr lang="en-US" sz="4000" b="0" dirty="0"/>
               <a:t>.</a:t>
             </a:r>
-            <a:endParaRPr b="0" dirty="0"/>
+            <a:endParaRPr sz="4000" b="0" dirty="0"/>
           </a:p>
         </p:txBody>
       </p:sp>
@@ -7732,7 +9293,7 @@
             </a:r>
             <a:r>
               <a:rPr lang="en-US" b="0" dirty="0"/>
-              <a:t>.</a:t>
+              <a:t>..</a:t>
             </a:r>
             <a:endParaRPr b="0" dirty="0"/>
           </a:p>
@@ -8134,7 +9695,9 @@
           </a:prstGeom>
         </p:spPr>
         <p:txBody>
-          <a:bodyPr/>
+          <a:bodyPr>
+            <a:noAutofit/>
+          </a:bodyPr>
           <a:lstStyle>
             <a:lvl1pPr>
               <a:defRPr sz="2500" b="1"/>
@@ -8142,14 +9705,10 @@
           </a:lstStyle>
           <a:p>
             <a:r>
-              <a:rPr b="0" dirty="0"/>
-              <a:t>HTTP API</a:t>
-            </a:r>
-            <a:r>
-              <a:rPr lang="en-US" b="0" dirty="0"/>
-              <a:t>.</a:t>
-            </a:r>
-            <a:endParaRPr b="0" dirty="0"/>
+              <a:rPr lang="en-US" sz="4000" b="0" dirty="0"/>
+              <a:t>HTTP API...</a:t>
+            </a:r>
+            <a:endParaRPr sz="4000" b="0" dirty="0"/>
           </a:p>
         </p:txBody>
       </p:sp>
@@ -8565,7 +10124,9 @@
           </a:prstGeom>
         </p:spPr>
         <p:txBody>
-          <a:bodyPr/>
+          <a:bodyPr>
+            <a:noAutofit/>
+          </a:bodyPr>
           <a:lstStyle>
             <a:lvl1pPr>
               <a:defRPr sz="2500" b="1"/>
@@ -8573,14 +10134,10 @@
           </a:lstStyle>
           <a:p>
             <a:r>
-              <a:rPr b="0" dirty="0"/>
-              <a:t>HTTP API</a:t>
-            </a:r>
-            <a:r>
-              <a:rPr lang="en-US" b="0" dirty="0"/>
-              <a:t>.</a:t>
-            </a:r>
-            <a:endParaRPr b="0" dirty="0"/>
+              <a:rPr lang="en-US" sz="4000" b="0" dirty="0"/>
+              <a:t>HTTP API….</a:t>
+            </a:r>
+            <a:endParaRPr sz="4000" b="0" dirty="0"/>
           </a:p>
         </p:txBody>
       </p:sp>
@@ -9020,7 +10577,9 @@
           </a:prstGeom>
         </p:spPr>
         <p:txBody>
-          <a:bodyPr/>
+          <a:bodyPr>
+            <a:noAutofit/>
+          </a:bodyPr>
           <a:lstStyle>
             <a:lvl1pPr>
               <a:defRPr sz="2500" b="1"/>
@@ -9028,14 +10587,14 @@
           </a:lstStyle>
           <a:p>
             <a:r>
-              <a:rPr b="0" dirty="0"/>
+              <a:rPr sz="4000" b="0" dirty="0"/>
               <a:t>HTTP API</a:t>
             </a:r>
             <a:r>
-              <a:rPr lang="en-US" b="0" dirty="0"/>
-              <a:t>.</a:t>
-            </a:r>
-            <a:endParaRPr b="0" dirty="0"/>
+              <a:rPr lang="en-US" sz="4000" b="0" dirty="0"/>
+              <a:t>…..</a:t>
+            </a:r>
+            <a:endParaRPr sz="4000" b="0" dirty="0"/>
           </a:p>
         </p:txBody>
       </p:sp>
@@ -9485,11 +11044,13 @@
         </p:nvSpPr>
         <p:spPr/>
         <p:txBody>
-          <a:bodyPr/>
+          <a:bodyPr>
+            <a:normAutofit/>
+          </a:bodyPr>
           <a:lstStyle/>
           <a:p>
             <a:r>
-              <a:rPr lang="en-US" dirty="0"/>
+              <a:rPr lang="en-US" sz="4000" dirty="0"/>
               <a:t>Example</a:t>
             </a:r>
           </a:p>
@@ -9574,7 +11135,9 @@
           </a:prstGeom>
         </p:spPr>
         <p:txBody>
-          <a:bodyPr/>
+          <a:bodyPr>
+            <a:normAutofit/>
+          </a:bodyPr>
           <a:lstStyle>
             <a:lvl1pPr marL="914400" indent="-914400">
               <a:lnSpc>
@@ -9594,35 +11157,35 @@
           </a:lstStyle>
           <a:p>
             <a:r>
-              <a:rPr b="0" dirty="0">
+              <a:rPr sz="4000" b="0" dirty="0">
                 <a:latin typeface="Calibri" panose="020F0502020204030204" pitchFamily="34" charset="0"/>
                 <a:cs typeface="Calibri" panose="020F0502020204030204" pitchFamily="34" charset="0"/>
               </a:rPr>
               <a:t>REST: Representational </a:t>
             </a:r>
             <a:r>
-              <a:rPr lang="en-US" b="0" dirty="0">
+              <a:rPr lang="en-US" sz="4000" b="0" dirty="0">
                 <a:latin typeface="Calibri" panose="020F0502020204030204" pitchFamily="34" charset="0"/>
                 <a:cs typeface="Calibri" panose="020F0502020204030204" pitchFamily="34" charset="0"/>
               </a:rPr>
               <a:t>S</a:t>
             </a:r>
             <a:r>
-              <a:rPr b="0" dirty="0">
+              <a:rPr sz="4000" b="0" dirty="0">
                 <a:latin typeface="Calibri" panose="020F0502020204030204" pitchFamily="34" charset="0"/>
                 <a:cs typeface="Calibri" panose="020F0502020204030204" pitchFamily="34" charset="0"/>
               </a:rPr>
               <a:t>tate </a:t>
             </a:r>
             <a:r>
-              <a:rPr lang="en-US" b="0" dirty="0">
+              <a:rPr lang="en-US" sz="4000" b="0" dirty="0">
                 <a:latin typeface="Calibri" panose="020F0502020204030204" pitchFamily="34" charset="0"/>
                 <a:cs typeface="Calibri" panose="020F0502020204030204" pitchFamily="34" charset="0"/>
               </a:rPr>
               <a:t>T</a:t>
             </a:r>
             <a:r>
-              <a:rPr b="0" dirty="0">
+              <a:rPr sz="4000" b="0" dirty="0">
                 <a:latin typeface="Calibri" panose="020F0502020204030204" pitchFamily="34" charset="0"/>
                 <a:cs typeface="Calibri" panose="020F0502020204030204" pitchFamily="34" charset="0"/>
               </a:rPr>
@@ -9680,7 +11243,7 @@
                 <a:latin typeface="Calibri" panose="020F0502020204030204" pitchFamily="34" charset="0"/>
                 <a:cs typeface="Calibri" panose="020F0502020204030204" pitchFamily="34" charset="0"/>
               </a:rPr>
-              <a:t>Rest i</a:t>
+              <a:t>REST i</a:t>
             </a:r>
             <a:r>
               <a:rPr sz="2000" dirty="0">
@@ -9974,13 +11537,13 @@
           <a:lstStyle/>
           <a:p>
             <a:r>
-              <a:rPr lang="en-US" sz="2500" dirty="0">
+              <a:rPr lang="en-US" sz="4000" dirty="0">
                 <a:latin typeface="Calibri" panose="020F0502020204030204" pitchFamily="34" charset="0"/>
                 <a:cs typeface="Calibri" panose="020F0502020204030204" pitchFamily="34" charset="0"/>
               </a:rPr>
               <a:t>REST: Representational State Transfer.</a:t>
             </a:r>
-            <a:endParaRPr lang="en-US" sz="2500" dirty="0"/>
+            <a:endParaRPr lang="en-US" sz="4000" dirty="0"/>
           </a:p>
         </p:txBody>
       </p:sp>
@@ -10415,94 +11978,66 @@
       </p:grpSpPr>
       <p:sp>
         <p:nvSpPr>
-          <p:cNvPr id="144" name="…Messages in REST API"/>
-          <p:cNvSpPr txBox="1">
+          <p:cNvPr id="2" name="Title 1">
+            <a:extLst>
+              <a:ext uri="{FF2B5EF4-FFF2-40B4-BE49-F238E27FC236}">
+                <a16:creationId xmlns:a16="http://schemas.microsoft.com/office/drawing/2014/main" id="{8A8D72BD-11FA-9749-8C45-29D504D6822C}"/>
+              </a:ext>
+            </a:extLst>
+          </p:cNvPr>
+          <p:cNvSpPr>
             <a:spLocks noGrp="1"/>
           </p:cNvSpPr>
           <p:nvPr>
             <p:ph type="title"/>
           </p:nvPr>
         </p:nvSpPr>
-        <p:spPr>
-          <a:xfrm>
-            <a:off x="457200" y="274638"/>
-            <a:ext cx="8229600" cy="1143001"/>
-          </a:xfrm>
-          <a:prstGeom prst="rect">
-            <a:avLst/>
-          </a:prstGeom>
-        </p:spPr>
+        <p:spPr/>
         <p:txBody>
           <a:bodyPr/>
-          <a:lstStyle>
-            <a:lvl1pPr>
-              <a:defRPr sz="2500" b="1"/>
-            </a:lvl1pPr>
-          </a:lstStyle>
-          <a:p>
-            <a:r>
-              <a:t>…Messages in REST API</a:t>
+          <a:lstStyle/>
+          <a:p>
+            <a:r>
+              <a:rPr lang="en-US" dirty="0"/>
+              <a:t>Example</a:t>
             </a:r>
           </a:p>
         </p:txBody>
       </p:sp>
       <p:sp>
         <p:nvSpPr>
-          <p:cNvPr id="145" name="Body"/>
-          <p:cNvSpPr txBox="1">
+          <p:cNvPr id="3" name="Text Placeholder 2">
+            <a:extLst>
+              <a:ext uri="{FF2B5EF4-FFF2-40B4-BE49-F238E27FC236}">
+                <a16:creationId xmlns:a16="http://schemas.microsoft.com/office/drawing/2014/main" id="{E7F0DF50-1AB7-9348-ABDD-69C53EC4963C}"/>
+              </a:ext>
+            </a:extLst>
+          </p:cNvPr>
+          <p:cNvSpPr>
             <a:spLocks noGrp="1"/>
           </p:cNvSpPr>
           <p:nvPr>
             <p:ph type="body" idx="1"/>
           </p:nvPr>
         </p:nvSpPr>
-        <p:spPr>
-          <a:xfrm>
-            <a:off x="457200" y="1600200"/>
-            <a:ext cx="8229600" cy="4525963"/>
-          </a:xfrm>
-          <a:prstGeom prst="rect">
-            <a:avLst/>
-          </a:prstGeom>
-        </p:spPr>
+        <p:spPr/>
         <p:txBody>
           <a:bodyPr/>
           <a:lstStyle/>
           <a:p>
-            <a:endParaRPr/>
+            <a:r>
+              <a:rPr lang="en-US" dirty="0"/>
+              <a:t>Live code</a:t>
+            </a:r>
           </a:p>
         </p:txBody>
       </p:sp>
-      <p:pic>
-        <p:nvPicPr>
-          <p:cNvPr id="146" name="9_HTTP_Message_Format.jpg" descr="9_HTTP_Message_Format.jpg"/>
-          <p:cNvPicPr>
-            <a:picLocks noChangeAspect="1"/>
-          </p:cNvPicPr>
-          <p:nvPr/>
-        </p:nvPicPr>
-        <p:blipFill>
-          <a:blip r:embed="rId2">
-            <a:extLst/>
-          </a:blip>
-          <a:stretch>
-            <a:fillRect/>
-          </a:stretch>
-        </p:blipFill>
-        <p:spPr>
-          <a:xfrm>
-            <a:off x="376395" y="1639366"/>
-            <a:ext cx="8753918" cy="4447631"/>
-          </a:xfrm>
-          <a:prstGeom prst="rect">
-            <a:avLst/>
-          </a:prstGeom>
-          <a:ln w="12700">
-            <a:miter lim="400000"/>
-          </a:ln>
-        </p:spPr>
-      </p:pic>
     </p:spTree>
+    <p:extLst>
+      <p:ext uri="{BB962C8B-B14F-4D97-AF65-F5344CB8AC3E}">
+        <p14:creationId xmlns:p14="http://schemas.microsoft.com/office/powerpoint/2010/main" val="3725720902"/>
+      </p:ext>
+    </p:extLst>
   </p:cSld>
   <p:clrMapOvr>
     <a:masterClrMapping/>
@@ -10548,7 +12083,9 @@
           </a:prstGeom>
         </p:spPr>
         <p:txBody>
-          <a:bodyPr/>
+          <a:bodyPr>
+            <a:noAutofit/>
+          </a:bodyPr>
           <a:lstStyle>
             <a:lvl1pPr>
               <a:defRPr sz="2500" b="1"/>
@@ -10556,7 +12093,7 @@
           </a:lstStyle>
           <a:p>
             <a:r>
-              <a:rPr b="0" dirty="0"/>
+              <a:rPr sz="4000" b="0" dirty="0"/>
               <a:t>Overview</a:t>
             </a:r>
           </a:p>
@@ -10753,66 +12290,97 @@
       </p:grpSpPr>
       <p:sp>
         <p:nvSpPr>
-          <p:cNvPr id="2" name="Title 1">
-            <a:extLst>
-              <a:ext uri="{FF2B5EF4-FFF2-40B4-BE49-F238E27FC236}">
-                <a16:creationId xmlns:a16="http://schemas.microsoft.com/office/drawing/2014/main" id="{8A8D72BD-11FA-9749-8C45-29D504D6822C}"/>
-              </a:ext>
-            </a:extLst>
-          </p:cNvPr>
-          <p:cNvSpPr>
+          <p:cNvPr id="144" name="…Messages in REST API"/>
+          <p:cNvSpPr txBox="1">
             <a:spLocks noGrp="1"/>
           </p:cNvSpPr>
           <p:nvPr>
             <p:ph type="title"/>
           </p:nvPr>
         </p:nvSpPr>
-        <p:spPr/>
+        <p:spPr>
+          <a:xfrm>
+            <a:off x="457200" y="274638"/>
+            <a:ext cx="8229600" cy="1143001"/>
+          </a:xfrm>
+          <a:prstGeom prst="rect">
+            <a:avLst/>
+          </a:prstGeom>
+        </p:spPr>
         <p:txBody>
-          <a:bodyPr/>
-          <a:lstStyle/>
-          <a:p>
-            <a:r>
-              <a:rPr lang="en-US" dirty="0"/>
-              <a:t>Example</a:t>
+          <a:bodyPr>
+            <a:normAutofit/>
+          </a:bodyPr>
+          <a:lstStyle>
+            <a:lvl1pPr>
+              <a:defRPr sz="2500" b="1"/>
+            </a:lvl1pPr>
+          </a:lstStyle>
+          <a:p>
+            <a:r>
+              <a:rPr sz="4000" b="0" dirty="0"/>
+              <a:t>Messages in REST API</a:t>
             </a:r>
           </a:p>
         </p:txBody>
       </p:sp>
       <p:sp>
         <p:nvSpPr>
-          <p:cNvPr id="3" name="Text Placeholder 2">
-            <a:extLst>
-              <a:ext uri="{FF2B5EF4-FFF2-40B4-BE49-F238E27FC236}">
-                <a16:creationId xmlns:a16="http://schemas.microsoft.com/office/drawing/2014/main" id="{E7F0DF50-1AB7-9348-ABDD-69C53EC4963C}"/>
-              </a:ext>
-            </a:extLst>
-          </p:cNvPr>
-          <p:cNvSpPr>
+          <p:cNvPr id="145" name="Body"/>
+          <p:cNvSpPr txBox="1">
             <a:spLocks noGrp="1"/>
           </p:cNvSpPr>
           <p:nvPr>
             <p:ph type="body" idx="1"/>
           </p:nvPr>
         </p:nvSpPr>
-        <p:spPr/>
+        <p:spPr>
+          <a:xfrm>
+            <a:off x="457200" y="1600200"/>
+            <a:ext cx="8229600" cy="4525963"/>
+          </a:xfrm>
+          <a:prstGeom prst="rect">
+            <a:avLst/>
+          </a:prstGeom>
+        </p:spPr>
         <p:txBody>
           <a:bodyPr/>
           <a:lstStyle/>
           <a:p>
-            <a:r>
-              <a:rPr lang="en-US" dirty="0"/>
-              <a:t>Live code</a:t>
-            </a:r>
+            <a:endParaRPr/>
           </a:p>
         </p:txBody>
       </p:sp>
+      <p:pic>
+        <p:nvPicPr>
+          <p:cNvPr id="146" name="9_HTTP_Message_Format.jpg" descr="9_HTTP_Message_Format.jpg"/>
+          <p:cNvPicPr>
+            <a:picLocks noChangeAspect="1"/>
+          </p:cNvPicPr>
+          <p:nvPr/>
+        </p:nvPicPr>
+        <p:blipFill>
+          <a:blip r:embed="rId2">
+            <a:extLst/>
+          </a:blip>
+          <a:stretch>
+            <a:fillRect/>
+          </a:stretch>
+        </p:blipFill>
+        <p:spPr>
+          <a:xfrm>
+            <a:off x="376395" y="1639366"/>
+            <a:ext cx="8753918" cy="4447631"/>
+          </a:xfrm>
+          <a:prstGeom prst="rect">
+            <a:avLst/>
+          </a:prstGeom>
+          <a:ln w="12700">
+            <a:miter lim="400000"/>
+          </a:ln>
+        </p:spPr>
+      </p:pic>
     </p:spTree>
-    <p:extLst>
-      <p:ext uri="{BB962C8B-B14F-4D97-AF65-F5344CB8AC3E}">
-        <p14:creationId xmlns:p14="http://schemas.microsoft.com/office/powerpoint/2010/main" val="3725720902"/>
-      </p:ext>
-    </p:extLst>
   </p:cSld>
   <p:clrMapOvr>
     <a:masterClrMapping/>
@@ -10858,7 +12426,9 @@
           </a:prstGeom>
         </p:spPr>
         <p:txBody>
-          <a:bodyPr/>
+          <a:bodyPr>
+            <a:noAutofit/>
+          </a:bodyPr>
           <a:lstStyle>
             <a:lvl1pPr>
               <a:defRPr sz="2500" b="1"/>
@@ -10866,6 +12436,7 @@
           </a:lstStyle>
           <a:p>
             <a:r>
+              <a:rPr sz="4000" b="0" dirty="0"/>
               <a:t>Messages in REST API…</a:t>
             </a:r>
           </a:p>
@@ -10909,6 +12480,7 @@
               </a:defRPr>
             </a:pPr>
             <a:r>
+              <a:rPr dirty="0"/>
               <a:t>HTTP messages in REST become very descriptive; indeed they need to describe completely the users’ intentions and the servers’ response:</a:t>
             </a:r>
           </a:p>
@@ -10927,7 +12499,7 @@
                 <a:sym typeface="Helvetica"/>
               </a:defRPr>
             </a:pPr>
-            <a:endParaRPr/>
+            <a:endParaRPr dirty="0"/>
           </a:p>
           <a:p>
             <a:pPr marL="680900" lvl="1" indent="-240030" defTabSz="320038">
@@ -10945,6 +12517,7 @@
               </a:defRPr>
             </a:pPr>
             <a:r>
+              <a:rPr dirty="0"/>
               <a:t>Request</a:t>
             </a:r>
           </a:p>
@@ -10964,6 +12537,7 @@
               </a:defRPr>
             </a:pPr>
             <a:r>
+              <a:rPr dirty="0"/>
               <a:t>Resource URL</a:t>
             </a:r>
           </a:p>
@@ -10983,6 +12557,7 @@
               </a:defRPr>
             </a:pPr>
             <a:r>
+              <a:rPr dirty="0"/>
               <a:t>HTTP Method: GET, POST, PUT or DELETE</a:t>
             </a:r>
           </a:p>
@@ -11002,6 +12577,7 @@
               </a:defRPr>
             </a:pPr>
             <a:r>
+              <a:rPr dirty="0"/>
               <a:t>Query parameters</a:t>
             </a:r>
           </a:p>
@@ -11021,8 +12597,18 @@
               </a:defRPr>
             </a:pPr>
             <a:r>
-              <a:t>Request body definition</a:t>
-            </a:r>
+              <a:rPr dirty="0"/>
+              <a:t>Request headers such as accept that specify the content-type of a message (image, </a:t>
+            </a:r>
+            <a:r>
+              <a:rPr dirty="0" err="1"/>
+              <a:t>json</a:t>
+            </a:r>
+            <a:r>
+              <a:rPr dirty="0"/>
+              <a:t>, html)</a:t>
+            </a:r>
+            <a:endParaRPr lang="en-US" dirty="0"/>
           </a:p>
           <a:p>
             <a:pPr marL="1116330" lvl="2" indent="-240030" defTabSz="320038">
@@ -11040,8 +12626,12 @@
               </a:defRPr>
             </a:pPr>
             <a:r>
-              <a:t>Request headers such as accept that specify the content-type of a message (image, json, html)</a:t>
-            </a:r>
+              <a:rPr lang="en-US" sz="1700" dirty="0">
+                <a:sym typeface="Helvetica"/>
+              </a:rPr>
+              <a:t>Request body definition</a:t>
+            </a:r>
+            <a:endParaRPr dirty="0"/>
           </a:p>
           <a:p>
             <a:pPr marL="1116330" lvl="2" indent="-240030" defTabSz="320038">
@@ -11058,7 +12648,7 @@
                 <a:sym typeface="Helvetica"/>
               </a:defRPr>
             </a:pPr>
-            <a:endParaRPr/>
+            <a:endParaRPr dirty="0"/>
           </a:p>
           <a:p>
             <a:pPr marL="680900" lvl="1" indent="-240030" defTabSz="320038">
@@ -11076,8 +12666,10 @@
               </a:defRPr>
             </a:pPr>
             <a:r>
+              <a:rPr dirty="0" err="1"/>
               <a:t>Responce</a:t>
             </a:r>
+            <a:endParaRPr dirty="0"/>
           </a:p>
           <a:p>
             <a:pPr marL="1116330" lvl="2" indent="-240030" defTabSz="320038">
@@ -11095,6 +12687,7 @@
               </a:defRPr>
             </a:pPr>
             <a:r>
+              <a:rPr dirty="0"/>
               <a:t>HTTP status code (for example 200 when successful)</a:t>
             </a:r>
           </a:p>
@@ -11114,8 +12707,10 @@
               </a:defRPr>
             </a:pPr>
             <a:r>
-              <a:t>Response body</a:t>
-            </a:r>
+              <a:rPr dirty="0"/>
+              <a:t>Response headers</a:t>
+            </a:r>
+            <a:endParaRPr lang="en-US" dirty="0"/>
           </a:p>
           <a:p>
             <a:pPr marL="1116330" lvl="2" indent="-240030" defTabSz="320038">
@@ -11133,8 +12728,12 @@
               </a:defRPr>
             </a:pPr>
             <a:r>
-              <a:t>Response headers</a:t>
-            </a:r>
+              <a:rPr lang="en-US" sz="1700" dirty="0">
+                <a:sym typeface="Helvetica"/>
+              </a:rPr>
+              <a:t>Response body</a:t>
+            </a:r>
+            <a:endParaRPr dirty="0"/>
           </a:p>
           <a:p>
             <a:pPr marL="680900" lvl="1" indent="-240030" defTabSz="320038">
@@ -11151,24 +12750,7 @@
                 <a:sym typeface="Helvetica"/>
               </a:defRPr>
             </a:pPr>
-            <a:endParaRPr/>
-          </a:p>
-          <a:p>
-            <a:pPr marL="680900" lvl="1" indent="-240030" defTabSz="320038">
-              <a:lnSpc>
-                <a:spcPct val="80000"/>
-              </a:lnSpc>
-              <a:spcBef>
-                <a:spcPts val="300"/>
-              </a:spcBef>
-              <a:defRPr sz="1700">
-                <a:latin typeface="+mj-lt"/>
-                <a:ea typeface="+mj-ea"/>
-                <a:cs typeface="+mj-cs"/>
-                <a:sym typeface="Helvetica"/>
-              </a:defRPr>
-            </a:pPr>
-            <a:endParaRPr/>
+            <a:endParaRPr dirty="0"/>
           </a:p>
           <a:p>
             <a:pPr marL="0" indent="0" defTabSz="320038">
@@ -11188,6 +12770,7 @@
               </a:defRPr>
             </a:pPr>
             <a:r>
+              <a:rPr dirty="0"/>
               <a:t>* Example of body format</a:t>
             </a:r>
           </a:p>
@@ -11208,6 +12791,7 @@
               </a:defRPr>
             </a:pPr>
             <a:r>
+              <a:rPr dirty="0"/>
               <a:t>common formats are XML, JSON, or HTML</a:t>
             </a:r>
           </a:p>
@@ -11228,6 +12812,7 @@
               </a:defRPr>
             </a:pPr>
             <a:r>
+              <a:rPr dirty="0"/>
               <a:t>Note: Those formats are not efficient compared to binary, but it is helpful for humans</a:t>
             </a:r>
           </a:p>
@@ -11305,14 +12890,16 @@
         <p:spPr>
           <a:xfrm>
             <a:off x="457200" y="1022116"/>
-            <a:ext cx="8229600" cy="5835886"/>
+            <a:ext cx="8229600" cy="5363444"/>
           </a:xfrm>
           <a:prstGeom prst="rect">
             <a:avLst/>
           </a:prstGeom>
         </p:spPr>
         <p:txBody>
-          <a:bodyPr/>
+          <a:bodyPr>
+            <a:noAutofit/>
+          </a:bodyPr>
           <a:lstStyle/>
           <a:p>
             <a:pPr marL="680084" lvl="1" indent="-291465" defTabSz="388620">
@@ -11326,7 +12913,10 @@
               <a:defRPr sz="1500"/>
             </a:pPr>
             <a:r>
-              <a:rPr dirty="0"/>
+              <a:rPr sz="1200" dirty="0">
+                <a:latin typeface="Calibri" panose="020F0502020204030204" pitchFamily="34" charset="0"/>
+                <a:cs typeface="Calibri" panose="020F0502020204030204" pitchFamily="34" charset="0"/>
+              </a:rPr>
               <a:t>Level 0 : HTTP Tunneling</a:t>
             </a:r>
           </a:p>
@@ -11342,10 +12932,12 @@
               <a:defRPr sz="1300"/>
             </a:pPr>
             <a:r>
-              <a:rPr dirty="0"/>
+              <a:rPr sz="1200" dirty="0">
+                <a:latin typeface="Calibri" panose="020F0502020204030204" pitchFamily="34" charset="0"/>
+                <a:cs typeface="Calibri" panose="020F0502020204030204" pitchFamily="34" charset="0"/>
+              </a:rPr>
               <a:t>One URI, one HTTP method, for example POST</a:t>
             </a:r>
-            <a:endParaRPr sz="2300" dirty="0"/>
           </a:p>
           <a:p>
             <a:pPr marL="1020126" lvl="2" indent="-242887" defTabSz="388620">
@@ -11359,11 +12951,104 @@
               <a:defRPr sz="1300"/>
             </a:pPr>
             <a:r>
+              <a:rPr sz="1200" dirty="0">
+                <a:latin typeface="Calibri" panose="020F0502020204030204" pitchFamily="34" charset="0"/>
+                <a:cs typeface="Calibri" panose="020F0502020204030204" pitchFamily="34" charset="0"/>
+              </a:rPr>
+              <a:t>XML-Remote Procedural Calls (RPC)</a:t>
+            </a:r>
+          </a:p>
+        </p:txBody>
+      </p:sp>
+    </p:spTree>
+  </p:cSld>
+  <p:clrMapOvr>
+    <a:masterClrMapping/>
+  </p:clrMapOvr>
+  <p:transition spd="med"/>
+</p:sld>
+</file>
+
+<file path=ppt/slides/slide23.xml><?xml version="1.0" encoding="utf-8"?>
+<p:sld xmlns:a="http://schemas.openxmlformats.org/drawingml/2006/main" xmlns:r="http://schemas.openxmlformats.org/officeDocument/2006/relationships" xmlns:p="http://schemas.openxmlformats.org/presentationml/2006/main">
+  <p:cSld>
+    <p:spTree>
+      <p:nvGrpSpPr>
+        <p:cNvPr id="1" name=""/>
+        <p:cNvGrpSpPr/>
+        <p:nvPr/>
+      </p:nvGrpSpPr>
+      <p:grpSpPr>
+        <a:xfrm>
+          <a:off x="0" y="0"/>
+          <a:ext cx="0" cy="0"/>
+          <a:chOff x="0" y="0"/>
+          <a:chExt cx="0" cy="0"/>
+        </a:xfrm>
+      </p:grpSpPr>
+      <p:sp>
+        <p:nvSpPr>
+          <p:cNvPr id="151" name="Title 1"/>
+          <p:cNvSpPr txBox="1">
+            <a:spLocks noGrp="1"/>
+          </p:cNvSpPr>
+          <p:nvPr>
+            <p:ph type="title"/>
+          </p:nvPr>
+        </p:nvSpPr>
+        <p:spPr>
+          <a:xfrm>
+            <a:off x="457200" y="274636"/>
+            <a:ext cx="8229600" cy="675212"/>
+          </a:xfrm>
+          <a:prstGeom prst="rect">
+            <a:avLst/>
+          </a:prstGeom>
+        </p:spPr>
+        <p:txBody>
+          <a:bodyPr/>
+          <a:lstStyle>
+            <a:lvl1pPr>
+              <a:defRPr sz="2500" b="1"/>
+            </a:lvl1pPr>
+          </a:lstStyle>
+          <a:p>
+            <a:r>
               <a:rPr dirty="0"/>
-              <a:t>XML-Remote Procedural Calls (RPC)</a:t>
-            </a:r>
-            <a:endParaRPr sz="2300" dirty="0"/>
-          </a:p>
+              <a:t>REST evolution</a:t>
+            </a:r>
+            <a:r>
+              <a:rPr lang="en-US" dirty="0"/>
+              <a:t>.</a:t>
+            </a:r>
+            <a:endParaRPr dirty="0"/>
+          </a:p>
+        </p:txBody>
+      </p:sp>
+      <p:sp>
+        <p:nvSpPr>
+          <p:cNvPr id="152" name="Content Placeholder 2"/>
+          <p:cNvSpPr txBox="1">
+            <a:spLocks noGrp="1"/>
+          </p:cNvSpPr>
+          <p:nvPr>
+            <p:ph type="body" idx="1"/>
+          </p:nvPr>
+        </p:nvSpPr>
+        <p:spPr>
+          <a:xfrm>
+            <a:off x="457200" y="1022116"/>
+            <a:ext cx="8229600" cy="5363444"/>
+          </a:xfrm>
+          <a:prstGeom prst="rect">
+            <a:avLst/>
+          </a:prstGeom>
+        </p:spPr>
+        <p:txBody>
+          <a:bodyPr>
+            <a:noAutofit/>
+          </a:bodyPr>
+          <a:lstStyle/>
           <a:p>
             <a:pPr marL="680084" lvl="1" indent="-291465" defTabSz="388620">
               <a:lnSpc>
@@ -11376,8 +13061,11 @@
               <a:defRPr sz="1500"/>
             </a:pPr>
             <a:r>
-              <a:rPr dirty="0"/>
-              <a:t>Level 1: Resources</a:t>
+              <a:rPr sz="1200" dirty="0">
+                <a:latin typeface="Calibri" panose="020F0502020204030204" pitchFamily="34" charset="0"/>
+                <a:cs typeface="Calibri" panose="020F0502020204030204" pitchFamily="34" charset="0"/>
+              </a:rPr>
+              <a:t>Level 0 : HTTP Tunneling</a:t>
             </a:r>
           </a:p>
           <a:p>
@@ -11392,10 +13080,35 @@
               <a:defRPr sz="1300"/>
             </a:pPr>
             <a:r>
-              <a:rPr dirty="0"/>
-              <a:t>Many URIs, one HTTP method for example POST</a:t>
-            </a:r>
-            <a:endParaRPr sz="2300" dirty="0"/>
+              <a:rPr sz="1200" dirty="0">
+                <a:latin typeface="Calibri" panose="020F0502020204030204" pitchFamily="34" charset="0"/>
+                <a:cs typeface="Calibri" panose="020F0502020204030204" pitchFamily="34" charset="0"/>
+              </a:rPr>
+              <a:t>One URI, one HTTP method, for example POST</a:t>
+            </a:r>
+          </a:p>
+          <a:p>
+            <a:pPr marL="1020126" lvl="2" indent="-242887" defTabSz="388620">
+              <a:lnSpc>
+                <a:spcPct val="136000"/>
+              </a:lnSpc>
+              <a:spcBef>
+                <a:spcPts val="400"/>
+              </a:spcBef>
+              <a:buChar char="–"/>
+              <a:defRPr sz="1300"/>
+            </a:pPr>
+            <a:r>
+              <a:rPr sz="1200" dirty="0">
+                <a:latin typeface="Calibri" panose="020F0502020204030204" pitchFamily="34" charset="0"/>
+                <a:cs typeface="Calibri" panose="020F0502020204030204" pitchFamily="34" charset="0"/>
+              </a:rPr>
+              <a:t>XML-Remote Procedural Calls (RPC)</a:t>
+            </a:r>
+            <a:endParaRPr lang="en-US" sz="1200" dirty="0">
+              <a:latin typeface="Calibri" panose="020F0502020204030204" pitchFamily="34" charset="0"/>
+              <a:cs typeface="Calibri" panose="020F0502020204030204" pitchFamily="34" charset="0"/>
+            </a:endParaRPr>
           </a:p>
           <a:p>
             <a:pPr marL="680084" lvl="1" indent="-291465" defTabSz="388620">
@@ -11409,8 +13122,11 @@
               <a:defRPr sz="1500"/>
             </a:pPr>
             <a:r>
-              <a:rPr dirty="0"/>
-              <a:t>Level 2: HTTP </a:t>
+              <a:rPr lang="en-US" sz="1200" dirty="0">
+                <a:latin typeface="Calibri" panose="020F0502020204030204" pitchFamily="34" charset="0"/>
+                <a:cs typeface="Calibri" panose="020F0502020204030204" pitchFamily="34" charset="0"/>
+              </a:rPr>
+              <a:t>Level 1: Resources</a:t>
             </a:r>
           </a:p>
           <a:p>
@@ -11425,11 +13141,124 @@
               <a:defRPr sz="1300"/>
             </a:pPr>
             <a:r>
+              <a:rPr lang="en-US" sz="1200" dirty="0">
+                <a:latin typeface="Calibri" panose="020F0502020204030204" pitchFamily="34" charset="0"/>
+                <a:cs typeface="Calibri" panose="020F0502020204030204" pitchFamily="34" charset="0"/>
+              </a:rPr>
+              <a:t>Many URIs, one HTTP method for example POST</a:t>
+            </a:r>
+          </a:p>
+          <a:p>
+            <a:pPr marL="584697" lvl="1" indent="-242887" defTabSz="388620">
+              <a:lnSpc>
+                <a:spcPct val="136000"/>
+              </a:lnSpc>
+              <a:spcBef>
+                <a:spcPts val="400"/>
+              </a:spcBef>
+              <a:defRPr sz="1300"/>
+            </a:pPr>
+            <a:endParaRPr sz="1200" dirty="0">
+              <a:latin typeface="Calibri" panose="020F0502020204030204" pitchFamily="34" charset="0"/>
+              <a:cs typeface="Calibri" panose="020F0502020204030204" pitchFamily="34" charset="0"/>
+            </a:endParaRPr>
+          </a:p>
+        </p:txBody>
+      </p:sp>
+    </p:spTree>
+    <p:extLst>
+      <p:ext uri="{BB962C8B-B14F-4D97-AF65-F5344CB8AC3E}">
+        <p14:creationId xmlns:p14="http://schemas.microsoft.com/office/powerpoint/2010/main" val="3473277872"/>
+      </p:ext>
+    </p:extLst>
+  </p:cSld>
+  <p:clrMapOvr>
+    <a:masterClrMapping/>
+  </p:clrMapOvr>
+  <p:transition spd="med"/>
+</p:sld>
+</file>
+
+<file path=ppt/slides/slide24.xml><?xml version="1.0" encoding="utf-8"?>
+<p:sld xmlns:a="http://schemas.openxmlformats.org/drawingml/2006/main" xmlns:r="http://schemas.openxmlformats.org/officeDocument/2006/relationships" xmlns:p="http://schemas.openxmlformats.org/presentationml/2006/main">
+  <p:cSld>
+    <p:spTree>
+      <p:nvGrpSpPr>
+        <p:cNvPr id="1" name=""/>
+        <p:cNvGrpSpPr/>
+        <p:nvPr/>
+      </p:nvGrpSpPr>
+      <p:grpSpPr>
+        <a:xfrm>
+          <a:off x="0" y="0"/>
+          <a:ext cx="0" cy="0"/>
+          <a:chOff x="0" y="0"/>
+          <a:chExt cx="0" cy="0"/>
+        </a:xfrm>
+      </p:grpSpPr>
+      <p:sp>
+        <p:nvSpPr>
+          <p:cNvPr id="151" name="Title 1"/>
+          <p:cNvSpPr txBox="1">
+            <a:spLocks noGrp="1"/>
+          </p:cNvSpPr>
+          <p:nvPr>
+            <p:ph type="title"/>
+          </p:nvPr>
+        </p:nvSpPr>
+        <p:spPr>
+          <a:xfrm>
+            <a:off x="457200" y="274636"/>
+            <a:ext cx="8229600" cy="675212"/>
+          </a:xfrm>
+          <a:prstGeom prst="rect">
+            <a:avLst/>
+          </a:prstGeom>
+        </p:spPr>
+        <p:txBody>
+          <a:bodyPr/>
+          <a:lstStyle>
+            <a:lvl1pPr>
+              <a:defRPr sz="2500" b="1"/>
+            </a:lvl1pPr>
+          </a:lstStyle>
+          <a:p>
+            <a:r>
               <a:rPr dirty="0"/>
-              <a:t>Many URIs each with many HTTP methods: GET, POST, PUT, etc.</a:t>
-            </a:r>
-            <a:endParaRPr sz="2300" dirty="0"/>
-          </a:p>
+              <a:t>REST evolution</a:t>
+            </a:r>
+            <a:r>
+              <a:rPr lang="en-US" dirty="0"/>
+              <a:t>..</a:t>
+            </a:r>
+            <a:endParaRPr dirty="0"/>
+          </a:p>
+        </p:txBody>
+      </p:sp>
+      <p:sp>
+        <p:nvSpPr>
+          <p:cNvPr id="152" name="Content Placeholder 2"/>
+          <p:cNvSpPr txBox="1">
+            <a:spLocks noGrp="1"/>
+          </p:cNvSpPr>
+          <p:nvPr>
+            <p:ph type="body" idx="1"/>
+          </p:nvPr>
+        </p:nvSpPr>
+        <p:spPr>
+          <a:xfrm>
+            <a:off x="457200" y="1022116"/>
+            <a:ext cx="8229600" cy="5363444"/>
+          </a:xfrm>
+          <a:prstGeom prst="rect">
+            <a:avLst/>
+          </a:prstGeom>
+        </p:spPr>
+        <p:txBody>
+          <a:bodyPr>
+            <a:noAutofit/>
+          </a:bodyPr>
+          <a:lstStyle/>
           <a:p>
             <a:pPr marL="680084" lvl="1" indent="-291465" defTabSz="388620">
               <a:lnSpc>
@@ -11442,8 +13271,11 @@
               <a:defRPr sz="1500"/>
             </a:pPr>
             <a:r>
-              <a:rPr dirty="0"/>
-              <a:t>Level 3: Hypermedia controls</a:t>
+              <a:rPr sz="1200" dirty="0">
+                <a:latin typeface="Calibri" panose="020F0502020204030204" pitchFamily="34" charset="0"/>
+                <a:cs typeface="Calibri" panose="020F0502020204030204" pitchFamily="34" charset="0"/>
+              </a:rPr>
+              <a:t>Level 0 : HTTP Tunneling</a:t>
             </a:r>
           </a:p>
           <a:p>
@@ -11458,8 +13290,11 @@
               <a:defRPr sz="1300"/>
             </a:pPr>
             <a:r>
-              <a:rPr dirty="0"/>
-              <a:t>Involves web linking in the messages</a:t>
+              <a:rPr sz="1200" dirty="0">
+                <a:latin typeface="Calibri" panose="020F0502020204030204" pitchFamily="34" charset="0"/>
+                <a:cs typeface="Calibri" panose="020F0502020204030204" pitchFamily="34" charset="0"/>
+              </a:rPr>
+              <a:t>One URI, one HTTP method, for example POST</a:t>
             </a:r>
           </a:p>
           <a:p>
@@ -11474,7 +13309,395 @@
               <a:defRPr sz="1300"/>
             </a:pPr>
             <a:r>
+              <a:rPr sz="1200" dirty="0">
+                <a:latin typeface="Calibri" panose="020F0502020204030204" pitchFamily="34" charset="0"/>
+                <a:cs typeface="Calibri" panose="020F0502020204030204" pitchFamily="34" charset="0"/>
+              </a:rPr>
+              <a:t>XML-Remote Procedural Calls (RPC)</a:t>
+            </a:r>
+            <a:endParaRPr lang="en-US" sz="1200" dirty="0">
+              <a:latin typeface="Calibri" panose="020F0502020204030204" pitchFamily="34" charset="0"/>
+              <a:cs typeface="Calibri" panose="020F0502020204030204" pitchFamily="34" charset="0"/>
+            </a:endParaRPr>
+          </a:p>
+          <a:p>
+            <a:pPr marL="680084" lvl="1" indent="-291465" defTabSz="388620">
+              <a:lnSpc>
+                <a:spcPct val="136000"/>
+              </a:lnSpc>
+              <a:spcBef>
+                <a:spcPts val="400"/>
+              </a:spcBef>
+              <a:buChar char="•"/>
+              <a:defRPr sz="1500"/>
+            </a:pPr>
+            <a:r>
+              <a:rPr lang="en-US" sz="1200" dirty="0">
+                <a:latin typeface="Calibri" panose="020F0502020204030204" pitchFamily="34" charset="0"/>
+                <a:cs typeface="Calibri" panose="020F0502020204030204" pitchFamily="34" charset="0"/>
+              </a:rPr>
+              <a:t>Level 1: Resources</a:t>
+            </a:r>
+          </a:p>
+          <a:p>
+            <a:pPr marL="1020126" lvl="2" indent="-242887" defTabSz="388620">
+              <a:lnSpc>
+                <a:spcPct val="136000"/>
+              </a:lnSpc>
+              <a:spcBef>
+                <a:spcPts val="400"/>
+              </a:spcBef>
+              <a:buChar char="–"/>
+              <a:defRPr sz="1300"/>
+            </a:pPr>
+            <a:r>
+              <a:rPr lang="en-US" sz="1200" dirty="0">
+                <a:latin typeface="Calibri" panose="020F0502020204030204" pitchFamily="34" charset="0"/>
+                <a:cs typeface="Calibri" panose="020F0502020204030204" pitchFamily="34" charset="0"/>
+              </a:rPr>
+              <a:t>Many URIs, one HTTP method for example POST</a:t>
+            </a:r>
+          </a:p>
+          <a:p>
+            <a:pPr marL="680084" lvl="1" indent="-291465" defTabSz="388620">
+              <a:lnSpc>
+                <a:spcPct val="136000"/>
+              </a:lnSpc>
+              <a:spcBef>
+                <a:spcPts val="400"/>
+              </a:spcBef>
+              <a:buChar char="•"/>
+              <a:defRPr sz="1500"/>
+            </a:pPr>
+            <a:r>
+              <a:rPr lang="en-US" sz="1200" dirty="0">
+                <a:latin typeface="Calibri" panose="020F0502020204030204" pitchFamily="34" charset="0"/>
+                <a:cs typeface="Calibri" panose="020F0502020204030204" pitchFamily="34" charset="0"/>
+              </a:rPr>
+              <a:t>Level 2: HTTP </a:t>
+            </a:r>
+          </a:p>
+          <a:p>
+            <a:pPr marL="1020126" lvl="2" indent="-242887" defTabSz="388620">
+              <a:lnSpc>
+                <a:spcPct val="136000"/>
+              </a:lnSpc>
+              <a:spcBef>
+                <a:spcPts val="400"/>
+              </a:spcBef>
+              <a:buChar char="–"/>
+              <a:defRPr sz="1300"/>
+            </a:pPr>
+            <a:r>
+              <a:rPr lang="en-US" sz="1200" dirty="0">
+                <a:latin typeface="Calibri" panose="020F0502020204030204" pitchFamily="34" charset="0"/>
+                <a:cs typeface="Calibri" panose="020F0502020204030204" pitchFamily="34" charset="0"/>
+              </a:rPr>
+              <a:t>Many URIs each with many HTTP methods: GET, POST, PUT, etc.</a:t>
+            </a:r>
+          </a:p>
+          <a:p>
+            <a:pPr marL="584697" lvl="1" indent="-242887" defTabSz="388620">
+              <a:lnSpc>
+                <a:spcPct val="136000"/>
+              </a:lnSpc>
+              <a:spcBef>
+                <a:spcPts val="400"/>
+              </a:spcBef>
+              <a:defRPr sz="1300"/>
+            </a:pPr>
+            <a:endParaRPr sz="1200" dirty="0">
+              <a:latin typeface="Calibri" panose="020F0502020204030204" pitchFamily="34" charset="0"/>
+              <a:cs typeface="Calibri" panose="020F0502020204030204" pitchFamily="34" charset="0"/>
+            </a:endParaRPr>
+          </a:p>
+        </p:txBody>
+      </p:sp>
+    </p:spTree>
+    <p:extLst>
+      <p:ext uri="{BB962C8B-B14F-4D97-AF65-F5344CB8AC3E}">
+        <p14:creationId xmlns:p14="http://schemas.microsoft.com/office/powerpoint/2010/main" val="3523386876"/>
+      </p:ext>
+    </p:extLst>
+  </p:cSld>
+  <p:clrMapOvr>
+    <a:masterClrMapping/>
+  </p:clrMapOvr>
+  <p:transition spd="med"/>
+</p:sld>
+</file>
+
+<file path=ppt/slides/slide25.xml><?xml version="1.0" encoding="utf-8"?>
+<p:sld xmlns:a="http://schemas.openxmlformats.org/drawingml/2006/main" xmlns:r="http://schemas.openxmlformats.org/officeDocument/2006/relationships" xmlns:p="http://schemas.openxmlformats.org/presentationml/2006/main">
+  <p:cSld>
+    <p:spTree>
+      <p:nvGrpSpPr>
+        <p:cNvPr id="1" name=""/>
+        <p:cNvGrpSpPr/>
+        <p:nvPr/>
+      </p:nvGrpSpPr>
+      <p:grpSpPr>
+        <a:xfrm>
+          <a:off x="0" y="0"/>
+          <a:ext cx="0" cy="0"/>
+          <a:chOff x="0" y="0"/>
+          <a:chExt cx="0" cy="0"/>
+        </a:xfrm>
+      </p:grpSpPr>
+      <p:sp>
+        <p:nvSpPr>
+          <p:cNvPr id="151" name="Title 1"/>
+          <p:cNvSpPr txBox="1">
+            <a:spLocks noGrp="1"/>
+          </p:cNvSpPr>
+          <p:nvPr>
+            <p:ph type="title"/>
+          </p:nvPr>
+        </p:nvSpPr>
+        <p:spPr>
+          <a:xfrm>
+            <a:off x="457200" y="274636"/>
+            <a:ext cx="8229600" cy="675212"/>
+          </a:xfrm>
+          <a:prstGeom prst="rect">
+            <a:avLst/>
+          </a:prstGeom>
+        </p:spPr>
+        <p:txBody>
+          <a:bodyPr/>
+          <a:lstStyle>
+            <a:lvl1pPr>
+              <a:defRPr sz="2500" b="1"/>
+            </a:lvl1pPr>
+          </a:lstStyle>
+          <a:p>
+            <a:r>
               <a:rPr dirty="0"/>
+              <a:t>REST evolution</a:t>
+            </a:r>
+            <a:r>
+              <a:rPr lang="en-US" dirty="0"/>
+              <a:t>...</a:t>
+            </a:r>
+            <a:endParaRPr dirty="0"/>
+          </a:p>
+        </p:txBody>
+      </p:sp>
+      <p:sp>
+        <p:nvSpPr>
+          <p:cNvPr id="152" name="Content Placeholder 2"/>
+          <p:cNvSpPr txBox="1">
+            <a:spLocks noGrp="1"/>
+          </p:cNvSpPr>
+          <p:nvPr>
+            <p:ph type="body" idx="1"/>
+          </p:nvPr>
+        </p:nvSpPr>
+        <p:spPr>
+          <a:xfrm>
+            <a:off x="457200" y="1022116"/>
+            <a:ext cx="8229600" cy="5363444"/>
+          </a:xfrm>
+          <a:prstGeom prst="rect">
+            <a:avLst/>
+          </a:prstGeom>
+        </p:spPr>
+        <p:txBody>
+          <a:bodyPr>
+            <a:noAutofit/>
+          </a:bodyPr>
+          <a:lstStyle/>
+          <a:p>
+            <a:pPr marL="680084" lvl="1" indent="-291465" defTabSz="388620">
+              <a:lnSpc>
+                <a:spcPct val="136000"/>
+              </a:lnSpc>
+              <a:spcBef>
+                <a:spcPts val="400"/>
+              </a:spcBef>
+              <a:buChar char="•"/>
+              <a:defRPr sz="1500"/>
+            </a:pPr>
+            <a:r>
+              <a:rPr sz="1200" dirty="0">
+                <a:latin typeface="Calibri" panose="020F0502020204030204" pitchFamily="34" charset="0"/>
+                <a:cs typeface="Calibri" panose="020F0502020204030204" pitchFamily="34" charset="0"/>
+              </a:rPr>
+              <a:t>Level 0 : HTTP Tunneling</a:t>
+            </a:r>
+          </a:p>
+          <a:p>
+            <a:pPr marL="1020126" lvl="2" indent="-242887" defTabSz="388620">
+              <a:lnSpc>
+                <a:spcPct val="136000"/>
+              </a:lnSpc>
+              <a:spcBef>
+                <a:spcPts val="400"/>
+              </a:spcBef>
+              <a:buChar char="–"/>
+              <a:defRPr sz="1300"/>
+            </a:pPr>
+            <a:r>
+              <a:rPr sz="1200" dirty="0">
+                <a:latin typeface="Calibri" panose="020F0502020204030204" pitchFamily="34" charset="0"/>
+                <a:cs typeface="Calibri" panose="020F0502020204030204" pitchFamily="34" charset="0"/>
+              </a:rPr>
+              <a:t>One URI, one HTTP method, for example POST</a:t>
+            </a:r>
+          </a:p>
+          <a:p>
+            <a:pPr marL="1020126" lvl="2" indent="-242887" defTabSz="388620">
+              <a:lnSpc>
+                <a:spcPct val="136000"/>
+              </a:lnSpc>
+              <a:spcBef>
+                <a:spcPts val="400"/>
+              </a:spcBef>
+              <a:buChar char="–"/>
+              <a:defRPr sz="1300"/>
+            </a:pPr>
+            <a:r>
+              <a:rPr sz="1200" dirty="0">
+                <a:latin typeface="Calibri" panose="020F0502020204030204" pitchFamily="34" charset="0"/>
+                <a:cs typeface="Calibri" panose="020F0502020204030204" pitchFamily="34" charset="0"/>
+              </a:rPr>
+              <a:t>XML-Remote Procedural Calls (RPC)</a:t>
+            </a:r>
+            <a:endParaRPr lang="en-US" sz="1200" dirty="0">
+              <a:latin typeface="Calibri" panose="020F0502020204030204" pitchFamily="34" charset="0"/>
+              <a:cs typeface="Calibri" panose="020F0502020204030204" pitchFamily="34" charset="0"/>
+            </a:endParaRPr>
+          </a:p>
+          <a:p>
+            <a:pPr marL="680084" lvl="1" indent="-291465" defTabSz="388620">
+              <a:lnSpc>
+                <a:spcPct val="136000"/>
+              </a:lnSpc>
+              <a:spcBef>
+                <a:spcPts val="400"/>
+              </a:spcBef>
+              <a:buChar char="•"/>
+              <a:defRPr sz="1500"/>
+            </a:pPr>
+            <a:r>
+              <a:rPr lang="en-US" sz="1200" dirty="0">
+                <a:latin typeface="Calibri" panose="020F0502020204030204" pitchFamily="34" charset="0"/>
+                <a:cs typeface="Calibri" panose="020F0502020204030204" pitchFamily="34" charset="0"/>
+              </a:rPr>
+              <a:t>Level 1: Resources</a:t>
+            </a:r>
+          </a:p>
+          <a:p>
+            <a:pPr marL="1020126" lvl="2" indent="-242887" defTabSz="388620">
+              <a:lnSpc>
+                <a:spcPct val="136000"/>
+              </a:lnSpc>
+              <a:spcBef>
+                <a:spcPts val="400"/>
+              </a:spcBef>
+              <a:buChar char="–"/>
+              <a:defRPr sz="1300"/>
+            </a:pPr>
+            <a:r>
+              <a:rPr lang="en-US" sz="1200" dirty="0">
+                <a:latin typeface="Calibri" panose="020F0502020204030204" pitchFamily="34" charset="0"/>
+                <a:cs typeface="Calibri" panose="020F0502020204030204" pitchFamily="34" charset="0"/>
+              </a:rPr>
+              <a:t>Many URIs, one HTTP method for example POST</a:t>
+            </a:r>
+          </a:p>
+          <a:p>
+            <a:pPr marL="680084" lvl="1" indent="-291465" defTabSz="388620">
+              <a:lnSpc>
+                <a:spcPct val="136000"/>
+              </a:lnSpc>
+              <a:spcBef>
+                <a:spcPts val="400"/>
+              </a:spcBef>
+              <a:buChar char="•"/>
+              <a:defRPr sz="1500"/>
+            </a:pPr>
+            <a:r>
+              <a:rPr lang="en-US" sz="1200" dirty="0">
+                <a:latin typeface="Calibri" panose="020F0502020204030204" pitchFamily="34" charset="0"/>
+                <a:cs typeface="Calibri" panose="020F0502020204030204" pitchFamily="34" charset="0"/>
+              </a:rPr>
+              <a:t>Level 2: HTTP </a:t>
+            </a:r>
+          </a:p>
+          <a:p>
+            <a:pPr marL="1020126" lvl="2" indent="-242887" defTabSz="388620">
+              <a:lnSpc>
+                <a:spcPct val="136000"/>
+              </a:lnSpc>
+              <a:spcBef>
+                <a:spcPts val="400"/>
+              </a:spcBef>
+              <a:buChar char="–"/>
+              <a:defRPr sz="1300"/>
+            </a:pPr>
+            <a:r>
+              <a:rPr lang="en-US" sz="1200" dirty="0">
+                <a:latin typeface="Calibri" panose="020F0502020204030204" pitchFamily="34" charset="0"/>
+                <a:cs typeface="Calibri" panose="020F0502020204030204" pitchFamily="34" charset="0"/>
+              </a:rPr>
+              <a:t>Many URIs each with many HTTP methods: GET, POST, PUT, etc.</a:t>
+            </a:r>
+          </a:p>
+          <a:p>
+            <a:pPr marL="680084" lvl="1" indent="-291465" defTabSz="388620">
+              <a:lnSpc>
+                <a:spcPct val="136000"/>
+              </a:lnSpc>
+              <a:spcBef>
+                <a:spcPts val="400"/>
+              </a:spcBef>
+              <a:buChar char="•"/>
+              <a:defRPr sz="1500"/>
+            </a:pPr>
+            <a:r>
+              <a:rPr lang="en-US" sz="1200" dirty="0">
+                <a:latin typeface="Calibri" panose="020F0502020204030204" pitchFamily="34" charset="0"/>
+                <a:cs typeface="Calibri" panose="020F0502020204030204" pitchFamily="34" charset="0"/>
+              </a:rPr>
+              <a:t>Level 3: Hypermedia controls</a:t>
+            </a:r>
+          </a:p>
+          <a:p>
+            <a:pPr marL="1020126" lvl="2" indent="-242887" defTabSz="388620">
+              <a:lnSpc>
+                <a:spcPct val="136000"/>
+              </a:lnSpc>
+              <a:spcBef>
+                <a:spcPts val="400"/>
+              </a:spcBef>
+              <a:buChar char="–"/>
+              <a:defRPr sz="1300"/>
+            </a:pPr>
+            <a:r>
+              <a:rPr lang="en-US" sz="1200" dirty="0">
+                <a:latin typeface="Calibri" panose="020F0502020204030204" pitchFamily="34" charset="0"/>
+                <a:cs typeface="Calibri" panose="020F0502020204030204" pitchFamily="34" charset="0"/>
+              </a:rPr>
+              <a:t>Involves web linking in the messages</a:t>
+            </a:r>
+          </a:p>
+          <a:p>
+            <a:pPr marL="1020126" lvl="2" indent="-242887" defTabSz="388620">
+              <a:lnSpc>
+                <a:spcPct val="136000"/>
+              </a:lnSpc>
+              <a:spcBef>
+                <a:spcPts val="400"/>
+              </a:spcBef>
+              <a:buChar char="–"/>
+              <a:defRPr sz="1300"/>
+            </a:pPr>
+            <a:r>
+              <a:rPr lang="en-US" sz="1200" dirty="0">
+                <a:latin typeface="Calibri" panose="020F0502020204030204" pitchFamily="34" charset="0"/>
+                <a:cs typeface="Calibri" panose="020F0502020204030204" pitchFamily="34" charset="0"/>
+              </a:rPr>
               <a:t>Example as XML response</a:t>
             </a:r>
           </a:p>
@@ -11496,16 +13719,11 @@
               </a:defRPr>
             </a:pPr>
             <a:r>
-              <a:rPr dirty="0"/>
-              <a:t>HTTP</a:t>
-            </a:r>
-            <a:r>
-              <a:rPr b="0" dirty="0"/>
-              <a:t>/1.1 200 </a:t>
-            </a:r>
-            <a:r>
-              <a:rPr dirty="0"/>
-              <a:t>OK</a:t>
+              <a:rPr lang="en-US" sz="1200" dirty="0">
+                <a:latin typeface="Calibri" panose="020F0502020204030204" pitchFamily="34" charset="0"/>
+                <a:cs typeface="Calibri" panose="020F0502020204030204" pitchFamily="34" charset="0"/>
+              </a:rPr>
+              <a:t>HTTP/1.1 200 OK</a:t>
             </a:r>
           </a:p>
           <a:p>
@@ -11526,7 +13744,10 @@
               </a:defRPr>
             </a:pPr>
             <a:r>
-              <a:rPr dirty="0"/>
+              <a:rPr lang="en-US" sz="1200" dirty="0">
+                <a:latin typeface="Calibri" panose="020F0502020204030204" pitchFamily="34" charset="0"/>
+                <a:cs typeface="Calibri" panose="020F0502020204030204" pitchFamily="34" charset="0"/>
+              </a:rPr>
               <a:t>Content-Type: application/xml</a:t>
             </a:r>
           </a:p>
@@ -11548,7 +13769,10 @@
               </a:defRPr>
             </a:pPr>
             <a:r>
-              <a:rPr dirty="0"/>
+              <a:rPr lang="en-US" sz="1200" dirty="0">
+                <a:latin typeface="Calibri" panose="020F0502020204030204" pitchFamily="34" charset="0"/>
+                <a:cs typeface="Calibri" panose="020F0502020204030204" pitchFamily="34" charset="0"/>
+              </a:rPr>
               <a:t>Content-Length: ...</a:t>
             </a:r>
           </a:p>
@@ -11570,7 +13794,10 @@
               </a:defRPr>
             </a:pPr>
             <a:r>
-              <a:rPr dirty="0"/>
+              <a:rPr lang="en-US" sz="1200" dirty="0">
+                <a:latin typeface="Calibri" panose="020F0502020204030204" pitchFamily="34" charset="0"/>
+                <a:cs typeface="Calibri" panose="020F0502020204030204" pitchFamily="34" charset="0"/>
+              </a:rPr>
               <a:t>&lt;?xml version="1.0"?&gt;</a:t>
             </a:r>
           </a:p>
@@ -11592,7 +13819,10 @@
               </a:defRPr>
             </a:pPr>
             <a:r>
-              <a:rPr dirty="0"/>
+              <a:rPr lang="en-US" sz="1200" dirty="0">
+                <a:latin typeface="Calibri" panose="020F0502020204030204" pitchFamily="34" charset="0"/>
+                <a:cs typeface="Calibri" panose="020F0502020204030204" pitchFamily="34" charset="0"/>
+              </a:rPr>
               <a:t>&lt;Movies&gt;</a:t>
             </a:r>
           </a:p>
@@ -11614,19 +13844,31 @@
               </a:defRPr>
             </a:pPr>
             <a:r>
-              <a:rPr dirty="0"/>
+              <a:rPr lang="en-US" sz="1200" dirty="0">
+                <a:latin typeface="Calibri" panose="020F0502020204030204" pitchFamily="34" charset="0"/>
+                <a:cs typeface="Calibri" panose="020F0502020204030204" pitchFamily="34" charset="0"/>
+              </a:rPr>
               <a:t>    </a:t>
             </a:r>
             <a:r>
-              <a:rPr b="1" dirty="0"/>
+              <a:rPr lang="en-US" sz="1200" b="1" dirty="0">
+                <a:latin typeface="Calibri" panose="020F0502020204030204" pitchFamily="34" charset="0"/>
+                <a:cs typeface="Calibri" panose="020F0502020204030204" pitchFamily="34" charset="0"/>
+              </a:rPr>
               <a:t>&lt;Title&gt;</a:t>
             </a:r>
             <a:r>
-              <a:rPr dirty="0"/>
+              <a:rPr lang="en-US" sz="1200" dirty="0">
+                <a:latin typeface="Calibri" panose="020F0502020204030204" pitchFamily="34" charset="0"/>
+                <a:cs typeface="Calibri" panose="020F0502020204030204" pitchFamily="34" charset="0"/>
+              </a:rPr>
               <a:t>12345</a:t>
             </a:r>
             <a:r>
-              <a:rPr b="1" dirty="0"/>
+              <a:rPr lang="en-US" sz="1200" b="1" dirty="0">
+                <a:latin typeface="Calibri" panose="020F0502020204030204" pitchFamily="34" charset="0"/>
+                <a:cs typeface="Calibri" panose="020F0502020204030204" pitchFamily="34" charset="0"/>
+              </a:rPr>
               <a:t>&lt;/Title&gt;</a:t>
             </a:r>
           </a:p>
@@ -11648,43 +13890,73 @@
               </a:defRPr>
             </a:pPr>
             <a:r>
-              <a:rPr dirty="0"/>
+              <a:rPr lang="en-US" sz="1200" dirty="0">
+                <a:latin typeface="Calibri" panose="020F0502020204030204" pitchFamily="34" charset="0"/>
+                <a:cs typeface="Calibri" panose="020F0502020204030204" pitchFamily="34" charset="0"/>
+              </a:rPr>
               <a:t>    </a:t>
             </a:r>
             <a:r>
-              <a:rPr b="1" dirty="0"/>
+              <a:rPr lang="en-US" sz="1200" b="1" dirty="0">
+                <a:latin typeface="Calibri" panose="020F0502020204030204" pitchFamily="34" charset="0"/>
+                <a:cs typeface="Calibri" panose="020F0502020204030204" pitchFamily="34" charset="0"/>
+              </a:rPr>
               <a:t>&lt;link</a:t>
             </a:r>
             <a:r>
-              <a:rPr dirty="0"/>
+              <a:rPr lang="en-US" sz="1200" dirty="0">
+                <a:latin typeface="Calibri" panose="020F0502020204030204" pitchFamily="34" charset="0"/>
+                <a:cs typeface="Calibri" panose="020F0502020204030204" pitchFamily="34" charset="0"/>
+              </a:rPr>
               <a:t> </a:t>
             </a:r>
             <a:r>
-              <a:rPr dirty="0" err="1"/>
+              <a:rPr lang="en-US" sz="1200" dirty="0" err="1">
+                <a:latin typeface="Calibri" panose="020F0502020204030204" pitchFamily="34" charset="0"/>
+                <a:cs typeface="Calibri" panose="020F0502020204030204" pitchFamily="34" charset="0"/>
+              </a:rPr>
               <a:t>rel</a:t>
             </a:r>
             <a:r>
-              <a:rPr dirty="0"/>
+              <a:rPr lang="en-US" sz="1200" dirty="0">
+                <a:latin typeface="Calibri" panose="020F0502020204030204" pitchFamily="34" charset="0"/>
+                <a:cs typeface="Calibri" panose="020F0502020204030204" pitchFamily="34" charset="0"/>
+              </a:rPr>
               <a:t>="Actors" </a:t>
             </a:r>
             <a:r>
-              <a:rPr dirty="0" err="1"/>
+              <a:rPr lang="en-US" sz="1200" dirty="0" err="1">
+                <a:latin typeface="Calibri" panose="020F0502020204030204" pitchFamily="34" charset="0"/>
+                <a:cs typeface="Calibri" panose="020F0502020204030204" pitchFamily="34" charset="0"/>
+              </a:rPr>
               <a:t>href</a:t>
             </a:r>
             <a:r>
-              <a:rPr dirty="0"/>
+              <a:rPr lang="en-US" sz="1200" dirty="0">
+                <a:latin typeface="Calibri" panose="020F0502020204030204" pitchFamily="34" charset="0"/>
+                <a:cs typeface="Calibri" panose="020F0502020204030204" pitchFamily="34" charset="0"/>
+              </a:rPr>
               <a:t>="https://</a:t>
             </a:r>
             <a:r>
-              <a:rPr dirty="0" err="1"/>
-              <a:t>xxx.com</a:t>
-            </a:r>
-            <a:r>
-              <a:rPr dirty="0"/>
+              <a:rPr lang="en-US" sz="1200" dirty="0" err="1">
+                <a:latin typeface="Calibri" panose="020F0502020204030204" pitchFamily="34" charset="0"/>
+                <a:cs typeface="Calibri" panose="020F0502020204030204" pitchFamily="34" charset="0"/>
+              </a:rPr>
+              <a:t>mydomainname.com</a:t>
+            </a:r>
+            <a:r>
+              <a:rPr lang="en-US" sz="1200" dirty="0">
+                <a:latin typeface="Calibri" panose="020F0502020204030204" pitchFamily="34" charset="0"/>
+                <a:cs typeface="Calibri" panose="020F0502020204030204" pitchFamily="34" charset="0"/>
+              </a:rPr>
               <a:t>/movies/12345/actors" </a:t>
             </a:r>
             <a:r>
-              <a:rPr b="1" dirty="0"/>
+              <a:rPr lang="en-US" sz="1200" b="1" dirty="0">
+                <a:latin typeface="Calibri" panose="020F0502020204030204" pitchFamily="34" charset="0"/>
+                <a:cs typeface="Calibri" panose="020F0502020204030204" pitchFamily="34" charset="0"/>
+              </a:rPr>
               <a:t>/&gt;</a:t>
             </a:r>
           </a:p>
@@ -11706,47 +13978,80 @@
               </a:defRPr>
             </a:pPr>
             <a:r>
-              <a:rPr dirty="0"/>
+              <a:rPr lang="en-US" sz="1200" dirty="0">
+                <a:latin typeface="Calibri" panose="020F0502020204030204" pitchFamily="34" charset="0"/>
+                <a:cs typeface="Calibri" panose="020F0502020204030204" pitchFamily="34" charset="0"/>
+              </a:rPr>
               <a:t>    </a:t>
             </a:r>
             <a:r>
-              <a:rPr b="1" dirty="0"/>
+              <a:rPr lang="en-US" sz="1200" b="1" dirty="0">
+                <a:latin typeface="Calibri" panose="020F0502020204030204" pitchFamily="34" charset="0"/>
+                <a:cs typeface="Calibri" panose="020F0502020204030204" pitchFamily="34" charset="0"/>
+              </a:rPr>
               <a:t>&lt;link</a:t>
             </a:r>
             <a:r>
-              <a:rPr dirty="0"/>
+              <a:rPr lang="en-US" sz="1200" dirty="0">
+                <a:latin typeface="Calibri" panose="020F0502020204030204" pitchFamily="34" charset="0"/>
+                <a:cs typeface="Calibri" panose="020F0502020204030204" pitchFamily="34" charset="0"/>
+              </a:rPr>
               <a:t> </a:t>
             </a:r>
             <a:r>
-              <a:rPr dirty="0" err="1"/>
+              <a:rPr lang="en-US" sz="1200" dirty="0" err="1">
+                <a:latin typeface="Calibri" panose="020F0502020204030204" pitchFamily="34" charset="0"/>
+                <a:cs typeface="Calibri" panose="020F0502020204030204" pitchFamily="34" charset="0"/>
+              </a:rPr>
               <a:t>rel</a:t>
             </a:r>
             <a:r>
-              <a:rPr dirty="0"/>
+              <a:rPr lang="en-US" sz="1200" dirty="0">
+                <a:latin typeface="Calibri" panose="020F0502020204030204" pitchFamily="34" charset="0"/>
+                <a:cs typeface="Calibri" panose="020F0502020204030204" pitchFamily="34" charset="0"/>
+              </a:rPr>
               <a:t>="Comments" </a:t>
             </a:r>
             <a:r>
-              <a:rPr dirty="0" err="1"/>
+              <a:rPr lang="en-US" sz="1200" dirty="0" err="1">
+                <a:latin typeface="Calibri" panose="020F0502020204030204" pitchFamily="34" charset="0"/>
+                <a:cs typeface="Calibri" panose="020F0502020204030204" pitchFamily="34" charset="0"/>
+              </a:rPr>
               <a:t>href</a:t>
             </a:r>
             <a:r>
-              <a:rPr dirty="0"/>
+              <a:rPr lang="en-US" sz="1200" dirty="0">
+                <a:latin typeface="Calibri" panose="020F0502020204030204" pitchFamily="34" charset="0"/>
+                <a:cs typeface="Calibri" panose="020F0502020204030204" pitchFamily="34" charset="0"/>
+              </a:rPr>
               <a:t>="https://</a:t>
             </a:r>
             <a:r>
-              <a:rPr dirty="0" err="1"/>
-              <a:t>xxx.com</a:t>
-            </a:r>
-            <a:r>
-              <a:rPr dirty="0"/>
+              <a:rPr lang="en-US" sz="1200" dirty="0" err="1">
+                <a:latin typeface="Calibri" panose="020F0502020204030204" pitchFamily="34" charset="0"/>
+                <a:cs typeface="Calibri" panose="020F0502020204030204" pitchFamily="34" charset="0"/>
+              </a:rPr>
+              <a:t>mydomainname.com</a:t>
+            </a:r>
+            <a:r>
+              <a:rPr lang="en-US" sz="1200" dirty="0">
+                <a:latin typeface="Calibri" panose="020F0502020204030204" pitchFamily="34" charset="0"/>
+                <a:cs typeface="Calibri" panose="020F0502020204030204" pitchFamily="34" charset="0"/>
+              </a:rPr>
               <a:t>/movies/12345/comments" </a:t>
             </a:r>
             <a:r>
-              <a:rPr b="1" dirty="0"/>
+              <a:rPr lang="en-US" sz="1200" b="1" dirty="0">
+                <a:latin typeface="Calibri" panose="020F0502020204030204" pitchFamily="34" charset="0"/>
+                <a:cs typeface="Calibri" panose="020F0502020204030204" pitchFamily="34" charset="0"/>
+              </a:rPr>
               <a:t>/&gt;</a:t>
             </a:r>
             <a:r>
-              <a:rPr dirty="0"/>
+              <a:rPr lang="en-US" sz="1200" dirty="0">
+                <a:latin typeface="Calibri" panose="020F0502020204030204" pitchFamily="34" charset="0"/>
+                <a:cs typeface="Calibri" panose="020F0502020204030204" pitchFamily="34" charset="0"/>
+              </a:rPr>
               <a:t> </a:t>
             </a:r>
           </a:p>
@@ -11768,13 +14073,473 @@
               </a:defRPr>
             </a:pPr>
             <a:r>
-              <a:rPr dirty="0"/>
+              <a:rPr lang="en-US" sz="1200" dirty="0">
+                <a:latin typeface="Calibri" panose="020F0502020204030204" pitchFamily="34" charset="0"/>
+                <a:cs typeface="Calibri" panose="020F0502020204030204" pitchFamily="34" charset="0"/>
+              </a:rPr>
               <a:t>&lt;/Movies&gt;</a:t>
             </a:r>
+          </a:p>
+          <a:p>
+            <a:pPr marL="584697" lvl="1" indent="-242887" defTabSz="388620">
+              <a:lnSpc>
+                <a:spcPct val="136000"/>
+              </a:lnSpc>
+              <a:spcBef>
+                <a:spcPts val="400"/>
+              </a:spcBef>
+              <a:defRPr sz="1300"/>
+            </a:pPr>
+            <a:endParaRPr lang="en-US" sz="1200" dirty="0">
+              <a:latin typeface="Calibri" panose="020F0502020204030204" pitchFamily="34" charset="0"/>
+              <a:cs typeface="Calibri" panose="020F0502020204030204" pitchFamily="34" charset="0"/>
+            </a:endParaRPr>
+          </a:p>
+          <a:p>
+            <a:pPr marL="584697" lvl="1" indent="-242887" defTabSz="388620">
+              <a:lnSpc>
+                <a:spcPct val="136000"/>
+              </a:lnSpc>
+              <a:spcBef>
+                <a:spcPts val="400"/>
+              </a:spcBef>
+              <a:defRPr sz="1300"/>
+            </a:pPr>
+            <a:endParaRPr lang="en-US" sz="1200" dirty="0">
+              <a:latin typeface="Calibri" panose="020F0502020204030204" pitchFamily="34" charset="0"/>
+              <a:cs typeface="Calibri" panose="020F0502020204030204" pitchFamily="34" charset="0"/>
+            </a:endParaRPr>
+          </a:p>
+          <a:p>
+            <a:pPr marL="584697" lvl="1" indent="-242887" defTabSz="388620">
+              <a:lnSpc>
+                <a:spcPct val="136000"/>
+              </a:lnSpc>
+              <a:spcBef>
+                <a:spcPts val="400"/>
+              </a:spcBef>
+              <a:defRPr sz="1300"/>
+            </a:pPr>
+            <a:endParaRPr sz="1200" dirty="0">
+              <a:latin typeface="Calibri" panose="020F0502020204030204" pitchFamily="34" charset="0"/>
+              <a:cs typeface="Calibri" panose="020F0502020204030204" pitchFamily="34" charset="0"/>
+            </a:endParaRPr>
           </a:p>
         </p:txBody>
       </p:sp>
     </p:spTree>
+    <p:extLst>
+      <p:ext uri="{BB962C8B-B14F-4D97-AF65-F5344CB8AC3E}">
+        <p14:creationId xmlns:p14="http://schemas.microsoft.com/office/powerpoint/2010/main" val="3218327971"/>
+      </p:ext>
+    </p:extLst>
+  </p:cSld>
+  <p:clrMapOvr>
+    <a:masterClrMapping/>
+  </p:clrMapOvr>
+  <p:transition spd="med"/>
+</p:sld>
+</file>
+
+<file path=ppt/slides/slide26.xml><?xml version="1.0" encoding="utf-8"?>
+<p:sld xmlns:a="http://schemas.openxmlformats.org/drawingml/2006/main" xmlns:r="http://schemas.openxmlformats.org/officeDocument/2006/relationships" xmlns:p="http://schemas.openxmlformats.org/presentationml/2006/main">
+  <p:cSld>
+    <p:spTree>
+      <p:nvGrpSpPr>
+        <p:cNvPr id="1" name=""/>
+        <p:cNvGrpSpPr/>
+        <p:nvPr/>
+      </p:nvGrpSpPr>
+      <p:grpSpPr>
+        <a:xfrm>
+          <a:off x="0" y="0"/>
+          <a:ext cx="0" cy="0"/>
+          <a:chOff x="0" y="0"/>
+          <a:chExt cx="0" cy="0"/>
+        </a:xfrm>
+      </p:grpSpPr>
+      <p:sp>
+        <p:nvSpPr>
+          <p:cNvPr id="2" name="Title 1">
+            <a:extLst>
+              <a:ext uri="{FF2B5EF4-FFF2-40B4-BE49-F238E27FC236}">
+                <a16:creationId xmlns:a16="http://schemas.microsoft.com/office/drawing/2014/main" id="{13C301B5-69FE-FB46-A366-CC4B13DCB801}"/>
+              </a:ext>
+            </a:extLst>
+          </p:cNvPr>
+          <p:cNvSpPr>
+            <a:spLocks noGrp="1"/>
+          </p:cNvSpPr>
+          <p:nvPr>
+            <p:ph type="title"/>
+          </p:nvPr>
+        </p:nvSpPr>
+        <p:spPr/>
+        <p:txBody>
+          <a:bodyPr>
+            <a:normAutofit/>
+          </a:bodyPr>
+          <a:lstStyle/>
+          <a:p>
+            <a:r>
+              <a:rPr lang="en-US" sz="4000" dirty="0"/>
+              <a:t>Pagination</a:t>
+            </a:r>
+          </a:p>
+        </p:txBody>
+      </p:sp>
+      <p:sp>
+        <p:nvSpPr>
+          <p:cNvPr id="3" name="Text Placeholder 2">
+            <a:extLst>
+              <a:ext uri="{FF2B5EF4-FFF2-40B4-BE49-F238E27FC236}">
+                <a16:creationId xmlns:a16="http://schemas.microsoft.com/office/drawing/2014/main" id="{6ED8B3E5-6185-CA46-B1AE-7BA4EA907332}"/>
+              </a:ext>
+            </a:extLst>
+          </p:cNvPr>
+          <p:cNvSpPr>
+            <a:spLocks noGrp="1"/>
+          </p:cNvSpPr>
+          <p:nvPr>
+            <p:ph type="body" idx="1"/>
+          </p:nvPr>
+        </p:nvSpPr>
+        <p:spPr/>
+        <p:txBody>
+          <a:bodyPr>
+            <a:normAutofit/>
+          </a:bodyPr>
+          <a:lstStyle/>
+          <a:p>
+            <a:r>
+              <a:rPr lang="en-US" sz="2000" dirty="0"/>
+              <a:t>The process of dividing a document into discrete pages</a:t>
+            </a:r>
+          </a:p>
+        </p:txBody>
+      </p:sp>
+    </p:spTree>
+    <p:extLst>
+      <p:ext uri="{BB962C8B-B14F-4D97-AF65-F5344CB8AC3E}">
+        <p14:creationId xmlns:p14="http://schemas.microsoft.com/office/powerpoint/2010/main" val="1016720835"/>
+      </p:ext>
+    </p:extLst>
+  </p:cSld>
+  <p:clrMapOvr>
+    <a:masterClrMapping/>
+  </p:clrMapOvr>
+  <p:transition spd="med"/>
+</p:sld>
+</file>
+
+<file path=ppt/slides/slide27.xml><?xml version="1.0" encoding="utf-8"?>
+<p:sld xmlns:a="http://schemas.openxmlformats.org/drawingml/2006/main" xmlns:r="http://schemas.openxmlformats.org/officeDocument/2006/relationships" xmlns:p="http://schemas.openxmlformats.org/presentationml/2006/main">
+  <p:cSld>
+    <p:spTree>
+      <p:nvGrpSpPr>
+        <p:cNvPr id="1" name=""/>
+        <p:cNvGrpSpPr/>
+        <p:nvPr/>
+      </p:nvGrpSpPr>
+      <p:grpSpPr>
+        <a:xfrm>
+          <a:off x="0" y="0"/>
+          <a:ext cx="0" cy="0"/>
+          <a:chOff x="0" y="0"/>
+          <a:chExt cx="0" cy="0"/>
+        </a:xfrm>
+      </p:grpSpPr>
+      <p:sp>
+        <p:nvSpPr>
+          <p:cNvPr id="2" name="Title 1">
+            <a:extLst>
+              <a:ext uri="{FF2B5EF4-FFF2-40B4-BE49-F238E27FC236}">
+                <a16:creationId xmlns:a16="http://schemas.microsoft.com/office/drawing/2014/main" id="{13C301B5-69FE-FB46-A366-CC4B13DCB801}"/>
+              </a:ext>
+            </a:extLst>
+          </p:cNvPr>
+          <p:cNvSpPr>
+            <a:spLocks noGrp="1"/>
+          </p:cNvSpPr>
+          <p:nvPr>
+            <p:ph type="title"/>
+          </p:nvPr>
+        </p:nvSpPr>
+        <p:spPr/>
+        <p:txBody>
+          <a:bodyPr>
+            <a:normAutofit/>
+          </a:bodyPr>
+          <a:lstStyle/>
+          <a:p>
+            <a:r>
+              <a:rPr lang="en-US" sz="4000" dirty="0"/>
+              <a:t>Pagination.</a:t>
+            </a:r>
+          </a:p>
+        </p:txBody>
+      </p:sp>
+      <p:sp>
+        <p:nvSpPr>
+          <p:cNvPr id="3" name="Text Placeholder 2">
+            <a:extLst>
+              <a:ext uri="{FF2B5EF4-FFF2-40B4-BE49-F238E27FC236}">
+                <a16:creationId xmlns:a16="http://schemas.microsoft.com/office/drawing/2014/main" id="{6ED8B3E5-6185-CA46-B1AE-7BA4EA907332}"/>
+              </a:ext>
+            </a:extLst>
+          </p:cNvPr>
+          <p:cNvSpPr>
+            <a:spLocks noGrp="1"/>
+          </p:cNvSpPr>
+          <p:nvPr>
+            <p:ph type="body" idx="1"/>
+          </p:nvPr>
+        </p:nvSpPr>
+        <p:spPr/>
+        <p:txBody>
+          <a:bodyPr>
+            <a:normAutofit/>
+          </a:bodyPr>
+          <a:lstStyle/>
+          <a:p>
+            <a:r>
+              <a:rPr lang="en-US" sz="2000" dirty="0"/>
+              <a:t>The process of dividing a document into discrete pages</a:t>
+            </a:r>
+          </a:p>
+          <a:p>
+            <a:r>
+              <a:rPr lang="en-US" sz="2000" dirty="0"/>
+              <a:t>Pagination can be handled client-side or server-side</a:t>
+            </a:r>
+          </a:p>
+        </p:txBody>
+      </p:sp>
+    </p:spTree>
+    <p:extLst>
+      <p:ext uri="{BB962C8B-B14F-4D97-AF65-F5344CB8AC3E}">
+        <p14:creationId xmlns:p14="http://schemas.microsoft.com/office/powerpoint/2010/main" val="239404322"/>
+      </p:ext>
+    </p:extLst>
+  </p:cSld>
+  <p:clrMapOvr>
+    <a:masterClrMapping/>
+  </p:clrMapOvr>
+  <p:transition spd="med"/>
+</p:sld>
+</file>
+
+<file path=ppt/slides/slide28.xml><?xml version="1.0" encoding="utf-8"?>
+<p:sld xmlns:a="http://schemas.openxmlformats.org/drawingml/2006/main" xmlns:r="http://schemas.openxmlformats.org/officeDocument/2006/relationships" xmlns:p="http://schemas.openxmlformats.org/presentationml/2006/main">
+  <p:cSld>
+    <p:spTree>
+      <p:nvGrpSpPr>
+        <p:cNvPr id="1" name=""/>
+        <p:cNvGrpSpPr/>
+        <p:nvPr/>
+      </p:nvGrpSpPr>
+      <p:grpSpPr>
+        <a:xfrm>
+          <a:off x="0" y="0"/>
+          <a:ext cx="0" cy="0"/>
+          <a:chOff x="0" y="0"/>
+          <a:chExt cx="0" cy="0"/>
+        </a:xfrm>
+      </p:grpSpPr>
+      <p:sp>
+        <p:nvSpPr>
+          <p:cNvPr id="2" name="Title 1">
+            <a:extLst>
+              <a:ext uri="{FF2B5EF4-FFF2-40B4-BE49-F238E27FC236}">
+                <a16:creationId xmlns:a16="http://schemas.microsoft.com/office/drawing/2014/main" id="{13C301B5-69FE-FB46-A366-CC4B13DCB801}"/>
+              </a:ext>
+            </a:extLst>
+          </p:cNvPr>
+          <p:cNvSpPr>
+            <a:spLocks noGrp="1"/>
+          </p:cNvSpPr>
+          <p:nvPr>
+            <p:ph type="title"/>
+          </p:nvPr>
+        </p:nvSpPr>
+        <p:spPr/>
+        <p:txBody>
+          <a:bodyPr>
+            <a:normAutofit/>
+          </a:bodyPr>
+          <a:lstStyle/>
+          <a:p>
+            <a:r>
+              <a:rPr lang="en-US" sz="4000" dirty="0"/>
+              <a:t>Pagination..</a:t>
+            </a:r>
+          </a:p>
+        </p:txBody>
+      </p:sp>
+      <p:sp>
+        <p:nvSpPr>
+          <p:cNvPr id="3" name="Text Placeholder 2">
+            <a:extLst>
+              <a:ext uri="{FF2B5EF4-FFF2-40B4-BE49-F238E27FC236}">
+                <a16:creationId xmlns:a16="http://schemas.microsoft.com/office/drawing/2014/main" id="{6ED8B3E5-6185-CA46-B1AE-7BA4EA907332}"/>
+              </a:ext>
+            </a:extLst>
+          </p:cNvPr>
+          <p:cNvSpPr>
+            <a:spLocks noGrp="1"/>
+          </p:cNvSpPr>
+          <p:nvPr>
+            <p:ph type="body" idx="1"/>
+          </p:nvPr>
+        </p:nvSpPr>
+        <p:spPr/>
+        <p:txBody>
+          <a:bodyPr>
+            <a:normAutofit/>
+          </a:bodyPr>
+          <a:lstStyle/>
+          <a:p>
+            <a:r>
+              <a:rPr lang="en-US" sz="2000" dirty="0"/>
+              <a:t>The process of dividing a document into discrete pages</a:t>
+            </a:r>
+          </a:p>
+          <a:p>
+            <a:r>
+              <a:rPr lang="en-US" sz="2000" dirty="0"/>
+              <a:t>Pagination can be handled client-side or server-side</a:t>
+            </a:r>
+          </a:p>
+          <a:p>
+            <a:r>
+              <a:rPr lang="en-US" sz="2000" dirty="0"/>
+              <a:t>How to implement Pagination on the server?</a:t>
+            </a:r>
+          </a:p>
+          <a:p>
+            <a:endParaRPr lang="en-US" sz="2000" dirty="0"/>
+          </a:p>
+        </p:txBody>
+      </p:sp>
+    </p:spTree>
+    <p:extLst>
+      <p:ext uri="{BB962C8B-B14F-4D97-AF65-F5344CB8AC3E}">
+        <p14:creationId xmlns:p14="http://schemas.microsoft.com/office/powerpoint/2010/main" val="555857869"/>
+      </p:ext>
+    </p:extLst>
+  </p:cSld>
+  <p:clrMapOvr>
+    <a:masterClrMapping/>
+  </p:clrMapOvr>
+  <p:transition spd="med"/>
+</p:sld>
+</file>
+
+<file path=ppt/slides/slide29.xml><?xml version="1.0" encoding="utf-8"?>
+<p:sld xmlns:a="http://schemas.openxmlformats.org/drawingml/2006/main" xmlns:r="http://schemas.openxmlformats.org/officeDocument/2006/relationships" xmlns:p="http://schemas.openxmlformats.org/presentationml/2006/main">
+  <p:cSld>
+    <p:spTree>
+      <p:nvGrpSpPr>
+        <p:cNvPr id="1" name=""/>
+        <p:cNvGrpSpPr/>
+        <p:nvPr/>
+      </p:nvGrpSpPr>
+      <p:grpSpPr>
+        <a:xfrm>
+          <a:off x="0" y="0"/>
+          <a:ext cx="0" cy="0"/>
+          <a:chOff x="0" y="0"/>
+          <a:chExt cx="0" cy="0"/>
+        </a:xfrm>
+      </p:grpSpPr>
+      <p:sp>
+        <p:nvSpPr>
+          <p:cNvPr id="2" name="Title 1">
+            <a:extLst>
+              <a:ext uri="{FF2B5EF4-FFF2-40B4-BE49-F238E27FC236}">
+                <a16:creationId xmlns:a16="http://schemas.microsoft.com/office/drawing/2014/main" id="{13C301B5-69FE-FB46-A366-CC4B13DCB801}"/>
+              </a:ext>
+            </a:extLst>
+          </p:cNvPr>
+          <p:cNvSpPr>
+            <a:spLocks noGrp="1"/>
+          </p:cNvSpPr>
+          <p:nvPr>
+            <p:ph type="title"/>
+          </p:nvPr>
+        </p:nvSpPr>
+        <p:spPr/>
+        <p:txBody>
+          <a:bodyPr>
+            <a:normAutofit/>
+          </a:bodyPr>
+          <a:lstStyle/>
+          <a:p>
+            <a:r>
+              <a:rPr lang="en-US" sz="4000" dirty="0"/>
+              <a:t>Pagination..</a:t>
+            </a:r>
+          </a:p>
+        </p:txBody>
+      </p:sp>
+      <p:sp>
+        <p:nvSpPr>
+          <p:cNvPr id="3" name="Text Placeholder 2">
+            <a:extLst>
+              <a:ext uri="{FF2B5EF4-FFF2-40B4-BE49-F238E27FC236}">
+                <a16:creationId xmlns:a16="http://schemas.microsoft.com/office/drawing/2014/main" id="{6ED8B3E5-6185-CA46-B1AE-7BA4EA907332}"/>
+              </a:ext>
+            </a:extLst>
+          </p:cNvPr>
+          <p:cNvSpPr>
+            <a:spLocks noGrp="1"/>
+          </p:cNvSpPr>
+          <p:nvPr>
+            <p:ph type="body" idx="1"/>
+          </p:nvPr>
+        </p:nvSpPr>
+        <p:spPr/>
+        <p:txBody>
+          <a:bodyPr>
+            <a:normAutofit/>
+          </a:bodyPr>
+          <a:lstStyle/>
+          <a:p>
+            <a:r>
+              <a:rPr lang="en-US" sz="2000" dirty="0"/>
+              <a:t>The process of dividing a document into discrete pages</a:t>
+            </a:r>
+          </a:p>
+          <a:p>
+            <a:r>
+              <a:rPr lang="en-US" sz="2000" dirty="0"/>
+              <a:t>Pagination can be handled client-side or server-side</a:t>
+            </a:r>
+          </a:p>
+          <a:p>
+            <a:r>
+              <a:rPr lang="en-US" sz="2000" dirty="0"/>
+              <a:t>How to implement Pagination on the server?</a:t>
+            </a:r>
+          </a:p>
+          <a:p>
+            <a:r>
+              <a:rPr lang="en-US" sz="2000" dirty="0"/>
+              <a:t>We need to specify the following: </a:t>
+            </a:r>
+          </a:p>
+          <a:p>
+            <a:pPr lvl="1"/>
+            <a:endParaRPr lang="en-US" sz="2000" dirty="0"/>
+          </a:p>
+        </p:txBody>
+      </p:sp>
+    </p:spTree>
+    <p:extLst>
+      <p:ext uri="{BB962C8B-B14F-4D97-AF65-F5344CB8AC3E}">
+        <p14:creationId xmlns:p14="http://schemas.microsoft.com/office/powerpoint/2010/main" val="3434309631"/>
+      </p:ext>
+    </p:extLst>
   </p:cSld>
   <p:clrMapOvr>
     <a:masterClrMapping/>
@@ -11820,7 +14585,9 @@
           </a:prstGeom>
         </p:spPr>
         <p:txBody>
-          <a:bodyPr/>
+          <a:bodyPr>
+            <a:normAutofit/>
+          </a:bodyPr>
           <a:lstStyle>
             <a:lvl1pPr>
               <a:defRPr sz="2500" b="1"/>
@@ -11828,26 +14595,26 @@
           </a:lstStyle>
           <a:p>
             <a:r>
-              <a:rPr lang="en-US" b="0" dirty="0"/>
+              <a:rPr lang="en-US" sz="4000" b="0" dirty="0"/>
               <a:t>D</a:t>
             </a:r>
             <a:r>
-              <a:rPr b="0" dirty="0"/>
+              <a:rPr sz="4000" b="0" dirty="0"/>
               <a:t>istributed </a:t>
             </a:r>
             <a:r>
-              <a:rPr lang="en-US" b="0" dirty="0"/>
+              <a:rPr lang="en-US" sz="4000" b="0" dirty="0"/>
               <a:t>A</a:t>
             </a:r>
             <a:r>
-              <a:rPr b="0" dirty="0"/>
+              <a:rPr sz="4000" b="0" dirty="0"/>
               <a:t>pplication</a:t>
             </a:r>
             <a:r>
-              <a:rPr lang="en-US" b="0" dirty="0"/>
+              <a:rPr lang="en-US" sz="4000" b="0" dirty="0"/>
               <a:t> Recap</a:t>
             </a:r>
-            <a:endParaRPr b="0" dirty="0"/>
+            <a:endParaRPr sz="4000" b="0" dirty="0"/>
           </a:p>
         </p:txBody>
       </p:sp>
@@ -12030,6 +14797,1355 @@
         </p:spPr>
       </p:pic>
     </p:spTree>
+  </p:cSld>
+  <p:clrMapOvr>
+    <a:masterClrMapping/>
+  </p:clrMapOvr>
+  <p:transition spd="med"/>
+</p:sld>
+</file>
+
+<file path=ppt/slides/slide30.xml><?xml version="1.0" encoding="utf-8"?>
+<p:sld xmlns:a="http://schemas.openxmlformats.org/drawingml/2006/main" xmlns:r="http://schemas.openxmlformats.org/officeDocument/2006/relationships" xmlns:p="http://schemas.openxmlformats.org/presentationml/2006/main">
+  <p:cSld>
+    <p:spTree>
+      <p:nvGrpSpPr>
+        <p:cNvPr id="1" name=""/>
+        <p:cNvGrpSpPr/>
+        <p:nvPr/>
+      </p:nvGrpSpPr>
+      <p:grpSpPr>
+        <a:xfrm>
+          <a:off x="0" y="0"/>
+          <a:ext cx="0" cy="0"/>
+          <a:chOff x="0" y="0"/>
+          <a:chExt cx="0" cy="0"/>
+        </a:xfrm>
+      </p:grpSpPr>
+      <p:sp>
+        <p:nvSpPr>
+          <p:cNvPr id="2" name="Title 1">
+            <a:extLst>
+              <a:ext uri="{FF2B5EF4-FFF2-40B4-BE49-F238E27FC236}">
+                <a16:creationId xmlns:a16="http://schemas.microsoft.com/office/drawing/2014/main" id="{13C301B5-69FE-FB46-A366-CC4B13DCB801}"/>
+              </a:ext>
+            </a:extLst>
+          </p:cNvPr>
+          <p:cNvSpPr>
+            <a:spLocks noGrp="1"/>
+          </p:cNvSpPr>
+          <p:nvPr>
+            <p:ph type="title"/>
+          </p:nvPr>
+        </p:nvSpPr>
+        <p:spPr/>
+        <p:txBody>
+          <a:bodyPr>
+            <a:normAutofit/>
+          </a:bodyPr>
+          <a:lstStyle/>
+          <a:p>
+            <a:r>
+              <a:rPr lang="en-US" sz="4000" dirty="0"/>
+              <a:t>Pagination...</a:t>
+            </a:r>
+          </a:p>
+        </p:txBody>
+      </p:sp>
+      <p:sp>
+        <p:nvSpPr>
+          <p:cNvPr id="3" name="Text Placeholder 2">
+            <a:extLst>
+              <a:ext uri="{FF2B5EF4-FFF2-40B4-BE49-F238E27FC236}">
+                <a16:creationId xmlns:a16="http://schemas.microsoft.com/office/drawing/2014/main" id="{6ED8B3E5-6185-CA46-B1AE-7BA4EA907332}"/>
+              </a:ext>
+            </a:extLst>
+          </p:cNvPr>
+          <p:cNvSpPr>
+            <a:spLocks noGrp="1"/>
+          </p:cNvSpPr>
+          <p:nvPr>
+            <p:ph type="body" idx="1"/>
+          </p:nvPr>
+        </p:nvSpPr>
+        <p:spPr/>
+        <p:txBody>
+          <a:bodyPr>
+            <a:normAutofit/>
+          </a:bodyPr>
+          <a:lstStyle/>
+          <a:p>
+            <a:r>
+              <a:rPr lang="en-US" sz="2000" dirty="0"/>
+              <a:t>The process of dividing a document into discrete pages</a:t>
+            </a:r>
+          </a:p>
+          <a:p>
+            <a:r>
+              <a:rPr lang="en-US" sz="2000" dirty="0"/>
+              <a:t>Pagination can be handled client-side or server-side</a:t>
+            </a:r>
+          </a:p>
+          <a:p>
+            <a:r>
+              <a:rPr lang="en-US" sz="2000" dirty="0"/>
+              <a:t>How to implement Pagination on the server?</a:t>
+            </a:r>
+          </a:p>
+          <a:p>
+            <a:r>
+              <a:rPr lang="en-US" sz="2000" dirty="0"/>
+              <a:t>We need to specify the following: </a:t>
+            </a:r>
+          </a:p>
+          <a:p>
+            <a:pPr lvl="1"/>
+            <a:r>
+              <a:rPr lang="en-US" sz="2000" dirty="0"/>
+              <a:t>The URI to the resource that needs to be paginated</a:t>
+            </a:r>
+          </a:p>
+          <a:p>
+            <a:pPr lvl="1"/>
+            <a:r>
+              <a:rPr lang="en-US" sz="2000" dirty="0"/>
+              <a:t>Total amount of records in the database</a:t>
+            </a:r>
+          </a:p>
+          <a:p>
+            <a:pPr lvl="1"/>
+            <a:r>
+              <a:rPr lang="en-US" sz="2000" dirty="0"/>
+              <a:t>Current index (starting point)</a:t>
+            </a:r>
+          </a:p>
+          <a:p>
+            <a:pPr lvl="1"/>
+            <a:r>
+              <a:rPr lang="en-US" sz="2000" dirty="0"/>
+              <a:t>Number of records to be viewed on each page</a:t>
+            </a:r>
+          </a:p>
+          <a:p>
+            <a:pPr lvl="1"/>
+            <a:r>
+              <a:rPr lang="en-US" sz="2000" dirty="0"/>
+              <a:t>Total number of pages that can be viewed</a:t>
+            </a:r>
+          </a:p>
+          <a:p>
+            <a:pPr lvl="1"/>
+            <a:endParaRPr lang="en-US" sz="2000" dirty="0"/>
+          </a:p>
+        </p:txBody>
+      </p:sp>
+    </p:spTree>
+    <p:extLst>
+      <p:ext uri="{BB962C8B-B14F-4D97-AF65-F5344CB8AC3E}">
+        <p14:creationId xmlns:p14="http://schemas.microsoft.com/office/powerpoint/2010/main" val="3281005734"/>
+      </p:ext>
+    </p:extLst>
+  </p:cSld>
+  <p:clrMapOvr>
+    <a:masterClrMapping/>
+  </p:clrMapOvr>
+  <p:transition spd="med"/>
+</p:sld>
+</file>
+
+<file path=ppt/slides/slide31.xml><?xml version="1.0" encoding="utf-8"?>
+<p:sld xmlns:a="http://schemas.openxmlformats.org/drawingml/2006/main" xmlns:r="http://schemas.openxmlformats.org/officeDocument/2006/relationships" xmlns:p="http://schemas.openxmlformats.org/presentationml/2006/main">
+  <p:cSld>
+    <p:spTree>
+      <p:nvGrpSpPr>
+        <p:cNvPr id="1" name=""/>
+        <p:cNvGrpSpPr/>
+        <p:nvPr/>
+      </p:nvGrpSpPr>
+      <p:grpSpPr>
+        <a:xfrm>
+          <a:off x="0" y="0"/>
+          <a:ext cx="0" cy="0"/>
+          <a:chOff x="0" y="0"/>
+          <a:chExt cx="0" cy="0"/>
+        </a:xfrm>
+      </p:grpSpPr>
+      <p:sp>
+        <p:nvSpPr>
+          <p:cNvPr id="2" name="Title 1">
+            <a:extLst>
+              <a:ext uri="{FF2B5EF4-FFF2-40B4-BE49-F238E27FC236}">
+                <a16:creationId xmlns:a16="http://schemas.microsoft.com/office/drawing/2014/main" id="{8A8D72BD-11FA-9749-8C45-29D504D6822C}"/>
+              </a:ext>
+            </a:extLst>
+          </p:cNvPr>
+          <p:cNvSpPr>
+            <a:spLocks noGrp="1"/>
+          </p:cNvSpPr>
+          <p:nvPr>
+            <p:ph type="title"/>
+          </p:nvPr>
+        </p:nvSpPr>
+        <p:spPr/>
+        <p:txBody>
+          <a:bodyPr/>
+          <a:lstStyle/>
+          <a:p>
+            <a:r>
+              <a:rPr lang="en-US" dirty="0"/>
+              <a:t>Example</a:t>
+            </a:r>
+          </a:p>
+        </p:txBody>
+      </p:sp>
+      <p:sp>
+        <p:nvSpPr>
+          <p:cNvPr id="3" name="Text Placeholder 2">
+            <a:extLst>
+              <a:ext uri="{FF2B5EF4-FFF2-40B4-BE49-F238E27FC236}">
+                <a16:creationId xmlns:a16="http://schemas.microsoft.com/office/drawing/2014/main" id="{E7F0DF50-1AB7-9348-ABDD-69C53EC4963C}"/>
+              </a:ext>
+            </a:extLst>
+          </p:cNvPr>
+          <p:cNvSpPr>
+            <a:spLocks noGrp="1"/>
+          </p:cNvSpPr>
+          <p:nvPr>
+            <p:ph type="body" idx="1"/>
+          </p:nvPr>
+        </p:nvSpPr>
+        <p:spPr/>
+        <p:txBody>
+          <a:bodyPr/>
+          <a:lstStyle/>
+          <a:p>
+            <a:r>
+              <a:rPr lang="en-US" dirty="0"/>
+              <a:t>Live code</a:t>
+            </a:r>
+          </a:p>
+        </p:txBody>
+      </p:sp>
+    </p:spTree>
+    <p:extLst>
+      <p:ext uri="{BB962C8B-B14F-4D97-AF65-F5344CB8AC3E}">
+        <p14:creationId xmlns:p14="http://schemas.microsoft.com/office/powerpoint/2010/main" val="273511604"/>
+      </p:ext>
+    </p:extLst>
+  </p:cSld>
+  <p:clrMapOvr>
+    <a:masterClrMapping/>
+  </p:clrMapOvr>
+  <p:transition spd="med"/>
+</p:sld>
+</file>
+
+<file path=ppt/slides/slide32.xml><?xml version="1.0" encoding="utf-8"?>
+<p:sld xmlns:a="http://schemas.openxmlformats.org/drawingml/2006/main" xmlns:r="http://schemas.openxmlformats.org/officeDocument/2006/relationships" xmlns:p="http://schemas.openxmlformats.org/presentationml/2006/main">
+  <p:cSld>
+    <p:spTree>
+      <p:nvGrpSpPr>
+        <p:cNvPr id="1" name=""/>
+        <p:cNvGrpSpPr/>
+        <p:nvPr/>
+      </p:nvGrpSpPr>
+      <p:grpSpPr>
+        <a:xfrm>
+          <a:off x="0" y="0"/>
+          <a:ext cx="0" cy="0"/>
+          <a:chOff x="0" y="0"/>
+          <a:chExt cx="0" cy="0"/>
+        </a:xfrm>
+      </p:grpSpPr>
+      <p:sp>
+        <p:nvSpPr>
+          <p:cNvPr id="2" name="Title 1">
+            <a:extLst>
+              <a:ext uri="{FF2B5EF4-FFF2-40B4-BE49-F238E27FC236}">
+                <a16:creationId xmlns:a16="http://schemas.microsoft.com/office/drawing/2014/main" id="{2D489E8B-C85E-5442-B1C0-39DBABDA64FA}"/>
+              </a:ext>
+            </a:extLst>
+          </p:cNvPr>
+          <p:cNvSpPr>
+            <a:spLocks noGrp="1"/>
+          </p:cNvSpPr>
+          <p:nvPr>
+            <p:ph type="title"/>
+          </p:nvPr>
+        </p:nvSpPr>
+        <p:spPr/>
+        <p:txBody>
+          <a:bodyPr>
+            <a:normAutofit/>
+          </a:bodyPr>
+          <a:lstStyle/>
+          <a:p>
+            <a:r>
+              <a:rPr lang="en-US" sz="4000" dirty="0"/>
+              <a:t>Filtering</a:t>
+            </a:r>
+          </a:p>
+        </p:txBody>
+      </p:sp>
+      <p:sp>
+        <p:nvSpPr>
+          <p:cNvPr id="3" name="Text Placeholder 2">
+            <a:extLst>
+              <a:ext uri="{FF2B5EF4-FFF2-40B4-BE49-F238E27FC236}">
+                <a16:creationId xmlns:a16="http://schemas.microsoft.com/office/drawing/2014/main" id="{308C689D-7794-944C-8DE5-C34D74C7F05C}"/>
+              </a:ext>
+            </a:extLst>
+          </p:cNvPr>
+          <p:cNvSpPr>
+            <a:spLocks noGrp="1"/>
+          </p:cNvSpPr>
+          <p:nvPr>
+            <p:ph type="body" idx="1"/>
+          </p:nvPr>
+        </p:nvSpPr>
+        <p:spPr/>
+        <p:txBody>
+          <a:bodyPr>
+            <a:normAutofit/>
+          </a:bodyPr>
+          <a:lstStyle/>
+          <a:p>
+            <a:r>
+              <a:rPr lang="en-US" sz="2000" dirty="0"/>
+              <a:t>The GET method for pagination is containing basic filtering</a:t>
+            </a:r>
+          </a:p>
+          <a:p>
+            <a:pPr lvl="1"/>
+            <a:r>
+              <a:rPr lang="en-US" sz="2000" dirty="0"/>
+              <a:t>Where? </a:t>
+            </a:r>
+          </a:p>
+          <a:p>
+            <a:r>
+              <a:rPr lang="en-US" sz="2000" dirty="0"/>
+              <a:t>it is possible to add more parameters to perform extra filtering</a:t>
+            </a:r>
+          </a:p>
+          <a:p>
+            <a:endParaRPr lang="en-US" sz="2000" dirty="0"/>
+          </a:p>
+        </p:txBody>
+      </p:sp>
+    </p:spTree>
+    <p:extLst>
+      <p:ext uri="{BB962C8B-B14F-4D97-AF65-F5344CB8AC3E}">
+        <p14:creationId xmlns:p14="http://schemas.microsoft.com/office/powerpoint/2010/main" val="1926369134"/>
+      </p:ext>
+    </p:extLst>
+  </p:cSld>
+  <p:clrMapOvr>
+    <a:masterClrMapping/>
+  </p:clrMapOvr>
+  <p:transition spd="med"/>
+</p:sld>
+</file>
+
+<file path=ppt/slides/slide33.xml><?xml version="1.0" encoding="utf-8"?>
+<p:sld xmlns:a="http://schemas.openxmlformats.org/drawingml/2006/main" xmlns:r="http://schemas.openxmlformats.org/officeDocument/2006/relationships" xmlns:p="http://schemas.openxmlformats.org/presentationml/2006/main">
+  <p:cSld>
+    <p:spTree>
+      <p:nvGrpSpPr>
+        <p:cNvPr id="1" name=""/>
+        <p:cNvGrpSpPr/>
+        <p:nvPr/>
+      </p:nvGrpSpPr>
+      <p:grpSpPr>
+        <a:xfrm>
+          <a:off x="0" y="0"/>
+          <a:ext cx="0" cy="0"/>
+          <a:chOff x="0" y="0"/>
+          <a:chExt cx="0" cy="0"/>
+        </a:xfrm>
+      </p:grpSpPr>
+      <p:sp>
+        <p:nvSpPr>
+          <p:cNvPr id="2" name="Title 1">
+            <a:extLst>
+              <a:ext uri="{FF2B5EF4-FFF2-40B4-BE49-F238E27FC236}">
+                <a16:creationId xmlns:a16="http://schemas.microsoft.com/office/drawing/2014/main" id="{2D489E8B-C85E-5442-B1C0-39DBABDA64FA}"/>
+              </a:ext>
+            </a:extLst>
+          </p:cNvPr>
+          <p:cNvSpPr>
+            <a:spLocks noGrp="1"/>
+          </p:cNvSpPr>
+          <p:nvPr>
+            <p:ph type="title"/>
+          </p:nvPr>
+        </p:nvSpPr>
+        <p:spPr/>
+        <p:txBody>
+          <a:bodyPr>
+            <a:normAutofit/>
+          </a:bodyPr>
+          <a:lstStyle/>
+          <a:p>
+            <a:r>
+              <a:rPr lang="en-US" sz="4000" dirty="0"/>
+              <a:t>Filtering.</a:t>
+            </a:r>
+          </a:p>
+        </p:txBody>
+      </p:sp>
+      <p:sp>
+        <p:nvSpPr>
+          <p:cNvPr id="3" name="Text Placeholder 2">
+            <a:extLst>
+              <a:ext uri="{FF2B5EF4-FFF2-40B4-BE49-F238E27FC236}">
+                <a16:creationId xmlns:a16="http://schemas.microsoft.com/office/drawing/2014/main" id="{308C689D-7794-944C-8DE5-C34D74C7F05C}"/>
+              </a:ext>
+            </a:extLst>
+          </p:cNvPr>
+          <p:cNvSpPr>
+            <a:spLocks noGrp="1"/>
+          </p:cNvSpPr>
+          <p:nvPr>
+            <p:ph type="body" idx="1"/>
+          </p:nvPr>
+        </p:nvSpPr>
+        <p:spPr/>
+        <p:txBody>
+          <a:bodyPr>
+            <a:normAutofit/>
+          </a:bodyPr>
+          <a:lstStyle/>
+          <a:p>
+            <a:r>
+              <a:rPr lang="en-US" sz="2000" dirty="0"/>
+              <a:t>The GET method for pagination is containing basic filtering</a:t>
+            </a:r>
+          </a:p>
+          <a:p>
+            <a:pPr lvl="1"/>
+            <a:r>
+              <a:rPr lang="en-US" sz="2000" dirty="0"/>
+              <a:t>Where? </a:t>
+            </a:r>
+          </a:p>
+          <a:p>
+            <a:r>
+              <a:rPr lang="en-US" sz="2000" dirty="0"/>
+              <a:t>it is possible to add more parameters to perform extra filtering</a:t>
+            </a:r>
+          </a:p>
+          <a:p>
+            <a:r>
+              <a:rPr lang="en-US" sz="2000" dirty="0"/>
+              <a:t>typical strategy is also to define a parameterized, hierarchical data structure</a:t>
+            </a:r>
+          </a:p>
+          <a:p>
+            <a:pPr lvl="1"/>
+            <a:r>
+              <a:rPr lang="en-US" sz="2000" dirty="0"/>
+              <a:t>Does the client needs to know about this structure?</a:t>
+            </a:r>
+          </a:p>
+          <a:p>
+            <a:pPr lvl="1"/>
+            <a:endParaRPr lang="en-US" sz="2000" dirty="0"/>
+          </a:p>
+        </p:txBody>
+      </p:sp>
+    </p:spTree>
+    <p:extLst>
+      <p:ext uri="{BB962C8B-B14F-4D97-AF65-F5344CB8AC3E}">
+        <p14:creationId xmlns:p14="http://schemas.microsoft.com/office/powerpoint/2010/main" val="3267814258"/>
+      </p:ext>
+    </p:extLst>
+  </p:cSld>
+  <p:clrMapOvr>
+    <a:masterClrMapping/>
+  </p:clrMapOvr>
+  <p:transition spd="med"/>
+</p:sld>
+</file>
+
+<file path=ppt/slides/slide34.xml><?xml version="1.0" encoding="utf-8"?>
+<p:sld xmlns:a="http://schemas.openxmlformats.org/drawingml/2006/main" xmlns:r="http://schemas.openxmlformats.org/officeDocument/2006/relationships" xmlns:p="http://schemas.openxmlformats.org/presentationml/2006/main">
+  <p:cSld>
+    <p:spTree>
+      <p:nvGrpSpPr>
+        <p:cNvPr id="1" name=""/>
+        <p:cNvGrpSpPr/>
+        <p:nvPr/>
+      </p:nvGrpSpPr>
+      <p:grpSpPr>
+        <a:xfrm>
+          <a:off x="0" y="0"/>
+          <a:ext cx="0" cy="0"/>
+          <a:chOff x="0" y="0"/>
+          <a:chExt cx="0" cy="0"/>
+        </a:xfrm>
+      </p:grpSpPr>
+      <p:sp>
+        <p:nvSpPr>
+          <p:cNvPr id="2" name="Title 1">
+            <a:extLst>
+              <a:ext uri="{FF2B5EF4-FFF2-40B4-BE49-F238E27FC236}">
+                <a16:creationId xmlns:a16="http://schemas.microsoft.com/office/drawing/2014/main" id="{2D489E8B-C85E-5442-B1C0-39DBABDA64FA}"/>
+              </a:ext>
+            </a:extLst>
+          </p:cNvPr>
+          <p:cNvSpPr>
+            <a:spLocks noGrp="1"/>
+          </p:cNvSpPr>
+          <p:nvPr>
+            <p:ph type="title"/>
+          </p:nvPr>
+        </p:nvSpPr>
+        <p:spPr/>
+        <p:txBody>
+          <a:bodyPr>
+            <a:normAutofit/>
+          </a:bodyPr>
+          <a:lstStyle/>
+          <a:p>
+            <a:r>
+              <a:rPr lang="en-US" sz="4000" dirty="0"/>
+              <a:t>Filtering..</a:t>
+            </a:r>
+          </a:p>
+        </p:txBody>
+      </p:sp>
+      <p:sp>
+        <p:nvSpPr>
+          <p:cNvPr id="3" name="Text Placeholder 2">
+            <a:extLst>
+              <a:ext uri="{FF2B5EF4-FFF2-40B4-BE49-F238E27FC236}">
+                <a16:creationId xmlns:a16="http://schemas.microsoft.com/office/drawing/2014/main" id="{308C689D-7794-944C-8DE5-C34D74C7F05C}"/>
+              </a:ext>
+            </a:extLst>
+          </p:cNvPr>
+          <p:cNvSpPr>
+            <a:spLocks noGrp="1"/>
+          </p:cNvSpPr>
+          <p:nvPr>
+            <p:ph type="body" idx="1"/>
+          </p:nvPr>
+        </p:nvSpPr>
+        <p:spPr/>
+        <p:txBody>
+          <a:bodyPr>
+            <a:normAutofit/>
+          </a:bodyPr>
+          <a:lstStyle/>
+          <a:p>
+            <a:r>
+              <a:rPr lang="en-US" sz="2000" dirty="0"/>
+              <a:t>The GET method for pagination is containing basic filtering</a:t>
+            </a:r>
+          </a:p>
+          <a:p>
+            <a:pPr lvl="1"/>
+            <a:r>
+              <a:rPr lang="en-US" sz="2000" dirty="0"/>
+              <a:t>Where? </a:t>
+            </a:r>
+          </a:p>
+          <a:p>
+            <a:r>
+              <a:rPr lang="en-US" sz="2000" dirty="0"/>
+              <a:t>it is possible to add more parameters to perform extra filtering</a:t>
+            </a:r>
+          </a:p>
+          <a:p>
+            <a:r>
+              <a:rPr lang="en-US" sz="2000" dirty="0"/>
+              <a:t>typical strategy is also to define a parameterized, hierarchical data structure</a:t>
+            </a:r>
+          </a:p>
+          <a:p>
+            <a:pPr lvl="1"/>
+            <a:r>
+              <a:rPr lang="en-US" sz="2000" dirty="0"/>
+              <a:t>Does the client needs to know about this structure?</a:t>
+            </a:r>
+          </a:p>
+          <a:p>
+            <a:r>
+              <a:rPr lang="en-US" sz="2000" dirty="0"/>
+              <a:t>The server must provide the possibility of  building expressions dynamically,</a:t>
+            </a:r>
+          </a:p>
+          <a:p>
+            <a:pPr lvl="1"/>
+            <a:r>
+              <a:rPr lang="en-US" sz="2000" dirty="0"/>
+              <a:t>In LINQ Expression is an interface to automatically build predicates and other expressions dynamically</a:t>
+            </a:r>
+          </a:p>
+          <a:p>
+            <a:pPr lvl="1"/>
+            <a:r>
+              <a:rPr lang="en-US" sz="2000" dirty="0"/>
+              <a:t>Expr = And(Expr, Expr) | Or(</a:t>
+            </a:r>
+            <a:r>
+              <a:rPr lang="en-US" sz="2000" dirty="0" err="1"/>
+              <a:t>Expr,Expr</a:t>
+            </a:r>
+            <a:r>
+              <a:rPr lang="en-US" sz="2000" dirty="0"/>
+              <a:t>) | | ...</a:t>
+            </a:r>
+          </a:p>
+        </p:txBody>
+      </p:sp>
+    </p:spTree>
+    <p:extLst>
+      <p:ext uri="{BB962C8B-B14F-4D97-AF65-F5344CB8AC3E}">
+        <p14:creationId xmlns:p14="http://schemas.microsoft.com/office/powerpoint/2010/main" val="1973279178"/>
+      </p:ext>
+    </p:extLst>
+  </p:cSld>
+  <p:clrMapOvr>
+    <a:masterClrMapping/>
+  </p:clrMapOvr>
+  <p:transition spd="med"/>
+</p:sld>
+</file>
+
+<file path=ppt/slides/slide35.xml><?xml version="1.0" encoding="utf-8"?>
+<p:sld xmlns:a="http://schemas.openxmlformats.org/drawingml/2006/main" xmlns:r="http://schemas.openxmlformats.org/officeDocument/2006/relationships" xmlns:p="http://schemas.openxmlformats.org/presentationml/2006/main">
+  <p:cSld>
+    <p:spTree>
+      <p:nvGrpSpPr>
+        <p:cNvPr id="1" name=""/>
+        <p:cNvGrpSpPr/>
+        <p:nvPr/>
+      </p:nvGrpSpPr>
+      <p:grpSpPr>
+        <a:xfrm>
+          <a:off x="0" y="0"/>
+          <a:ext cx="0" cy="0"/>
+          <a:chOff x="0" y="0"/>
+          <a:chExt cx="0" cy="0"/>
+        </a:xfrm>
+      </p:grpSpPr>
+      <p:sp>
+        <p:nvSpPr>
+          <p:cNvPr id="2" name="Title 1">
+            <a:extLst>
+              <a:ext uri="{FF2B5EF4-FFF2-40B4-BE49-F238E27FC236}">
+                <a16:creationId xmlns:a16="http://schemas.microsoft.com/office/drawing/2014/main" id="{2D489E8B-C85E-5442-B1C0-39DBABDA64FA}"/>
+              </a:ext>
+            </a:extLst>
+          </p:cNvPr>
+          <p:cNvSpPr>
+            <a:spLocks noGrp="1"/>
+          </p:cNvSpPr>
+          <p:nvPr>
+            <p:ph type="title"/>
+          </p:nvPr>
+        </p:nvSpPr>
+        <p:spPr/>
+        <p:txBody>
+          <a:bodyPr>
+            <a:normAutofit/>
+          </a:bodyPr>
+          <a:lstStyle/>
+          <a:p>
+            <a:r>
+              <a:rPr lang="en-US" sz="4000" dirty="0"/>
+              <a:t>Filtering…</a:t>
+            </a:r>
+          </a:p>
+        </p:txBody>
+      </p:sp>
+      <p:sp>
+        <p:nvSpPr>
+          <p:cNvPr id="3" name="Text Placeholder 2">
+            <a:extLst>
+              <a:ext uri="{FF2B5EF4-FFF2-40B4-BE49-F238E27FC236}">
+                <a16:creationId xmlns:a16="http://schemas.microsoft.com/office/drawing/2014/main" id="{308C689D-7794-944C-8DE5-C34D74C7F05C}"/>
+              </a:ext>
+            </a:extLst>
+          </p:cNvPr>
+          <p:cNvSpPr>
+            <a:spLocks noGrp="1"/>
+          </p:cNvSpPr>
+          <p:nvPr>
+            <p:ph type="body" idx="1"/>
+          </p:nvPr>
+        </p:nvSpPr>
+        <p:spPr/>
+        <p:txBody>
+          <a:bodyPr>
+            <a:normAutofit/>
+          </a:bodyPr>
+          <a:lstStyle/>
+          <a:p>
+            <a:r>
+              <a:rPr lang="en-US" sz="2000" dirty="0"/>
+              <a:t>Example of the hierarchical data structure that we can use to dynamically generate expressions:</a:t>
+            </a:r>
+          </a:p>
+          <a:p>
+            <a:pPr lvl="1"/>
+            <a:r>
+              <a:rPr lang="en-US" sz="2000" dirty="0"/>
+              <a:t>Simple equality:</a:t>
+            </a:r>
+          </a:p>
+          <a:p>
+            <a:pPr marL="876300" lvl="2" indent="0">
+              <a:buNone/>
+            </a:pPr>
+            <a:r>
+              <a:rPr lang="en-US" sz="1600" dirty="0">
+                <a:solidFill>
+                  <a:srgbClr val="C00000"/>
+                </a:solidFill>
+              </a:rPr>
+              <a:t>{</a:t>
+            </a:r>
+          </a:p>
+          <a:p>
+            <a:pPr marL="876300" lvl="2" indent="0">
+              <a:buNone/>
+            </a:pPr>
+            <a:r>
+              <a:rPr lang="en-US" sz="1600" dirty="0">
+                <a:solidFill>
+                  <a:srgbClr val="C00000"/>
+                </a:solidFill>
+              </a:rPr>
+              <a:t> 	"Kind": 0,</a:t>
+            </a:r>
+          </a:p>
+          <a:p>
+            <a:pPr marL="876300" lvl="2" indent="0">
+              <a:buNone/>
+            </a:pPr>
+            <a:r>
+              <a:rPr lang="en-US" sz="1600" dirty="0">
+                <a:solidFill>
+                  <a:srgbClr val="C00000"/>
+                </a:solidFill>
+              </a:rPr>
+              <a:t> 	"</a:t>
+            </a:r>
+            <a:r>
+              <a:rPr lang="en-US" sz="1600" dirty="0" err="1">
+                <a:solidFill>
+                  <a:srgbClr val="C00000"/>
+                </a:solidFill>
+              </a:rPr>
+              <a:t>Att</a:t>
+            </a:r>
+            <a:r>
+              <a:rPr lang="en-US" sz="1600" dirty="0">
+                <a:solidFill>
+                  <a:srgbClr val="C00000"/>
+                </a:solidFill>
+              </a:rPr>
+              <a:t>": "title",</a:t>
+            </a:r>
+          </a:p>
+          <a:p>
+            <a:pPr marL="876300" lvl="2" indent="0">
+              <a:buNone/>
+            </a:pPr>
+            <a:r>
+              <a:rPr lang="en-US" sz="1600" dirty="0">
+                <a:solidFill>
+                  <a:srgbClr val="C00000"/>
+                </a:solidFill>
+              </a:rPr>
+              <a:t> 	"Value": "Indiana Jones"</a:t>
+            </a:r>
+          </a:p>
+          <a:p>
+            <a:pPr marL="876300" lvl="2" indent="0">
+              <a:buNone/>
+            </a:pPr>
+            <a:r>
+              <a:rPr lang="en-US" sz="1600" dirty="0">
+                <a:solidFill>
+                  <a:srgbClr val="C00000"/>
+                </a:solidFill>
+              </a:rPr>
+              <a:t> 	</a:t>
+            </a:r>
+          </a:p>
+          <a:p>
+            <a:pPr marL="876300" lvl="2" indent="0">
+              <a:buNone/>
+            </a:pPr>
+            <a:r>
+              <a:rPr lang="en-US" sz="1600" dirty="0">
+                <a:solidFill>
+                  <a:srgbClr val="C00000"/>
+                </a:solidFill>
+              </a:rPr>
+              <a:t> }</a:t>
+            </a:r>
+          </a:p>
+          <a:p>
+            <a:pPr marL="0" indent="0">
+              <a:buNone/>
+            </a:pPr>
+            <a:endParaRPr lang="en-US" sz="1600" dirty="0"/>
+          </a:p>
+        </p:txBody>
+      </p:sp>
+    </p:spTree>
+    <p:extLst>
+      <p:ext uri="{BB962C8B-B14F-4D97-AF65-F5344CB8AC3E}">
+        <p14:creationId xmlns:p14="http://schemas.microsoft.com/office/powerpoint/2010/main" val="3117055714"/>
+      </p:ext>
+    </p:extLst>
+  </p:cSld>
+  <p:clrMapOvr>
+    <a:masterClrMapping/>
+  </p:clrMapOvr>
+  <p:transition spd="med"/>
+</p:sld>
+</file>
+
+<file path=ppt/slides/slide36.xml><?xml version="1.0" encoding="utf-8"?>
+<p:sld xmlns:a="http://schemas.openxmlformats.org/drawingml/2006/main" xmlns:r="http://schemas.openxmlformats.org/officeDocument/2006/relationships" xmlns:p="http://schemas.openxmlformats.org/presentationml/2006/main">
+  <p:cSld>
+    <p:spTree>
+      <p:nvGrpSpPr>
+        <p:cNvPr id="1" name=""/>
+        <p:cNvGrpSpPr/>
+        <p:nvPr/>
+      </p:nvGrpSpPr>
+      <p:grpSpPr>
+        <a:xfrm>
+          <a:off x="0" y="0"/>
+          <a:ext cx="0" cy="0"/>
+          <a:chOff x="0" y="0"/>
+          <a:chExt cx="0" cy="0"/>
+        </a:xfrm>
+      </p:grpSpPr>
+      <p:sp>
+        <p:nvSpPr>
+          <p:cNvPr id="2" name="Title 1">
+            <a:extLst>
+              <a:ext uri="{FF2B5EF4-FFF2-40B4-BE49-F238E27FC236}">
+                <a16:creationId xmlns:a16="http://schemas.microsoft.com/office/drawing/2014/main" id="{2D489E8B-C85E-5442-B1C0-39DBABDA64FA}"/>
+              </a:ext>
+            </a:extLst>
+          </p:cNvPr>
+          <p:cNvSpPr>
+            <a:spLocks noGrp="1"/>
+          </p:cNvSpPr>
+          <p:nvPr>
+            <p:ph type="title"/>
+          </p:nvPr>
+        </p:nvSpPr>
+        <p:spPr/>
+        <p:txBody>
+          <a:bodyPr>
+            <a:normAutofit/>
+          </a:bodyPr>
+          <a:lstStyle/>
+          <a:p>
+            <a:r>
+              <a:rPr lang="en-US" sz="4000" dirty="0"/>
+              <a:t>Filtering…</a:t>
+            </a:r>
+          </a:p>
+        </p:txBody>
+      </p:sp>
+      <p:sp>
+        <p:nvSpPr>
+          <p:cNvPr id="3" name="Text Placeholder 2">
+            <a:extLst>
+              <a:ext uri="{FF2B5EF4-FFF2-40B4-BE49-F238E27FC236}">
+                <a16:creationId xmlns:a16="http://schemas.microsoft.com/office/drawing/2014/main" id="{308C689D-7794-944C-8DE5-C34D74C7F05C}"/>
+              </a:ext>
+            </a:extLst>
+          </p:cNvPr>
+          <p:cNvSpPr>
+            <a:spLocks noGrp="1"/>
+          </p:cNvSpPr>
+          <p:nvPr>
+            <p:ph type="body" idx="1"/>
+          </p:nvPr>
+        </p:nvSpPr>
+        <p:spPr/>
+        <p:txBody>
+          <a:bodyPr>
+            <a:normAutofit fontScale="92500" lnSpcReduction="10000"/>
+          </a:bodyPr>
+          <a:lstStyle/>
+          <a:p>
+            <a:r>
+              <a:rPr lang="en-US" sz="2000" dirty="0"/>
+              <a:t>Example of the hierarchical data structure that we can use to dynamically generate expressions:</a:t>
+            </a:r>
+          </a:p>
+          <a:p>
+            <a:pPr lvl="1"/>
+            <a:r>
+              <a:rPr lang="en-US" sz="2000" dirty="0"/>
+              <a:t>Complex equality:</a:t>
+            </a:r>
+          </a:p>
+          <a:p>
+            <a:pPr marL="876300" lvl="2" indent="0">
+              <a:buNone/>
+            </a:pPr>
+            <a:r>
+              <a:rPr lang="en-US" sz="1600" dirty="0">
+                <a:solidFill>
+                  <a:srgbClr val="C00000"/>
+                </a:solidFill>
+              </a:rPr>
+              <a:t>{     </a:t>
+            </a:r>
+          </a:p>
+          <a:p>
+            <a:pPr marL="876300" lvl="2" indent="0">
+              <a:buNone/>
+            </a:pPr>
+            <a:r>
+              <a:rPr lang="en-US" sz="1600" dirty="0">
+                <a:solidFill>
+                  <a:srgbClr val="C00000"/>
+                </a:solidFill>
+              </a:rPr>
+              <a:t> "kind": 1,</a:t>
+            </a:r>
+          </a:p>
+          <a:p>
+            <a:pPr marL="876300" lvl="2" indent="0">
+              <a:buNone/>
+            </a:pPr>
+            <a:r>
+              <a:rPr lang="en-US" sz="1600" dirty="0">
+                <a:solidFill>
+                  <a:srgbClr val="C00000"/>
+                </a:solidFill>
+              </a:rPr>
+              <a:t> "a1": {</a:t>
+            </a:r>
+          </a:p>
+          <a:p>
+            <a:pPr marL="876300" lvl="2" indent="0">
+              <a:buNone/>
+            </a:pPr>
+            <a:r>
+              <a:rPr lang="en-US" sz="1600" dirty="0">
+                <a:solidFill>
+                  <a:srgbClr val="C00000"/>
+                </a:solidFill>
+              </a:rPr>
+              <a:t> 	"kind": 0,</a:t>
+            </a:r>
+          </a:p>
+          <a:p>
+            <a:pPr marL="876300" lvl="2" indent="0">
+              <a:buNone/>
+            </a:pPr>
+            <a:r>
+              <a:rPr lang="en-US" sz="1600" dirty="0">
+                <a:solidFill>
+                  <a:srgbClr val="C00000"/>
+                </a:solidFill>
+              </a:rPr>
+              <a:t> 	"</a:t>
+            </a:r>
+            <a:r>
+              <a:rPr lang="en-US" sz="1600" dirty="0" err="1">
+                <a:solidFill>
+                  <a:srgbClr val="C00000"/>
+                </a:solidFill>
+              </a:rPr>
+              <a:t>attr</a:t>
+            </a:r>
+            <a:r>
+              <a:rPr lang="en-US" sz="1600" dirty="0">
+                <a:solidFill>
+                  <a:srgbClr val="C00000"/>
+                </a:solidFill>
+              </a:rPr>
+              <a:t>": "title",</a:t>
+            </a:r>
+          </a:p>
+          <a:p>
+            <a:pPr marL="876300" lvl="2" indent="0">
+              <a:buNone/>
+            </a:pPr>
+            <a:r>
+              <a:rPr lang="en-US" sz="1600" dirty="0">
+                <a:solidFill>
+                  <a:srgbClr val="C00000"/>
+                </a:solidFill>
+              </a:rPr>
+              <a:t> 	"</a:t>
+            </a:r>
+            <a:r>
+              <a:rPr lang="en-US" sz="1600" dirty="0" err="1">
+                <a:solidFill>
+                  <a:srgbClr val="C00000"/>
+                </a:solidFill>
+              </a:rPr>
+              <a:t>val</a:t>
+            </a:r>
+            <a:r>
+              <a:rPr lang="en-US" sz="1600" dirty="0">
+                <a:solidFill>
+                  <a:srgbClr val="C00000"/>
+                </a:solidFill>
+              </a:rPr>
+              <a:t>": "Divorce Italian Style"},</a:t>
+            </a:r>
+          </a:p>
+          <a:p>
+            <a:pPr marL="876300" lvl="2" indent="0">
+              <a:buNone/>
+            </a:pPr>
+            <a:r>
+              <a:rPr lang="en-US" sz="1600" dirty="0">
+                <a:solidFill>
+                  <a:srgbClr val="C00000"/>
+                </a:solidFill>
+              </a:rPr>
+              <a:t> "a2":{</a:t>
+            </a:r>
+          </a:p>
+          <a:p>
+            <a:pPr marL="876300" lvl="2" indent="0">
+              <a:buNone/>
+            </a:pPr>
+            <a:r>
+              <a:rPr lang="en-US" sz="1600" dirty="0">
+                <a:solidFill>
+                  <a:srgbClr val="C00000"/>
+                </a:solidFill>
+              </a:rPr>
+              <a:t> 	"kind": 3,</a:t>
+            </a:r>
+          </a:p>
+          <a:p>
+            <a:pPr marL="876300" lvl="2" indent="0">
+              <a:buNone/>
+            </a:pPr>
+            <a:r>
+              <a:rPr lang="en-US" sz="1600" dirty="0">
+                <a:solidFill>
+                  <a:srgbClr val="C00000"/>
+                </a:solidFill>
+              </a:rPr>
+              <a:t> 	"</a:t>
+            </a:r>
+            <a:r>
+              <a:rPr lang="en-US" sz="1600" dirty="0" err="1">
+                <a:solidFill>
+                  <a:srgbClr val="C00000"/>
+                </a:solidFill>
+              </a:rPr>
+              <a:t>attr</a:t>
+            </a:r>
+            <a:r>
+              <a:rPr lang="en-US" sz="1600" dirty="0">
+                <a:solidFill>
+                  <a:srgbClr val="C00000"/>
+                </a:solidFill>
+              </a:rPr>
+              <a:t>": "release",</a:t>
+            </a:r>
+          </a:p>
+          <a:p>
+            <a:pPr marL="876300" lvl="2" indent="0">
+              <a:buNone/>
+            </a:pPr>
+            <a:r>
+              <a:rPr lang="en-US" sz="1600" dirty="0">
+                <a:solidFill>
+                  <a:srgbClr val="C00000"/>
+                </a:solidFill>
+              </a:rPr>
+              <a:t> 	"</a:t>
+            </a:r>
+            <a:r>
+              <a:rPr lang="en-US" sz="1600" dirty="0" err="1">
+                <a:solidFill>
+                  <a:srgbClr val="C00000"/>
+                </a:solidFill>
+              </a:rPr>
+              <a:t>val</a:t>
+            </a:r>
+            <a:r>
+              <a:rPr lang="en-US" sz="1600" dirty="0">
+                <a:solidFill>
+                  <a:srgbClr val="C00000"/>
+                </a:solidFill>
+              </a:rPr>
+              <a:t>": "0001-01-01T00:00:00"</a:t>
+            </a:r>
+          </a:p>
+          <a:p>
+            <a:pPr marL="876300" lvl="2" indent="0">
+              <a:buNone/>
+            </a:pPr>
+            <a:r>
+              <a:rPr lang="en-US" sz="1600" dirty="0">
+                <a:solidFill>
+                  <a:srgbClr val="C00000"/>
+                </a:solidFill>
+              </a:rPr>
+              <a:t>	 }</a:t>
+            </a:r>
+          </a:p>
+          <a:p>
+            <a:pPr marL="876300" lvl="2" indent="0">
+              <a:buNone/>
+            </a:pPr>
+            <a:r>
+              <a:rPr lang="en-US" sz="1600" dirty="0">
+                <a:solidFill>
+                  <a:srgbClr val="C00000"/>
+                </a:solidFill>
+              </a:rPr>
+              <a:t>}</a:t>
+            </a:r>
+          </a:p>
+        </p:txBody>
+      </p:sp>
+    </p:spTree>
+    <p:extLst>
+      <p:ext uri="{BB962C8B-B14F-4D97-AF65-F5344CB8AC3E}">
+        <p14:creationId xmlns:p14="http://schemas.microsoft.com/office/powerpoint/2010/main" val="2885097186"/>
+      </p:ext>
+    </p:extLst>
+  </p:cSld>
+  <p:clrMapOvr>
+    <a:masterClrMapping/>
+  </p:clrMapOvr>
+  <p:transition spd="med"/>
+</p:sld>
+</file>
+
+<file path=ppt/slides/slide37.xml><?xml version="1.0" encoding="utf-8"?>
+<p:sld xmlns:a="http://schemas.openxmlformats.org/drawingml/2006/main" xmlns:r="http://schemas.openxmlformats.org/officeDocument/2006/relationships" xmlns:p="http://schemas.openxmlformats.org/presentationml/2006/main">
+  <p:cSld>
+    <p:spTree>
+      <p:nvGrpSpPr>
+        <p:cNvPr id="1" name=""/>
+        <p:cNvGrpSpPr/>
+        <p:nvPr/>
+      </p:nvGrpSpPr>
+      <p:grpSpPr>
+        <a:xfrm>
+          <a:off x="0" y="0"/>
+          <a:ext cx="0" cy="0"/>
+          <a:chOff x="0" y="0"/>
+          <a:chExt cx="0" cy="0"/>
+        </a:xfrm>
+      </p:grpSpPr>
+      <p:sp>
+        <p:nvSpPr>
+          <p:cNvPr id="2" name="Title 1">
+            <a:extLst>
+              <a:ext uri="{FF2B5EF4-FFF2-40B4-BE49-F238E27FC236}">
+                <a16:creationId xmlns:a16="http://schemas.microsoft.com/office/drawing/2014/main" id="{2D489E8B-C85E-5442-B1C0-39DBABDA64FA}"/>
+              </a:ext>
+            </a:extLst>
+          </p:cNvPr>
+          <p:cNvSpPr>
+            <a:spLocks noGrp="1"/>
+          </p:cNvSpPr>
+          <p:nvPr>
+            <p:ph type="title"/>
+          </p:nvPr>
+        </p:nvSpPr>
+        <p:spPr/>
+        <p:txBody>
+          <a:bodyPr>
+            <a:normAutofit/>
+          </a:bodyPr>
+          <a:lstStyle/>
+          <a:p>
+            <a:r>
+              <a:rPr lang="en-US" sz="4000" dirty="0"/>
+              <a:t>Filtering...</a:t>
+            </a:r>
+          </a:p>
+        </p:txBody>
+      </p:sp>
+      <p:pic>
+        <p:nvPicPr>
+          <p:cNvPr id="1028" name="Picture 4" descr="linq construct expression tree.">
+            <a:extLst>
+              <a:ext uri="{FF2B5EF4-FFF2-40B4-BE49-F238E27FC236}">
+                <a16:creationId xmlns:a16="http://schemas.microsoft.com/office/drawing/2014/main" id="{38B2B7C1-6C0D-5742-897A-EB7D168CED32}"/>
+              </a:ext>
+            </a:extLst>
+          </p:cNvPr>
+          <p:cNvPicPr>
+            <a:picLocks noChangeAspect="1" noChangeArrowheads="1"/>
+          </p:cNvPicPr>
+          <p:nvPr/>
+        </p:nvPicPr>
+        <p:blipFill>
+          <a:blip r:embed="rId3">
+            <a:extLst>
+              <a:ext uri="{28A0092B-C50C-407E-A947-70E740481C1C}">
+                <a14:useLocalDpi xmlns:a14="http://schemas.microsoft.com/office/drawing/2010/main" val="0"/>
+              </a:ext>
+            </a:extLst>
+          </a:blip>
+          <a:srcRect/>
+          <a:stretch>
+            <a:fillRect/>
+          </a:stretch>
+        </p:blipFill>
+        <p:spPr bwMode="auto">
+          <a:xfrm>
+            <a:off x="467781" y="2069460"/>
+            <a:ext cx="8219019" cy="4215101"/>
+          </a:xfrm>
+          <a:prstGeom prst="rect">
+            <a:avLst/>
+          </a:prstGeom>
+          <a:noFill/>
+          <a:extLst>
+            <a:ext uri="{909E8E84-426E-40DD-AFC4-6F175D3DCCD1}">
+              <a14:hiddenFill xmlns:a14="http://schemas.microsoft.com/office/drawing/2010/main">
+                <a:solidFill>
+                  <a:srgbClr val="FFFFFF"/>
+                </a:solidFill>
+              </a14:hiddenFill>
+            </a:ext>
+          </a:extLst>
+        </p:spPr>
+      </p:pic>
+      <p:sp>
+        <p:nvSpPr>
+          <p:cNvPr id="4" name="TextBox 3">
+            <a:extLst>
+              <a:ext uri="{FF2B5EF4-FFF2-40B4-BE49-F238E27FC236}">
+                <a16:creationId xmlns:a16="http://schemas.microsoft.com/office/drawing/2014/main" id="{5F400E09-6DFA-AC48-87C9-C4E7116B2BBF}"/>
+              </a:ext>
+            </a:extLst>
+          </p:cNvPr>
+          <p:cNvSpPr txBox="1"/>
+          <p:nvPr/>
+        </p:nvSpPr>
+        <p:spPr>
+          <a:xfrm>
+            <a:off x="467781" y="1700132"/>
+            <a:ext cx="3836944" cy="369328"/>
+          </a:xfrm>
+          <a:prstGeom prst="rect">
+            <a:avLst/>
+          </a:prstGeom>
+          <a:noFill/>
+          <a:ln w="12700" cap="flat">
+            <a:noFill/>
+            <a:miter lim="400000"/>
+          </a:ln>
+          <a:effectLst/>
+          <a:sp3d/>
+        </p:spPr>
+        <p:style>
+          <a:lnRef idx="0">
+            <a:scrgbClr r="0" g="0" b="0"/>
+          </a:lnRef>
+          <a:fillRef idx="0">
+            <a:scrgbClr r="0" g="0" b="0"/>
+          </a:fillRef>
+          <a:effectRef idx="0">
+            <a:scrgbClr r="0" g="0" b="0"/>
+          </a:effectRef>
+          <a:fontRef idx="none"/>
+        </p:style>
+        <p:txBody>
+          <a:bodyPr rot="0" spcFirstLastPara="1" vertOverflow="overflow" horzOverflow="overflow" vert="horz" wrap="none" lIns="45718" tIns="45718" rIns="45718" bIns="45718" numCol="1" spcCol="38100" rtlCol="0" anchor="t">
+            <a:spAutoFit/>
+          </a:bodyPr>
+          <a:lstStyle/>
+          <a:p>
+            <a:pPr marL="0" marR="0" indent="0" algn="l" defTabSz="457200" rtl="0" fontAlgn="auto" latinLnBrk="0" hangingPunct="0">
+              <a:lnSpc>
+                <a:spcPct val="100000"/>
+              </a:lnSpc>
+              <a:spcBef>
+                <a:spcPts val="0"/>
+              </a:spcBef>
+              <a:spcAft>
+                <a:spcPts val="0"/>
+              </a:spcAft>
+              <a:buClrTx/>
+              <a:buSzTx/>
+              <a:buFontTx/>
+              <a:buNone/>
+              <a:tabLst/>
+            </a:pPr>
+            <a:r>
+              <a:rPr lang="en-US" dirty="0"/>
+              <a:t>E</a:t>
+            </a:r>
+            <a:r>
+              <a:rPr kumimoji="0" lang="en-US" sz="1800" b="0" i="0" u="none" strike="noStrike" cap="none" spc="0" normalizeH="0" baseline="0" dirty="0">
+                <a:ln>
+                  <a:noFill/>
+                </a:ln>
+                <a:solidFill>
+                  <a:srgbClr val="000000"/>
+                </a:solidFill>
+                <a:effectLst/>
+                <a:uFillTx/>
+                <a:latin typeface="+mj-lt"/>
+                <a:ea typeface="+mj-ea"/>
+                <a:cs typeface="+mj-cs"/>
+                <a:sym typeface="Helvetica"/>
+              </a:rPr>
+              <a:t>xample of using </a:t>
+            </a:r>
+            <a:r>
+              <a:rPr kumimoji="0" lang="en-US" sz="1800" b="0" i="0" u="none" strike="noStrike" cap="none" spc="0" normalizeH="0" baseline="0">
+                <a:ln>
+                  <a:noFill/>
+                </a:ln>
+                <a:solidFill>
+                  <a:srgbClr val="000000"/>
+                </a:solidFill>
+                <a:effectLst/>
+                <a:uFillTx/>
+                <a:latin typeface="+mj-lt"/>
+                <a:ea typeface="+mj-ea"/>
+                <a:cs typeface="+mj-cs"/>
+                <a:sym typeface="Helvetica"/>
+              </a:rPr>
+              <a:t>LINQ expression: </a:t>
+            </a:r>
+            <a:endParaRPr kumimoji="0" lang="en-US" sz="1800" b="0" i="0" u="none" strike="noStrike" cap="none" spc="0" normalizeH="0" baseline="0" dirty="0">
+              <a:ln>
+                <a:noFill/>
+              </a:ln>
+              <a:solidFill>
+                <a:srgbClr val="000000"/>
+              </a:solidFill>
+              <a:effectLst/>
+              <a:uFillTx/>
+              <a:latin typeface="+mj-lt"/>
+              <a:ea typeface="+mj-ea"/>
+              <a:cs typeface="+mj-cs"/>
+              <a:sym typeface="Helvetica"/>
+            </a:endParaRPr>
+          </a:p>
+        </p:txBody>
+      </p:sp>
+    </p:spTree>
+    <p:extLst>
+      <p:ext uri="{BB962C8B-B14F-4D97-AF65-F5344CB8AC3E}">
+        <p14:creationId xmlns:p14="http://schemas.microsoft.com/office/powerpoint/2010/main" val="1990078858"/>
+      </p:ext>
+    </p:extLst>
   </p:cSld>
   <p:clrMapOvr>
     <a:masterClrMapping/>
@@ -14448,7 +18564,9 @@
           </a:prstGeom>
         </p:spPr>
         <p:txBody>
-          <a:bodyPr/>
+          <a:bodyPr>
+            <a:normAutofit/>
+          </a:bodyPr>
           <a:lstStyle>
             <a:lvl1pPr>
               <a:defRPr sz="2500" b="1"/>
@@ -14456,26 +18574,26 @@
           </a:lstStyle>
           <a:p>
             <a:r>
-              <a:rPr lang="en-US" b="0" dirty="0"/>
+              <a:rPr lang="en-US" sz="4000" b="0" dirty="0"/>
               <a:t>T</a:t>
             </a:r>
             <a:r>
-              <a:rPr b="0" dirty="0"/>
+              <a:rPr sz="4000" b="0" dirty="0"/>
               <a:t>he M</a:t>
             </a:r>
             <a:r>
-              <a:rPr lang="en-US" b="0" dirty="0"/>
+              <a:rPr lang="en-US" sz="4000" b="0" dirty="0"/>
               <a:t>odel</a:t>
             </a:r>
             <a:r>
-              <a:rPr b="0" dirty="0"/>
+              <a:rPr sz="4000" b="0" dirty="0"/>
               <a:t> in MVC</a:t>
             </a:r>
             <a:r>
-              <a:rPr lang="en-US" b="0" dirty="0"/>
+              <a:rPr lang="en-US" sz="4000" b="0" dirty="0"/>
               <a:t> recap.. </a:t>
             </a:r>
-            <a:endParaRPr b="0" dirty="0"/>
+            <a:endParaRPr sz="4000" b="0" dirty="0"/>
           </a:p>
         </p:txBody>
       </p:sp>
@@ -14643,7 +18761,9 @@
           </a:prstGeom>
         </p:spPr>
         <p:txBody>
-          <a:bodyPr/>
+          <a:bodyPr>
+            <a:normAutofit/>
+          </a:bodyPr>
           <a:lstStyle>
             <a:lvl1pPr>
               <a:defRPr sz="2500" b="1"/>
@@ -14651,26 +18771,26 @@
           </a:lstStyle>
           <a:p>
             <a:r>
-              <a:rPr lang="en-US" b="0" dirty="0"/>
+              <a:rPr lang="en-US" sz="4000" b="0" dirty="0"/>
               <a:t>T</a:t>
             </a:r>
             <a:r>
-              <a:rPr b="0" dirty="0"/>
+              <a:rPr sz="4000" b="0" dirty="0"/>
               <a:t>he M</a:t>
             </a:r>
             <a:r>
-              <a:rPr lang="en-US" b="0" dirty="0"/>
+              <a:rPr lang="en-US" sz="4000" b="0" dirty="0"/>
               <a:t>odel</a:t>
             </a:r>
             <a:r>
-              <a:rPr b="0" dirty="0"/>
+              <a:rPr sz="4000" b="0" dirty="0"/>
               <a:t> in MVC</a:t>
             </a:r>
             <a:r>
-              <a:rPr lang="en-US" b="0" dirty="0"/>
+              <a:rPr lang="en-US" sz="4000" b="0" dirty="0"/>
               <a:t> recap.. </a:t>
             </a:r>
-            <a:endParaRPr b="0" dirty="0"/>
+            <a:endParaRPr sz="4000" b="0" dirty="0"/>
           </a:p>
         </p:txBody>
       </p:sp>
@@ -14896,10 +19016,10 @@
           <a:lstStyle/>
           <a:p>
             <a:r>
-              <a:rPr lang="en-US" sz="2500" dirty="0"/>
+              <a:rPr lang="en-US" sz="4000" dirty="0"/>
               <a:t>The Controller in MVC</a:t>
             </a:r>
-            <a:endParaRPr sz="2500" dirty="0"/>
+            <a:endParaRPr sz="4000" dirty="0"/>
           </a:p>
         </p:txBody>
       </p:sp>
@@ -15056,7 +19176,9 @@
           </a:prstGeom>
         </p:spPr>
         <p:txBody>
-          <a:bodyPr/>
+          <a:bodyPr>
+            <a:normAutofit/>
+          </a:bodyPr>
           <a:lstStyle>
             <a:lvl1pPr>
               <a:defRPr sz="2500" b="1"/>
@@ -15064,15 +19186,15 @@
           </a:lstStyle>
           <a:p>
             <a:r>
-              <a:rPr b="0" dirty="0"/>
+              <a:rPr sz="4000" b="0" dirty="0"/>
               <a:t>The C</a:t>
             </a:r>
             <a:r>
-              <a:rPr lang="en-US" b="0" dirty="0"/>
+              <a:rPr lang="en-US" sz="4000" b="0" dirty="0"/>
               <a:t>ontroller</a:t>
             </a:r>
             <a:r>
-              <a:rPr b="0" dirty="0"/>
+              <a:rPr sz="4000" b="0" dirty="0"/>
               <a:t> in MVC</a:t>
             </a:r>
           </a:p>
@@ -15284,7 +19406,9 @@
           </a:prstGeom>
         </p:spPr>
         <p:txBody>
-          <a:bodyPr/>
+          <a:bodyPr>
+            <a:normAutofit/>
+          </a:bodyPr>
           <a:lstStyle>
             <a:lvl1pPr>
               <a:defRPr sz="2500" b="1"/>
@@ -15292,7 +19416,7 @@
           </a:lstStyle>
           <a:p>
             <a:r>
-              <a:rPr b="0" dirty="0"/>
+              <a:rPr sz="4000" b="0" dirty="0"/>
               <a:t>Example of an HTTP API and MVC</a:t>
             </a:r>
           </a:p>
@@ -15307,7 +19431,7 @@
           <p:nvPr/>
         </p:nvPicPr>
         <p:blipFill>
-          <a:blip r:embed="rId2">
+          <a:blip r:embed="rId3">
             <a:extLst/>
           </a:blip>
           <a:stretch>
@@ -15327,6 +19451,185 @@
           </a:ln>
         </p:spPr>
       </p:pic>
+      <p:sp>
+        <p:nvSpPr>
+          <p:cNvPr id="3" name="TextBox 2">
+            <a:extLst>
+              <a:ext uri="{FF2B5EF4-FFF2-40B4-BE49-F238E27FC236}">
+                <a16:creationId xmlns:a16="http://schemas.microsoft.com/office/drawing/2014/main" id="{0AC1CEF5-6037-BE43-85A9-FBF25D84AB04}"/>
+              </a:ext>
+            </a:extLst>
+          </p:cNvPr>
+          <p:cNvSpPr txBox="1"/>
+          <p:nvPr/>
+        </p:nvSpPr>
+        <p:spPr>
+          <a:xfrm>
+            <a:off x="1204311" y="5070669"/>
+            <a:ext cx="3054678" cy="1200325"/>
+          </a:xfrm>
+          <a:prstGeom prst="rect">
+            <a:avLst/>
+          </a:prstGeom>
+          <a:noFill/>
+          <a:ln w="12700" cap="flat">
+            <a:noFill/>
+            <a:miter lim="400000"/>
+          </a:ln>
+          <a:effectLst/>
+          <a:sp3d/>
+        </p:spPr>
+        <p:style>
+          <a:lnRef idx="0">
+            <a:scrgbClr r="0" g="0" b="0"/>
+          </a:lnRef>
+          <a:fillRef idx="0">
+            <a:scrgbClr r="0" g="0" b="0"/>
+          </a:fillRef>
+          <a:effectRef idx="0">
+            <a:scrgbClr r="0" g="0" b="0"/>
+          </a:effectRef>
+          <a:fontRef idx="none"/>
+        </p:style>
+        <p:txBody>
+          <a:bodyPr rot="0" spcFirstLastPara="1" vertOverflow="overflow" horzOverflow="overflow" vert="horz" wrap="none" lIns="45718" tIns="45718" rIns="45718" bIns="45718" numCol="1" spcCol="38100" rtlCol="0" anchor="t">
+            <a:spAutoFit/>
+          </a:bodyPr>
+          <a:lstStyle/>
+          <a:p>
+            <a:pPr marL="0" marR="0" indent="0" algn="l" defTabSz="457200" rtl="0" fontAlgn="auto" latinLnBrk="0" hangingPunct="0">
+              <a:lnSpc>
+                <a:spcPct val="100000"/>
+              </a:lnSpc>
+              <a:spcBef>
+                <a:spcPts val="0"/>
+              </a:spcBef>
+              <a:spcAft>
+                <a:spcPts val="0"/>
+              </a:spcAft>
+              <a:buClrTx/>
+              <a:buSzTx/>
+              <a:buFontTx/>
+              <a:buNone/>
+              <a:tabLst/>
+            </a:pPr>
+            <a:r>
+              <a:rPr kumimoji="0" lang="en-US" sz="1800" b="0" i="0" u="none" strike="noStrike" cap="none" spc="0" normalizeH="0" baseline="0" dirty="0">
+                <a:ln>
+                  <a:noFill/>
+                </a:ln>
+                <a:solidFill>
+                  <a:srgbClr val="000000"/>
+                </a:solidFill>
+                <a:effectLst/>
+                <a:uFillTx/>
+                <a:latin typeface="+mj-lt"/>
+                <a:ea typeface="+mj-ea"/>
+                <a:cs typeface="+mj-cs"/>
+                <a:sym typeface="Helvetica"/>
+              </a:rPr>
+              <a:t>A  HTTP response could be: </a:t>
+            </a:r>
+          </a:p>
+          <a:p>
+            <a:pPr marL="285750" marR="0" indent="-285750" algn="l" defTabSz="457200" rtl="0" fontAlgn="auto" latinLnBrk="0" hangingPunct="0">
+              <a:lnSpc>
+                <a:spcPct val="100000"/>
+              </a:lnSpc>
+              <a:spcBef>
+                <a:spcPts val="0"/>
+              </a:spcBef>
+              <a:spcAft>
+                <a:spcPts val="0"/>
+              </a:spcAft>
+              <a:buClrTx/>
+              <a:buSzTx/>
+              <a:buFont typeface="Arial" panose="020B0604020202020204" pitchFamily="34" charset="0"/>
+              <a:buChar char="•"/>
+              <a:tabLst/>
+            </a:pPr>
+            <a:r>
+              <a:rPr lang="en-US" dirty="0"/>
+              <a:t>A JSON file</a:t>
+            </a:r>
+          </a:p>
+          <a:p>
+            <a:pPr marL="285750" marR="0" indent="-285750" algn="l" defTabSz="457200" rtl="0" fontAlgn="auto" latinLnBrk="0" hangingPunct="0">
+              <a:lnSpc>
+                <a:spcPct val="100000"/>
+              </a:lnSpc>
+              <a:spcBef>
+                <a:spcPts val="0"/>
+              </a:spcBef>
+              <a:spcAft>
+                <a:spcPts val="0"/>
+              </a:spcAft>
+              <a:buClrTx/>
+              <a:buSzTx/>
+              <a:buFont typeface="Arial" panose="020B0604020202020204" pitchFamily="34" charset="0"/>
+              <a:buChar char="•"/>
+              <a:tabLst/>
+            </a:pPr>
+            <a:r>
+              <a:rPr kumimoji="0" lang="en-US" sz="1800" b="0" i="0" u="none" strike="noStrike" cap="none" spc="0" normalizeH="0" baseline="0" dirty="0">
+                <a:ln>
+                  <a:noFill/>
+                </a:ln>
+                <a:solidFill>
+                  <a:srgbClr val="000000"/>
+                </a:solidFill>
+                <a:effectLst/>
+                <a:uFillTx/>
+                <a:latin typeface="+mj-lt"/>
+                <a:ea typeface="+mj-ea"/>
+                <a:cs typeface="+mj-cs"/>
+                <a:sym typeface="Helvetica"/>
+              </a:rPr>
+              <a:t>A</a:t>
+            </a:r>
+            <a:r>
+              <a:rPr lang="en-US" dirty="0"/>
+              <a:t> XML file</a:t>
+            </a:r>
+          </a:p>
+          <a:p>
+            <a:pPr marL="285750" marR="0" indent="-285750" algn="l" defTabSz="457200" rtl="0" fontAlgn="auto" latinLnBrk="0" hangingPunct="0">
+              <a:lnSpc>
+                <a:spcPct val="100000"/>
+              </a:lnSpc>
+              <a:spcBef>
+                <a:spcPts val="0"/>
+              </a:spcBef>
+              <a:spcAft>
+                <a:spcPts val="0"/>
+              </a:spcAft>
+              <a:buClrTx/>
+              <a:buSzTx/>
+              <a:buFont typeface="Arial" panose="020B0604020202020204" pitchFamily="34" charset="0"/>
+              <a:buChar char="•"/>
+              <a:tabLst/>
+            </a:pPr>
+            <a:r>
+              <a:rPr lang="en-US" dirty="0"/>
+              <a:t>A HTML file</a:t>
+            </a:r>
+            <a:endParaRPr kumimoji="0" lang="en-US" sz="1800" b="0" i="0" u="none" strike="noStrike" cap="none" spc="0" normalizeH="0" baseline="0" dirty="0">
+              <a:ln>
+                <a:noFill/>
+              </a:ln>
+              <a:solidFill>
+                <a:srgbClr val="000000"/>
+              </a:solidFill>
+              <a:effectLst/>
+              <a:uFillTx/>
+              <a:latin typeface="+mj-lt"/>
+              <a:ea typeface="+mj-ea"/>
+              <a:cs typeface="+mj-cs"/>
+              <a:sym typeface="Helvetica"/>
+            </a:endParaRPr>
+          </a:p>
+        </p:txBody>
+      </p:sp>
     </p:spTree>
   </p:cSld>
   <p:clrMapOvr>

--- a/Lectures/Lecture3/lesson3.pptx
+++ b/Lectures/Lecture3/lesson3.pptx
@@ -5,7 +5,7 @@
     <p:sldMasterId id="2147483648" r:id="rId1"/>
   </p:sldMasterIdLst>
   <p:notesMasterIdLst>
-    <p:notesMasterId r:id="rId39"/>
+    <p:notesMasterId r:id="rId43"/>
   </p:notesMasterIdLst>
   <p:sldIdLst>
     <p:sldId id="256" r:id="rId2"/>
@@ -45,6 +45,10 @@
     <p:sldId id="292" r:id="rId36"/>
     <p:sldId id="293" r:id="rId37"/>
     <p:sldId id="288" r:id="rId38"/>
+    <p:sldId id="295" r:id="rId39"/>
+    <p:sldId id="294" r:id="rId40"/>
+    <p:sldId id="297" r:id="rId41"/>
+    <p:sldId id="296" r:id="rId42"/>
   </p:sldIdLst>
   <p:sldSz cx="9144000" cy="6858000" type="screen4x3"/>
   <p:notesSz cx="6858000" cy="9144000"/>
@@ -4173,7 +4177,7 @@
           <a:p>
             <a:r>
               <a:rPr lang="en-US" dirty="0"/>
-              <a:t>Pagination filtering is usually based on a given a parameter in the header</a:t>
+              <a:t>Filtering is usually based on a given a parameter in the header</a:t>
             </a:r>
           </a:p>
           <a:p>
@@ -4243,7 +4247,13 @@
           <a:p>
             <a:r>
               <a:rPr lang="en-US" dirty="0"/>
-              <a:t>Pagination filtering is usually based on a given a parameter in the header </a:t>
+              <a:t>Filtering is usually based on a given a parameter in the header </a:t>
+            </a:r>
+          </a:p>
+          <a:p>
+            <a:r>
+              <a:rPr lang="en-US" dirty="0"/>
+              <a:t>Show how the parameter in the header could be extended </a:t>
             </a:r>
           </a:p>
           <a:p>
@@ -4324,7 +4334,7 @@
           <a:p>
             <a:r>
               <a:rPr lang="en-US" dirty="0"/>
-              <a:t>Pagination filtering is usually based on a given a parameter in the header</a:t>
+              <a:t>Filtering is usually based on a given a parameter in the header</a:t>
             </a:r>
           </a:p>
           <a:p>
@@ -4405,7 +4415,7 @@
           <a:p>
             <a:r>
               <a:rPr lang="en-US" dirty="0"/>
-              <a:t>Pagination filtering is usually based on a given a parameter in the header</a:t>
+              <a:t>Filtering is usually based on a given a parameter in the header</a:t>
             </a:r>
           </a:p>
           <a:p>
@@ -4486,7 +4496,7 @@
           <a:p>
             <a:r>
               <a:rPr lang="en-US" dirty="0"/>
-              <a:t>Pagination filtering is usually based on a given a parameter in the header</a:t>
+              <a:t>Filtering is usually based on a given a parameter in the header</a:t>
             </a:r>
           </a:p>
           <a:p>
@@ -4567,7 +4577,7 @@
           <a:p>
             <a:r>
               <a:rPr lang="en-US" dirty="0"/>
-              <a:t>Pagination filtering is usually based on a given a parameter in the header</a:t>
+              <a:t>Filtering is usually based on a given a parameter in the header</a:t>
             </a:r>
           </a:p>
           <a:p>
@@ -4593,6 +4603,189 @@
     <p:extLst>
       <p:ext uri="{BB962C8B-B14F-4D97-AF65-F5344CB8AC3E}">
         <p14:creationId xmlns:p14="http://schemas.microsoft.com/office/powerpoint/2010/main" val="1372780454"/>
+      </p:ext>
+    </p:extLst>
+  </p:cSld>
+  <p:clrMapOvr>
+    <a:masterClrMapping/>
+  </p:clrMapOvr>
+</p:notes>
+</file>
+
+<file path=ppt/notesSlides/notesSlide17.xml><?xml version="1.0" encoding="utf-8"?>
+<p:notes xmlns:a="http://schemas.openxmlformats.org/drawingml/2006/main" xmlns:r="http://schemas.openxmlformats.org/officeDocument/2006/relationships" xmlns:p="http://schemas.openxmlformats.org/presentationml/2006/main">
+  <p:cSld>
+    <p:spTree>
+      <p:nvGrpSpPr>
+        <p:cNvPr id="1" name=""/>
+        <p:cNvGrpSpPr/>
+        <p:nvPr/>
+      </p:nvGrpSpPr>
+      <p:grpSpPr>
+        <a:xfrm>
+          <a:off x="0" y="0"/>
+          <a:ext cx="0" cy="0"/>
+          <a:chOff x="0" y="0"/>
+          <a:chExt cx="0" cy="0"/>
+        </a:xfrm>
+      </p:grpSpPr>
+      <p:sp>
+        <p:nvSpPr>
+          <p:cNvPr id="2" name="Slide Image Placeholder 1"/>
+          <p:cNvSpPr>
+            <a:spLocks noGrp="1" noRot="1" noChangeAspect="1"/>
+          </p:cNvSpPr>
+          <p:nvPr>
+            <p:ph type="sldImg"/>
+          </p:nvPr>
+        </p:nvSpPr>
+        <p:spPr/>
+      </p:sp>
+      <p:sp>
+        <p:nvSpPr>
+          <p:cNvPr id="3" name="Notes Placeholder 2"/>
+          <p:cNvSpPr>
+            <a:spLocks noGrp="1"/>
+          </p:cNvSpPr>
+          <p:nvPr>
+            <p:ph type="body" idx="1"/>
+          </p:nvPr>
+        </p:nvSpPr>
+        <p:spPr/>
+        <p:txBody>
+          <a:bodyPr/>
+          <a:lstStyle/>
+          <a:p>
+            <a:endParaRPr lang="en-US" dirty="0"/>
+          </a:p>
+        </p:txBody>
+      </p:sp>
+    </p:spTree>
+    <p:extLst>
+      <p:ext uri="{BB962C8B-B14F-4D97-AF65-F5344CB8AC3E}">
+        <p14:creationId xmlns:p14="http://schemas.microsoft.com/office/powerpoint/2010/main" val="2784870597"/>
+      </p:ext>
+    </p:extLst>
+  </p:cSld>
+  <p:clrMapOvr>
+    <a:masterClrMapping/>
+  </p:clrMapOvr>
+</p:notes>
+</file>
+
+<file path=ppt/notesSlides/notesSlide18.xml><?xml version="1.0" encoding="utf-8"?>
+<p:notes xmlns:a="http://schemas.openxmlformats.org/drawingml/2006/main" xmlns:r="http://schemas.openxmlformats.org/officeDocument/2006/relationships" xmlns:p="http://schemas.openxmlformats.org/presentationml/2006/main">
+  <p:cSld>
+    <p:spTree>
+      <p:nvGrpSpPr>
+        <p:cNvPr id="1" name=""/>
+        <p:cNvGrpSpPr/>
+        <p:nvPr/>
+      </p:nvGrpSpPr>
+      <p:grpSpPr>
+        <a:xfrm>
+          <a:off x="0" y="0"/>
+          <a:ext cx="0" cy="0"/>
+          <a:chOff x="0" y="0"/>
+          <a:chExt cx="0" cy="0"/>
+        </a:xfrm>
+      </p:grpSpPr>
+      <p:sp>
+        <p:nvSpPr>
+          <p:cNvPr id="2" name="Slide Image Placeholder 1"/>
+          <p:cNvSpPr>
+            <a:spLocks noGrp="1" noRot="1" noChangeAspect="1"/>
+          </p:cNvSpPr>
+          <p:nvPr>
+            <p:ph type="sldImg"/>
+          </p:nvPr>
+        </p:nvSpPr>
+        <p:spPr/>
+      </p:sp>
+      <p:sp>
+        <p:nvSpPr>
+          <p:cNvPr id="3" name="Notes Placeholder 2"/>
+          <p:cNvSpPr>
+            <a:spLocks noGrp="1"/>
+          </p:cNvSpPr>
+          <p:nvPr>
+            <p:ph type="body" idx="1"/>
+          </p:nvPr>
+        </p:nvSpPr>
+        <p:spPr/>
+        <p:txBody>
+          <a:bodyPr/>
+          <a:lstStyle/>
+          <a:p>
+            <a:endParaRPr lang="en-US" dirty="0"/>
+          </a:p>
+        </p:txBody>
+      </p:sp>
+    </p:spTree>
+    <p:extLst>
+      <p:ext uri="{BB962C8B-B14F-4D97-AF65-F5344CB8AC3E}">
+        <p14:creationId xmlns:p14="http://schemas.microsoft.com/office/powerpoint/2010/main" val="1081804244"/>
+      </p:ext>
+    </p:extLst>
+  </p:cSld>
+  <p:clrMapOvr>
+    <a:masterClrMapping/>
+  </p:clrMapOvr>
+</p:notes>
+</file>
+
+<file path=ppt/notesSlides/notesSlide19.xml><?xml version="1.0" encoding="utf-8"?>
+<p:notes xmlns:a="http://schemas.openxmlformats.org/drawingml/2006/main" xmlns:r="http://schemas.openxmlformats.org/officeDocument/2006/relationships" xmlns:p="http://schemas.openxmlformats.org/presentationml/2006/main">
+  <p:cSld>
+    <p:spTree>
+      <p:nvGrpSpPr>
+        <p:cNvPr id="1" name=""/>
+        <p:cNvGrpSpPr/>
+        <p:nvPr/>
+      </p:nvGrpSpPr>
+      <p:grpSpPr>
+        <a:xfrm>
+          <a:off x="0" y="0"/>
+          <a:ext cx="0" cy="0"/>
+          <a:chOff x="0" y="0"/>
+          <a:chExt cx="0" cy="0"/>
+        </a:xfrm>
+      </p:grpSpPr>
+      <p:sp>
+        <p:nvSpPr>
+          <p:cNvPr id="2" name="Slide Image Placeholder 1"/>
+          <p:cNvSpPr>
+            <a:spLocks noGrp="1" noRot="1" noChangeAspect="1"/>
+          </p:cNvSpPr>
+          <p:nvPr>
+            <p:ph type="sldImg"/>
+          </p:nvPr>
+        </p:nvSpPr>
+        <p:spPr/>
+      </p:sp>
+      <p:sp>
+        <p:nvSpPr>
+          <p:cNvPr id="3" name="Notes Placeholder 2"/>
+          <p:cNvSpPr>
+            <a:spLocks noGrp="1"/>
+          </p:cNvSpPr>
+          <p:nvPr>
+            <p:ph type="body" idx="1"/>
+          </p:nvPr>
+        </p:nvSpPr>
+        <p:spPr/>
+        <p:txBody>
+          <a:bodyPr/>
+          <a:lstStyle/>
+          <a:p>
+            <a:endParaRPr lang="en-US" dirty="0"/>
+          </a:p>
+        </p:txBody>
+      </p:sp>
+    </p:spTree>
+    <p:extLst>
+      <p:ext uri="{BB962C8B-B14F-4D97-AF65-F5344CB8AC3E}">
+        <p14:creationId xmlns:p14="http://schemas.microsoft.com/office/powerpoint/2010/main" val="1996753402"/>
       </p:ext>
     </p:extLst>
   </p:cSld>
@@ -12864,7 +13057,9 @@
           </a:prstGeom>
         </p:spPr>
         <p:txBody>
-          <a:bodyPr/>
+          <a:bodyPr>
+            <a:noAutofit/>
+          </a:bodyPr>
           <a:lstStyle>
             <a:lvl1pPr>
               <a:defRPr sz="2500" b="1"/>
@@ -12872,6 +13067,7 @@
           </a:lstStyle>
           <a:p>
             <a:r>
+              <a:rPr sz="4000" b="0" dirty="0"/>
               <a:t>REST evolution</a:t>
             </a:r>
           </a:p>
@@ -13006,7 +13202,9 @@
           </a:prstGeom>
         </p:spPr>
         <p:txBody>
-          <a:bodyPr/>
+          <a:bodyPr>
+            <a:noAutofit/>
+          </a:bodyPr>
           <a:lstStyle>
             <a:lvl1pPr>
               <a:defRPr sz="2500" b="1"/>
@@ -13014,14 +13212,10 @@
           </a:lstStyle>
           <a:p>
             <a:r>
-              <a:rPr dirty="0"/>
-              <a:t>REST evolution</a:t>
-            </a:r>
-            <a:r>
-              <a:rPr lang="en-US" dirty="0"/>
-              <a:t>.</a:t>
-            </a:r>
-            <a:endParaRPr dirty="0"/>
+              <a:rPr lang="en-US" sz="4000" b="0" dirty="0"/>
+              <a:t>REST evolution.</a:t>
+            </a:r>
+            <a:endParaRPr sz="4000" b="0" dirty="0"/>
           </a:p>
         </p:txBody>
       </p:sp>
@@ -13464,7 +13658,9 @@
           </a:prstGeom>
         </p:spPr>
         <p:txBody>
-          <a:bodyPr/>
+          <a:bodyPr>
+            <a:noAutofit/>
+          </a:bodyPr>
           <a:lstStyle>
             <a:lvl1pPr>
               <a:defRPr sz="2500" b="1"/>
@@ -13472,14 +13668,14 @@
           </a:lstStyle>
           <a:p>
             <a:r>
-              <a:rPr dirty="0"/>
+              <a:rPr sz="4000" b="0" dirty="0"/>
               <a:t>REST evolution</a:t>
             </a:r>
             <a:r>
-              <a:rPr lang="en-US" dirty="0"/>
+              <a:rPr lang="en-US" sz="4000" b="0" dirty="0"/>
               <a:t>...</a:t>
             </a:r>
-            <a:endParaRPr dirty="0"/>
+            <a:endParaRPr sz="4000" b="0" dirty="0"/>
           </a:p>
         </p:txBody>
       </p:sp>
@@ -15125,7 +15321,7 @@
           <a:p>
             <a:r>
               <a:rPr lang="en-US" sz="2000" dirty="0"/>
-              <a:t>it is possible to add more parameters to perform extra filtering</a:t>
+              <a:t>It is possible to add more parameters to perform extra filtering</a:t>
             </a:r>
           </a:p>
           <a:p>
@@ -15232,13 +15428,13 @@
           <a:p>
             <a:r>
               <a:rPr lang="en-US" sz="2000" dirty="0"/>
-              <a:t>it is possible to add more parameters to perform extra filtering</a:t>
+              <a:t>It is possible to add more parameters to perform extra filtering</a:t>
             </a:r>
           </a:p>
           <a:p>
             <a:r>
               <a:rPr lang="en-US" sz="2000" dirty="0"/>
-              <a:t>typical strategy is also to define a parameterized, hierarchical data structure</a:t>
+              <a:t>A typical strategy is also to define a parameterized, hierarchical data structure</a:t>
             </a:r>
           </a:p>
           <a:p>
@@ -15353,13 +15549,13 @@
           <a:p>
             <a:r>
               <a:rPr lang="en-US" sz="2000" dirty="0"/>
-              <a:t>it is possible to add more parameters to perform extra filtering</a:t>
+              <a:t>It is possible to add more parameters to perform extra filtering</a:t>
             </a:r>
           </a:p>
           <a:p>
             <a:r>
               <a:rPr lang="en-US" sz="2000" dirty="0"/>
-              <a:t>typical strategy is also to define a parameterized, hierarchical data structure</a:t>
+              <a:t>A typical strategy is also to define a parameterized, hierarchical data structure</a:t>
             </a:r>
           </a:p>
           <a:p>
@@ -15531,7 +15727,7 @@
                   <a:srgbClr val="C00000"/>
                 </a:solidFill>
               </a:rPr>
-              <a:t> 	"</a:t>
+              <a:t> 	”</a:t>
             </a:r>
             <a:r>
               <a:rPr lang="en-US" sz="1600" dirty="0" err="1">
@@ -15653,7 +15849,7 @@
           <a:p>
             <a:r>
               <a:rPr lang="en-US" sz="4000" dirty="0"/>
-              <a:t>Filtering…</a:t>
+              <a:t>Filtering….</a:t>
             </a:r>
           </a:p>
         </p:txBody>
@@ -15677,7 +15873,7 @@
         <p:spPr/>
         <p:txBody>
           <a:bodyPr>
-            <a:normAutofit fontScale="92500" lnSpcReduction="10000"/>
+            <a:normAutofit fontScale="85000" lnSpcReduction="20000"/>
           </a:bodyPr>
           <a:lstStyle/>
           <a:p>
@@ -15716,7 +15912,7 @@
                   <a:srgbClr val="C00000"/>
                 </a:solidFill>
               </a:rPr>
-              <a:t> "kind": 1,</a:t>
+              <a:t> ”Kind": 1,</a:t>
             </a:r>
           </a:p>
           <a:p>
@@ -15729,7 +15925,7 @@
                   <a:srgbClr val="C00000"/>
                 </a:solidFill>
               </a:rPr>
-              <a:t> "a1": {</a:t>
+              <a:t> ”F1": {</a:t>
             </a:r>
           </a:p>
           <a:p>
@@ -15742,7 +15938,7 @@
                   <a:srgbClr val="C00000"/>
                 </a:solidFill>
               </a:rPr>
-              <a:t> 	"kind": 0,</a:t>
+              <a:t> 	"Kind": 0,</a:t>
             </a:r>
           </a:p>
           <a:p>
@@ -15755,7 +15951,7 @@
                   <a:srgbClr val="C00000"/>
                 </a:solidFill>
               </a:rPr>
-              <a:t> 	"</a:t>
+              <a:t> 	”</a:t>
             </a:r>
             <a:r>
               <a:rPr lang="en-US" sz="1600" dirty="0" err="1">
@@ -15763,7 +15959,7 @@
                   <a:srgbClr val="C00000"/>
                 </a:solidFill>
               </a:rPr>
-              <a:t>attr</a:t>
+              <a:t>Att</a:t>
             </a:r>
             <a:r>
               <a:rPr lang="en-US" sz="1600" dirty="0">
@@ -15784,7 +15980,59 @@
                   <a:srgbClr val="C00000"/>
                 </a:solidFill>
               </a:rPr>
-              <a:t> 	"</a:t>
+              <a:t> 	"Value": "Indiana Jones"	</a:t>
+            </a:r>
+          </a:p>
+          <a:p>
+            <a:pPr marL="876300" lvl="2" indent="0">
+              <a:buNone/>
+            </a:pPr>
+            <a:r>
+              <a:rPr lang="en-US" sz="1600" dirty="0">
+                <a:solidFill>
+                  <a:srgbClr val="C00000"/>
+                </a:solidFill>
+              </a:rPr>
+              <a:t> }</a:t>
+            </a:r>
+          </a:p>
+          <a:p>
+            <a:pPr marL="876300" lvl="2" indent="0">
+              <a:buNone/>
+            </a:pPr>
+            <a:r>
+              <a:rPr lang="en-US" sz="1600" dirty="0">
+                <a:solidFill>
+                  <a:srgbClr val="C00000"/>
+                </a:solidFill>
+              </a:rPr>
+              <a:t> ”F2":{</a:t>
+            </a:r>
+          </a:p>
+          <a:p>
+            <a:pPr marL="876300" lvl="2" indent="0">
+              <a:buNone/>
+            </a:pPr>
+            <a:r>
+              <a:rPr lang="en-US" sz="1600" dirty="0">
+                <a:solidFill>
+                  <a:srgbClr val="C00000"/>
+                </a:solidFill>
+              </a:rPr>
+              <a:t> 	”Kind": 3,</a:t>
+            </a:r>
+          </a:p>
+          <a:p>
+            <a:pPr marL="876300" lvl="2" indent="0">
+              <a:buNone/>
+            </a:pPr>
+            <a:r>
+              <a:rPr lang="en-US" sz="1600" dirty="0">
+                <a:solidFill>
+                  <a:srgbClr val="C00000"/>
+                </a:solidFill>
+              </a:rPr>
+              <a:t> 	”</a:t>
             </a:r>
             <a:r>
               <a:rPr lang="en-US" sz="1600" dirty="0" err="1">
@@ -15792,7 +16040,7 @@
                   <a:srgbClr val="C00000"/>
                 </a:solidFill>
               </a:rPr>
-              <a:t>val</a:t>
+              <a:t>Att</a:t>
             </a:r>
             <a:r>
               <a:rPr lang="en-US" sz="1600" dirty="0">
@@ -15800,7 +16048,7 @@
                   <a:srgbClr val="C00000"/>
                 </a:solidFill>
               </a:rPr>
-              <a:t>": "Divorce Italian Style"},</a:t>
+              <a:t>": "release",</a:t>
             </a:r>
           </a:p>
           <a:p>
@@ -15813,78 +16061,7 @@
                   <a:srgbClr val="C00000"/>
                 </a:solidFill>
               </a:rPr>
-              <a:t> "a2":{</a:t>
-            </a:r>
-          </a:p>
-          <a:p>
-            <a:pPr marL="876300" lvl="2" indent="0">
-              <a:buNone/>
-            </a:pPr>
-            <a:r>
-              <a:rPr lang="en-US" sz="1600" dirty="0">
-                <a:solidFill>
-                  <a:srgbClr val="C00000"/>
-                </a:solidFill>
-              </a:rPr>
-              <a:t> 	"kind": 3,</a:t>
-            </a:r>
-          </a:p>
-          <a:p>
-            <a:pPr marL="876300" lvl="2" indent="0">
-              <a:buNone/>
-            </a:pPr>
-            <a:r>
-              <a:rPr lang="en-US" sz="1600" dirty="0">
-                <a:solidFill>
-                  <a:srgbClr val="C00000"/>
-                </a:solidFill>
-              </a:rPr>
-              <a:t> 	"</a:t>
-            </a:r>
-            <a:r>
-              <a:rPr lang="en-US" sz="1600" dirty="0" err="1">
-                <a:solidFill>
-                  <a:srgbClr val="C00000"/>
-                </a:solidFill>
-              </a:rPr>
-              <a:t>attr</a:t>
-            </a:r>
-            <a:r>
-              <a:rPr lang="en-US" sz="1600" dirty="0">
-                <a:solidFill>
-                  <a:srgbClr val="C00000"/>
-                </a:solidFill>
-              </a:rPr>
-              <a:t>": "release",</a:t>
-            </a:r>
-          </a:p>
-          <a:p>
-            <a:pPr marL="876300" lvl="2" indent="0">
-              <a:buNone/>
-            </a:pPr>
-            <a:r>
-              <a:rPr lang="en-US" sz="1600" dirty="0">
-                <a:solidFill>
-                  <a:srgbClr val="C00000"/>
-                </a:solidFill>
-              </a:rPr>
-              <a:t> 	"</a:t>
-            </a:r>
-            <a:r>
-              <a:rPr lang="en-US" sz="1600" dirty="0" err="1">
-                <a:solidFill>
-                  <a:srgbClr val="C00000"/>
-                </a:solidFill>
-              </a:rPr>
-              <a:t>val</a:t>
-            </a:r>
-            <a:r>
-              <a:rPr lang="en-US" sz="1600" dirty="0">
-                <a:solidFill>
-                  <a:srgbClr val="C00000"/>
-                </a:solidFill>
-              </a:rPr>
-              <a:t>": "0001-01-01T00:00:00"</a:t>
+              <a:t> 	”Value": ”2009"</a:t>
             </a:r>
           </a:p>
           <a:p>
@@ -15971,58 +16148,11 @@
           <a:p>
             <a:r>
               <a:rPr lang="en-US" sz="4000" dirty="0"/>
-              <a:t>Filtering...</a:t>
+              <a:t>Filtering....</a:t>
             </a:r>
           </a:p>
         </p:txBody>
       </p:sp>
-      <p:pic>
-        <p:nvPicPr>
-          <p:cNvPr id="1028" name="Picture 4" descr="linq construct expression tree.">
-            <a:extLst>
-              <a:ext uri="{FF2B5EF4-FFF2-40B4-BE49-F238E27FC236}">
-                <a16:creationId xmlns:a16="http://schemas.microsoft.com/office/drawing/2014/main" id="{38B2B7C1-6C0D-5742-897A-EB7D168CED32}"/>
-              </a:ext>
-            </a:extLst>
-          </p:cNvPr>
-          <p:cNvPicPr>
-            <a:picLocks noChangeAspect="1" noChangeArrowheads="1"/>
-          </p:cNvPicPr>
-          <p:nvPr/>
-        </p:nvPicPr>
-        <p:blipFill>
-          <a:blip r:embed="rId3">
-            <a:extLst>
-              <a:ext uri="{28A0092B-C50C-407E-A947-70E740481C1C}">
-                <a14:useLocalDpi xmlns:a14="http://schemas.microsoft.com/office/drawing/2010/main" val="0"/>
-              </a:ext>
-            </a:extLst>
-          </a:blip>
-          <a:srcRect/>
-          <a:stretch>
-            <a:fillRect/>
-          </a:stretch>
-        </p:blipFill>
-        <p:spPr bwMode="auto">
-          <a:xfrm>
-            <a:off x="467781" y="2069460"/>
-            <a:ext cx="8219019" cy="4215101"/>
-          </a:xfrm>
-          <a:prstGeom prst="rect">
-            <a:avLst/>
-          </a:prstGeom>
-          <a:noFill/>
-          <a:extLst>
-            <a:ext uri="{909E8E84-426E-40DD-AFC4-6F175D3DCCD1}">
-              <a14:hiddenFill xmlns:a14="http://schemas.microsoft.com/office/drawing/2010/main">
-                <a:solidFill>
-                  <a:srgbClr val="FFFFFF"/>
-                </a:solidFill>
-              </a14:hiddenFill>
-            </a:ext>
-          </a:extLst>
-        </p:spPr>
-      </p:pic>
       <p:sp>
         <p:nvSpPr>
           <p:cNvPr id="4" name="TextBox 3">
@@ -16037,8 +16167,8 @@
         </p:nvSpPr>
         <p:spPr>
           <a:xfrm>
-            <a:off x="467781" y="1700132"/>
-            <a:ext cx="3836944" cy="369328"/>
+            <a:off x="467780" y="1700132"/>
+            <a:ext cx="7639900" cy="1754322"/>
           </a:xfrm>
           <a:prstGeom prst="rect">
             <a:avLst/>
@@ -16064,7 +16194,7 @@
           <a:fontRef idx="none"/>
         </p:style>
         <p:txBody>
-          <a:bodyPr rot="0" spcFirstLastPara="1" vertOverflow="overflow" horzOverflow="overflow" vert="horz" wrap="none" lIns="45718" tIns="45718" rIns="45718" bIns="45718" numCol="1" spcCol="38100" rtlCol="0" anchor="t">
+          <a:bodyPr rot="0" spcFirstLastPara="1" vertOverflow="overflow" horzOverflow="overflow" vert="horz" wrap="square" lIns="45718" tIns="45718" rIns="45718" bIns="45718" numCol="1" spcCol="38100" rtlCol="0" anchor="t">
             <a:spAutoFit/>
           </a:bodyPr>
           <a:lstStyle/>
@@ -16104,10 +16234,268 @@
                 <a:cs typeface="+mj-cs"/>
                 <a:sym typeface="Helvetica"/>
               </a:rPr>
-              <a:t>xample of using </a:t>
-            </a:r>
-            <a:r>
-              <a:rPr kumimoji="0" lang="en-US" sz="1800" b="0" i="0" u="none" strike="noStrike" cap="none" spc="0" normalizeH="0" baseline="0">
+              <a:t>xample of using LINQ expression:</a:t>
+            </a:r>
+          </a:p>
+          <a:p>
+            <a:pPr marL="0" marR="0" indent="0" algn="l" defTabSz="457200" rtl="0" fontAlgn="auto" latinLnBrk="0" hangingPunct="0">
+              <a:lnSpc>
+                <a:spcPct val="100000"/>
+              </a:lnSpc>
+              <a:spcBef>
+                <a:spcPts val="0"/>
+              </a:spcBef>
+              <a:spcAft>
+                <a:spcPts val="0"/>
+              </a:spcAft>
+              <a:buClrTx/>
+              <a:buSzTx/>
+              <a:buFontTx/>
+              <a:buNone/>
+              <a:tabLst/>
+            </a:pPr>
+            <a:r>
+              <a:rPr lang="en-US" dirty="0"/>
+              <a:t> </a:t>
+            </a:r>
+          </a:p>
+          <a:p>
+            <a:pPr marL="285750" indent="-285750">
+              <a:buFont typeface="Arial" panose="020B0604020202020204" pitchFamily="34" charset="0"/>
+              <a:buChar char="•"/>
+            </a:pPr>
+            <a:r>
+              <a:rPr lang="en-US" dirty="0"/>
+              <a:t>Our goal is to create expressions dynamically:</a:t>
+            </a:r>
+          </a:p>
+          <a:p>
+            <a:pPr marL="285750" indent="-285750">
+              <a:buFont typeface="Arial" panose="020B0604020202020204" pitchFamily="34" charset="0"/>
+              <a:buChar char="•"/>
+            </a:pPr>
+            <a:r>
+              <a:rPr lang="en-US" dirty="0"/>
+              <a:t>Consider the following expression:</a:t>
+            </a:r>
+          </a:p>
+          <a:p>
+            <a:r>
+              <a:rPr lang="en-US" dirty="0">
+                <a:solidFill>
+                  <a:srgbClr val="0070C0"/>
+                </a:solidFill>
+              </a:rPr>
+              <a:t>	</a:t>
+            </a:r>
+            <a:r>
+              <a:rPr lang="en-US" dirty="0" err="1">
+                <a:solidFill>
+                  <a:srgbClr val="0070C0"/>
+                </a:solidFill>
+              </a:rPr>
+              <a:t>Func</a:t>
+            </a:r>
+            <a:r>
+              <a:rPr lang="en-US" dirty="0">
+                <a:solidFill>
+                  <a:srgbClr val="0070C0"/>
+                </a:solidFill>
+              </a:rPr>
+              <a:t>&lt;Movie, </a:t>
+            </a:r>
+            <a:r>
+              <a:rPr lang="en-US" dirty="0">
+                <a:solidFill>
+                  <a:srgbClr val="C00000"/>
+                </a:solidFill>
+              </a:rPr>
+              <a:t>bool</a:t>
+            </a:r>
+            <a:r>
+              <a:rPr lang="en-US" dirty="0">
+                <a:solidFill>
+                  <a:srgbClr val="0070C0"/>
+                </a:solidFill>
+              </a:rPr>
+              <a:t>&gt; </a:t>
+            </a:r>
+            <a:r>
+              <a:rPr lang="en-US" dirty="0" err="1"/>
+              <a:t>isMatching</a:t>
+            </a:r>
+            <a:r>
+              <a:rPr lang="en-US" dirty="0"/>
+              <a:t> = p </a:t>
+            </a:r>
+            <a:r>
+              <a:rPr lang="en-US" dirty="0">
+                <a:solidFill>
+                  <a:schemeClr val="accent1">
+                    <a:lumMod val="50000"/>
+                  </a:schemeClr>
+                </a:solidFill>
+              </a:rPr>
+              <a:t>=&gt;</a:t>
+            </a:r>
+            <a:r>
+              <a:rPr lang="en-US" dirty="0"/>
+              <a:t> </a:t>
+            </a:r>
+            <a:r>
+              <a:rPr lang="en-US" dirty="0" err="1"/>
+              <a:t>p.Title</a:t>
+            </a:r>
+            <a:r>
+              <a:rPr lang="en-US" dirty="0"/>
+              <a:t> == </a:t>
+            </a:r>
+            <a:r>
+              <a:rPr lang="en-US" dirty="0">
+                <a:solidFill>
+                  <a:srgbClr val="00B050"/>
+                </a:solidFill>
+              </a:rPr>
+              <a:t>“Indiana Jones” </a:t>
+            </a:r>
+          </a:p>
+          <a:p>
+            <a:r>
+              <a:rPr lang="en-US" dirty="0"/>
+              <a:t> </a:t>
+            </a:r>
+          </a:p>
+        </p:txBody>
+      </p:sp>
+    </p:spTree>
+    <p:extLst>
+      <p:ext uri="{BB962C8B-B14F-4D97-AF65-F5344CB8AC3E}">
+        <p14:creationId xmlns:p14="http://schemas.microsoft.com/office/powerpoint/2010/main" val="1990078858"/>
+      </p:ext>
+    </p:extLst>
+  </p:cSld>
+  <p:clrMapOvr>
+    <a:masterClrMapping/>
+  </p:clrMapOvr>
+  <p:transition spd="med"/>
+</p:sld>
+</file>
+
+<file path=ppt/slides/slide38.xml><?xml version="1.0" encoding="utf-8"?>
+<p:sld xmlns:a="http://schemas.openxmlformats.org/drawingml/2006/main" xmlns:r="http://schemas.openxmlformats.org/officeDocument/2006/relationships" xmlns:p="http://schemas.openxmlformats.org/presentationml/2006/main">
+  <p:cSld>
+    <p:spTree>
+      <p:nvGrpSpPr>
+        <p:cNvPr id="1" name=""/>
+        <p:cNvGrpSpPr/>
+        <p:nvPr/>
+      </p:nvGrpSpPr>
+      <p:grpSpPr>
+        <a:xfrm>
+          <a:off x="0" y="0"/>
+          <a:ext cx="0" cy="0"/>
+          <a:chOff x="0" y="0"/>
+          <a:chExt cx="0" cy="0"/>
+        </a:xfrm>
+      </p:grpSpPr>
+      <p:sp>
+        <p:nvSpPr>
+          <p:cNvPr id="2" name="Title 1">
+            <a:extLst>
+              <a:ext uri="{FF2B5EF4-FFF2-40B4-BE49-F238E27FC236}">
+                <a16:creationId xmlns:a16="http://schemas.microsoft.com/office/drawing/2014/main" id="{2D489E8B-C85E-5442-B1C0-39DBABDA64FA}"/>
+              </a:ext>
+            </a:extLst>
+          </p:cNvPr>
+          <p:cNvSpPr>
+            <a:spLocks noGrp="1"/>
+          </p:cNvSpPr>
+          <p:nvPr>
+            <p:ph type="title"/>
+          </p:nvPr>
+        </p:nvSpPr>
+        <p:spPr/>
+        <p:txBody>
+          <a:bodyPr>
+            <a:normAutofit/>
+          </a:bodyPr>
+          <a:lstStyle/>
+          <a:p>
+            <a:r>
+              <a:rPr lang="en-US" sz="4000" dirty="0"/>
+              <a:t>Filtering.....</a:t>
+            </a:r>
+          </a:p>
+        </p:txBody>
+      </p:sp>
+      <p:sp>
+        <p:nvSpPr>
+          <p:cNvPr id="4" name="TextBox 3">
+            <a:extLst>
+              <a:ext uri="{FF2B5EF4-FFF2-40B4-BE49-F238E27FC236}">
+                <a16:creationId xmlns:a16="http://schemas.microsoft.com/office/drawing/2014/main" id="{5F400E09-6DFA-AC48-87C9-C4E7116B2BBF}"/>
+              </a:ext>
+            </a:extLst>
+          </p:cNvPr>
+          <p:cNvSpPr txBox="1"/>
+          <p:nvPr/>
+        </p:nvSpPr>
+        <p:spPr>
+          <a:xfrm>
+            <a:off x="467780" y="1700132"/>
+            <a:ext cx="7639900" cy="2862318"/>
+          </a:xfrm>
+          <a:prstGeom prst="rect">
+            <a:avLst/>
+          </a:prstGeom>
+          <a:noFill/>
+          <a:ln w="12700" cap="flat">
+            <a:noFill/>
+            <a:miter lim="400000"/>
+          </a:ln>
+          <a:effectLst/>
+          <a:sp3d/>
+        </p:spPr>
+        <p:style>
+          <a:lnRef idx="0">
+            <a:scrgbClr r="0" g="0" b="0"/>
+          </a:lnRef>
+          <a:fillRef idx="0">
+            <a:scrgbClr r="0" g="0" b="0"/>
+          </a:fillRef>
+          <a:effectRef idx="0">
+            <a:scrgbClr r="0" g="0" b="0"/>
+          </a:effectRef>
+          <a:fontRef idx="none"/>
+        </p:style>
+        <p:txBody>
+          <a:bodyPr rot="0" spcFirstLastPara="1" vertOverflow="overflow" horzOverflow="overflow" vert="horz" wrap="square" lIns="45718" tIns="45718" rIns="45718" bIns="45718" numCol="1" spcCol="38100" rtlCol="0" anchor="t">
+            <a:spAutoFit/>
+          </a:bodyPr>
+          <a:lstStyle/>
+          <a:p>
+            <a:pPr marL="0" marR="0" indent="0" algn="l" defTabSz="457200" rtl="0" fontAlgn="auto" latinLnBrk="0" hangingPunct="0">
+              <a:lnSpc>
+                <a:spcPct val="100000"/>
+              </a:lnSpc>
+              <a:spcBef>
+                <a:spcPts val="0"/>
+              </a:spcBef>
+              <a:spcAft>
+                <a:spcPts val="0"/>
+              </a:spcAft>
+              <a:buClrTx/>
+              <a:buSzTx/>
+              <a:buFontTx/>
+              <a:buNone/>
+              <a:tabLst/>
+            </a:pPr>
+            <a:r>
+              <a:rPr lang="en-US" dirty="0"/>
+              <a:t>E</a:t>
+            </a:r>
+            <a:r>
+              <a:rPr kumimoji="0" lang="en-US" sz="1800" b="0" i="0" u="none" strike="noStrike" cap="none" spc="0" normalizeH="0" baseline="0" dirty="0">
                 <a:ln>
                   <a:noFill/>
                 </a:ln>
@@ -16121,29 +16509,473 @@
                 <a:cs typeface="+mj-cs"/>
                 <a:sym typeface="Helvetica"/>
               </a:rPr>
-              <a:t>LINQ expression: </a:t>
-            </a:r>
-            <a:endParaRPr kumimoji="0" lang="en-US" sz="1800" b="0" i="0" u="none" strike="noStrike" cap="none" spc="0" normalizeH="0" baseline="0" dirty="0">
-              <a:ln>
-                <a:noFill/>
-              </a:ln>
-              <a:solidFill>
-                <a:srgbClr val="000000"/>
-              </a:solidFill>
-              <a:effectLst/>
-              <a:uFillTx/>
-              <a:latin typeface="+mj-lt"/>
-              <a:ea typeface="+mj-ea"/>
-              <a:cs typeface="+mj-cs"/>
-              <a:sym typeface="Helvetica"/>
-            </a:endParaRPr>
+              <a:t>xample of using LINQ expression:</a:t>
+            </a:r>
+          </a:p>
+          <a:p>
+            <a:pPr marL="0" marR="0" indent="0" algn="l" defTabSz="457200" rtl="0" fontAlgn="auto" latinLnBrk="0" hangingPunct="0">
+              <a:lnSpc>
+                <a:spcPct val="100000"/>
+              </a:lnSpc>
+              <a:spcBef>
+                <a:spcPts val="0"/>
+              </a:spcBef>
+              <a:spcAft>
+                <a:spcPts val="0"/>
+              </a:spcAft>
+              <a:buClrTx/>
+              <a:buSzTx/>
+              <a:buFontTx/>
+              <a:buNone/>
+              <a:tabLst/>
+            </a:pPr>
+            <a:r>
+              <a:rPr lang="en-US" dirty="0"/>
+              <a:t> </a:t>
+            </a:r>
+          </a:p>
+          <a:p>
+            <a:pPr marL="285750" indent="-285750">
+              <a:buFont typeface="Arial" panose="020B0604020202020204" pitchFamily="34" charset="0"/>
+              <a:buChar char="•"/>
+            </a:pPr>
+            <a:r>
+              <a:rPr lang="en-US" dirty="0"/>
+              <a:t>Our goal is to create expressions dynamically:</a:t>
+            </a:r>
+          </a:p>
+          <a:p>
+            <a:pPr marL="285750" indent="-285750">
+              <a:buFont typeface="Arial" panose="020B0604020202020204" pitchFamily="34" charset="0"/>
+              <a:buChar char="•"/>
+            </a:pPr>
+            <a:r>
+              <a:rPr lang="en-US" dirty="0"/>
+              <a:t>Consider the following expression:</a:t>
+            </a:r>
+          </a:p>
+          <a:p>
+            <a:r>
+              <a:rPr lang="en-US" dirty="0">
+                <a:solidFill>
+                  <a:srgbClr val="0070C0"/>
+                </a:solidFill>
+              </a:rPr>
+              <a:t>	</a:t>
+            </a:r>
+            <a:r>
+              <a:rPr lang="en-US" dirty="0" err="1">
+                <a:solidFill>
+                  <a:srgbClr val="0070C0"/>
+                </a:solidFill>
+              </a:rPr>
+              <a:t>Func</a:t>
+            </a:r>
+            <a:r>
+              <a:rPr lang="en-US" dirty="0">
+                <a:solidFill>
+                  <a:srgbClr val="0070C0"/>
+                </a:solidFill>
+              </a:rPr>
+              <a:t>&lt;Movie, </a:t>
+            </a:r>
+            <a:r>
+              <a:rPr lang="en-US" dirty="0">
+                <a:solidFill>
+                  <a:srgbClr val="C00000"/>
+                </a:solidFill>
+              </a:rPr>
+              <a:t>bool</a:t>
+            </a:r>
+            <a:r>
+              <a:rPr lang="en-US" dirty="0">
+                <a:solidFill>
+                  <a:srgbClr val="0070C0"/>
+                </a:solidFill>
+              </a:rPr>
+              <a:t>&gt; </a:t>
+            </a:r>
+            <a:r>
+              <a:rPr lang="en-US" dirty="0" err="1"/>
+              <a:t>isMatching</a:t>
+            </a:r>
+            <a:r>
+              <a:rPr lang="en-US" dirty="0"/>
+              <a:t> = p </a:t>
+            </a:r>
+            <a:r>
+              <a:rPr lang="en-US" dirty="0">
+                <a:solidFill>
+                  <a:schemeClr val="accent1">
+                    <a:lumMod val="50000"/>
+                  </a:schemeClr>
+                </a:solidFill>
+              </a:rPr>
+              <a:t>=&gt;</a:t>
+            </a:r>
+            <a:r>
+              <a:rPr lang="en-US" dirty="0"/>
+              <a:t> </a:t>
+            </a:r>
+            <a:r>
+              <a:rPr lang="en-US" dirty="0" err="1"/>
+              <a:t>p.Title</a:t>
+            </a:r>
+            <a:r>
+              <a:rPr lang="en-US" dirty="0"/>
+              <a:t> == </a:t>
+            </a:r>
+            <a:r>
+              <a:rPr lang="en-US" dirty="0">
+                <a:solidFill>
+                  <a:srgbClr val="00B050"/>
+                </a:solidFill>
+              </a:rPr>
+              <a:t>“Indiana Jones” </a:t>
+            </a:r>
+          </a:p>
+          <a:p>
+            <a:r>
+              <a:rPr lang="en-US" dirty="0"/>
+              <a:t> </a:t>
+            </a:r>
+          </a:p>
+          <a:p>
+            <a:pPr marL="285750" lvl="1" indent="-285750">
+              <a:buFont typeface="Arial" panose="020B0604020202020204" pitchFamily="34" charset="0"/>
+              <a:buChar char="•"/>
+            </a:pPr>
+            <a:r>
+              <a:rPr lang="en-US" dirty="0"/>
+              <a:t>This expression is a binary expression:</a:t>
+            </a:r>
+          </a:p>
+          <a:p>
+            <a:pPr lvl="2"/>
+            <a:r>
+              <a:rPr lang="en-US" dirty="0"/>
+              <a:t>	- The left side of the expression: </a:t>
+            </a:r>
+            <a:r>
+              <a:rPr lang="en-US" dirty="0" err="1"/>
+              <a:t>p.Title</a:t>
+            </a:r>
+            <a:r>
+              <a:rPr lang="en-US" dirty="0"/>
+              <a:t> </a:t>
+            </a:r>
+          </a:p>
+          <a:p>
+            <a:pPr lvl="2"/>
+            <a:r>
+              <a:rPr lang="en-US" dirty="0"/>
+              <a:t>	- The right side of the expression is a constant expression: “</a:t>
+            </a:r>
+            <a:r>
+              <a:rPr lang="en-US" dirty="0">
+                <a:solidFill>
+                  <a:srgbClr val="00B050"/>
+                </a:solidFill>
+              </a:rPr>
+              <a:t>Indiana Jones</a:t>
+            </a:r>
+            <a:r>
+              <a:rPr lang="en-US" dirty="0"/>
+              <a:t>”</a:t>
+            </a:r>
           </a:p>
         </p:txBody>
       </p:sp>
     </p:spTree>
     <p:extLst>
       <p:ext uri="{BB962C8B-B14F-4D97-AF65-F5344CB8AC3E}">
-        <p14:creationId xmlns:p14="http://schemas.microsoft.com/office/powerpoint/2010/main" val="1990078858"/>
+        <p14:creationId xmlns:p14="http://schemas.microsoft.com/office/powerpoint/2010/main" val="3159702276"/>
+      </p:ext>
+    </p:extLst>
+  </p:cSld>
+  <p:clrMapOvr>
+    <a:masterClrMapping/>
+  </p:clrMapOvr>
+  <p:transition spd="med"/>
+</p:sld>
+</file>
+
+<file path=ppt/slides/slide39.xml><?xml version="1.0" encoding="utf-8"?>
+<p:sld xmlns:a="http://schemas.openxmlformats.org/drawingml/2006/main" xmlns:r="http://schemas.openxmlformats.org/officeDocument/2006/relationships" xmlns:p="http://schemas.openxmlformats.org/presentationml/2006/main">
+  <p:cSld>
+    <p:spTree>
+      <p:nvGrpSpPr>
+        <p:cNvPr id="1" name=""/>
+        <p:cNvGrpSpPr/>
+        <p:nvPr/>
+      </p:nvGrpSpPr>
+      <p:grpSpPr>
+        <a:xfrm>
+          <a:off x="0" y="0"/>
+          <a:ext cx="0" cy="0"/>
+          <a:chOff x="0" y="0"/>
+          <a:chExt cx="0" cy="0"/>
+        </a:xfrm>
+      </p:grpSpPr>
+      <p:sp>
+        <p:nvSpPr>
+          <p:cNvPr id="2" name="Title 1">
+            <a:extLst>
+              <a:ext uri="{FF2B5EF4-FFF2-40B4-BE49-F238E27FC236}">
+                <a16:creationId xmlns:a16="http://schemas.microsoft.com/office/drawing/2014/main" id="{2D489E8B-C85E-5442-B1C0-39DBABDA64FA}"/>
+              </a:ext>
+            </a:extLst>
+          </p:cNvPr>
+          <p:cNvSpPr>
+            <a:spLocks noGrp="1"/>
+          </p:cNvSpPr>
+          <p:nvPr>
+            <p:ph type="title"/>
+          </p:nvPr>
+        </p:nvSpPr>
+        <p:spPr/>
+        <p:txBody>
+          <a:bodyPr>
+            <a:normAutofit/>
+          </a:bodyPr>
+          <a:lstStyle/>
+          <a:p>
+            <a:r>
+              <a:rPr lang="en-US" sz="4000" dirty="0"/>
+              <a:t>Filtering......</a:t>
+            </a:r>
+          </a:p>
+        </p:txBody>
+      </p:sp>
+      <p:sp>
+        <p:nvSpPr>
+          <p:cNvPr id="4" name="TextBox 3">
+            <a:extLst>
+              <a:ext uri="{FF2B5EF4-FFF2-40B4-BE49-F238E27FC236}">
+                <a16:creationId xmlns:a16="http://schemas.microsoft.com/office/drawing/2014/main" id="{5F400E09-6DFA-AC48-87C9-C4E7116B2BBF}"/>
+              </a:ext>
+            </a:extLst>
+          </p:cNvPr>
+          <p:cNvSpPr txBox="1"/>
+          <p:nvPr/>
+        </p:nvSpPr>
+        <p:spPr>
+          <a:xfrm>
+            <a:off x="467780" y="1700132"/>
+            <a:ext cx="7639900" cy="2308320"/>
+          </a:xfrm>
+          <a:prstGeom prst="rect">
+            <a:avLst/>
+          </a:prstGeom>
+          <a:noFill/>
+          <a:ln w="12700" cap="flat">
+            <a:noFill/>
+            <a:miter lim="400000"/>
+          </a:ln>
+          <a:effectLst/>
+          <a:sp3d/>
+        </p:spPr>
+        <p:style>
+          <a:lnRef idx="0">
+            <a:scrgbClr r="0" g="0" b="0"/>
+          </a:lnRef>
+          <a:fillRef idx="0">
+            <a:scrgbClr r="0" g="0" b="0"/>
+          </a:fillRef>
+          <a:effectRef idx="0">
+            <a:scrgbClr r="0" g="0" b="0"/>
+          </a:effectRef>
+          <a:fontRef idx="none"/>
+        </p:style>
+        <p:txBody>
+          <a:bodyPr rot="0" spcFirstLastPara="1" vertOverflow="overflow" horzOverflow="overflow" vert="horz" wrap="square" lIns="45718" tIns="45718" rIns="45718" bIns="45718" numCol="1" spcCol="38100" rtlCol="0" anchor="t">
+            <a:spAutoFit/>
+          </a:bodyPr>
+          <a:lstStyle/>
+          <a:p>
+            <a:pPr marL="285750" marR="0" indent="-285750" algn="l" defTabSz="457200" rtl="0" fontAlgn="auto" latinLnBrk="0" hangingPunct="0">
+              <a:lnSpc>
+                <a:spcPct val="100000"/>
+              </a:lnSpc>
+              <a:spcBef>
+                <a:spcPts val="0"/>
+              </a:spcBef>
+              <a:spcAft>
+                <a:spcPts val="0"/>
+              </a:spcAft>
+              <a:buClrTx/>
+              <a:buSzTx/>
+              <a:buFont typeface="Arial" panose="020B0604020202020204" pitchFamily="34" charset="0"/>
+              <a:buChar char="•"/>
+              <a:tabLst/>
+            </a:pPr>
+            <a:r>
+              <a:rPr lang="en-US" dirty="0"/>
+              <a:t>Consider the following expression:</a:t>
+            </a:r>
+          </a:p>
+          <a:p>
+            <a:pPr marR="0" algn="l" defTabSz="457200" rtl="0" fontAlgn="auto" latinLnBrk="0" hangingPunct="0">
+              <a:lnSpc>
+                <a:spcPct val="100000"/>
+              </a:lnSpc>
+              <a:spcBef>
+                <a:spcPts val="0"/>
+              </a:spcBef>
+              <a:spcAft>
+                <a:spcPts val="0"/>
+              </a:spcAft>
+              <a:buClrTx/>
+              <a:buSzTx/>
+              <a:tabLst/>
+            </a:pPr>
+            <a:r>
+              <a:rPr lang="en-US" dirty="0">
+                <a:solidFill>
+                  <a:srgbClr val="0070C0"/>
+                </a:solidFill>
+              </a:rPr>
+              <a:t>	</a:t>
+            </a:r>
+            <a:r>
+              <a:rPr lang="en-US" dirty="0" err="1">
+                <a:solidFill>
+                  <a:srgbClr val="0070C0"/>
+                </a:solidFill>
+              </a:rPr>
+              <a:t>Func</a:t>
+            </a:r>
+            <a:r>
+              <a:rPr lang="en-US" dirty="0">
+                <a:solidFill>
+                  <a:srgbClr val="0070C0"/>
+                </a:solidFill>
+              </a:rPr>
+              <a:t>&lt;Movie, </a:t>
+            </a:r>
+            <a:r>
+              <a:rPr lang="en-US" dirty="0">
+                <a:solidFill>
+                  <a:srgbClr val="C00000"/>
+                </a:solidFill>
+              </a:rPr>
+              <a:t>bool</a:t>
+            </a:r>
+            <a:r>
+              <a:rPr lang="en-US" dirty="0">
+                <a:solidFill>
+                  <a:srgbClr val="0070C0"/>
+                </a:solidFill>
+              </a:rPr>
+              <a:t>&gt; </a:t>
+            </a:r>
+            <a:r>
+              <a:rPr lang="en-US" dirty="0" err="1"/>
+              <a:t>isMatching</a:t>
+            </a:r>
+            <a:r>
+              <a:rPr lang="en-US" dirty="0"/>
+              <a:t> = p </a:t>
+            </a:r>
+            <a:r>
+              <a:rPr lang="en-US" dirty="0">
+                <a:solidFill>
+                  <a:schemeClr val="accent1">
+                    <a:lumMod val="50000"/>
+                  </a:schemeClr>
+                </a:solidFill>
+              </a:rPr>
+              <a:t>=&gt;</a:t>
+            </a:r>
+            <a:r>
+              <a:rPr lang="en-US" dirty="0"/>
+              <a:t> </a:t>
+            </a:r>
+            <a:r>
+              <a:rPr lang="en-US" dirty="0" err="1"/>
+              <a:t>p.Title</a:t>
+            </a:r>
+            <a:r>
+              <a:rPr lang="en-US" dirty="0"/>
+              <a:t> == </a:t>
+            </a:r>
+            <a:r>
+              <a:rPr lang="en-US" dirty="0">
+                <a:solidFill>
+                  <a:srgbClr val="00B050"/>
+                </a:solidFill>
+              </a:rPr>
+              <a:t>“Indiana Jones” </a:t>
+            </a:r>
+          </a:p>
+          <a:p>
+            <a:pPr marR="0" algn="l" defTabSz="457200" rtl="0" fontAlgn="auto" latinLnBrk="0" hangingPunct="0">
+              <a:lnSpc>
+                <a:spcPct val="100000"/>
+              </a:lnSpc>
+              <a:spcBef>
+                <a:spcPts val="0"/>
+              </a:spcBef>
+              <a:spcAft>
+                <a:spcPts val="0"/>
+              </a:spcAft>
+              <a:buClrTx/>
+              <a:buSzTx/>
+              <a:tabLst/>
+            </a:pPr>
+            <a:r>
+              <a:rPr kumimoji="0" lang="en-US" sz="1800" b="0" i="0" u="none" strike="noStrike" cap="none" spc="0" normalizeH="0" baseline="0" dirty="0">
+                <a:ln>
+                  <a:noFill/>
+                </a:ln>
+                <a:solidFill>
+                  <a:srgbClr val="000000"/>
+                </a:solidFill>
+                <a:effectLst/>
+                <a:uFillTx/>
+                <a:latin typeface="+mj-lt"/>
+                <a:ea typeface="+mj-ea"/>
+                <a:cs typeface="+mj-cs"/>
+                <a:sym typeface="Helvetica"/>
+              </a:rPr>
+              <a:t> </a:t>
+            </a:r>
+          </a:p>
+          <a:p>
+            <a:pPr lvl="2"/>
+            <a:r>
+              <a:rPr lang="en-US" dirty="0"/>
+              <a:t>The left side of the expression consist of:</a:t>
+            </a:r>
+          </a:p>
+          <a:p>
+            <a:pPr lvl="2"/>
+            <a:r>
+              <a:rPr lang="en-US" dirty="0"/>
+              <a:t>	- Expression parameter of type Movie: p</a:t>
+            </a:r>
+          </a:p>
+          <a:p>
+            <a:pPr lvl="2"/>
+            <a:r>
+              <a:rPr lang="en-US" dirty="0"/>
+              <a:t> 	- Expression property: Age</a:t>
+            </a:r>
+          </a:p>
+          <a:p>
+            <a:pPr lvl="2"/>
+            <a:endParaRPr lang="en-US" dirty="0"/>
+          </a:p>
+          <a:p>
+            <a:pPr lvl="2"/>
+            <a:endParaRPr lang="en-US" dirty="0"/>
+          </a:p>
+        </p:txBody>
+      </p:sp>
+    </p:spTree>
+    <p:extLst>
+      <p:ext uri="{BB962C8B-B14F-4D97-AF65-F5344CB8AC3E}">
+        <p14:creationId xmlns:p14="http://schemas.microsoft.com/office/powerpoint/2010/main" val="2401698890"/>
       </p:ext>
     </p:extLst>
   </p:cSld>
@@ -18527,6 +19359,446 @@
 </p:sld>
 </file>
 
+<file path=ppt/slides/slide40.xml><?xml version="1.0" encoding="utf-8"?>
+<p:sld xmlns:a="http://schemas.openxmlformats.org/drawingml/2006/main" xmlns:r="http://schemas.openxmlformats.org/officeDocument/2006/relationships" xmlns:p="http://schemas.openxmlformats.org/presentationml/2006/main">
+  <p:cSld>
+    <p:spTree>
+      <p:nvGrpSpPr>
+        <p:cNvPr id="1" name=""/>
+        <p:cNvGrpSpPr/>
+        <p:nvPr/>
+      </p:nvGrpSpPr>
+      <p:grpSpPr>
+        <a:xfrm>
+          <a:off x="0" y="0"/>
+          <a:ext cx="0" cy="0"/>
+          <a:chOff x="0" y="0"/>
+          <a:chExt cx="0" cy="0"/>
+        </a:xfrm>
+      </p:grpSpPr>
+      <p:sp>
+        <p:nvSpPr>
+          <p:cNvPr id="2" name="Title 1">
+            <a:extLst>
+              <a:ext uri="{FF2B5EF4-FFF2-40B4-BE49-F238E27FC236}">
+                <a16:creationId xmlns:a16="http://schemas.microsoft.com/office/drawing/2014/main" id="{2D489E8B-C85E-5442-B1C0-39DBABDA64FA}"/>
+              </a:ext>
+            </a:extLst>
+          </p:cNvPr>
+          <p:cNvSpPr>
+            <a:spLocks noGrp="1"/>
+          </p:cNvSpPr>
+          <p:nvPr>
+            <p:ph type="title"/>
+          </p:nvPr>
+        </p:nvSpPr>
+        <p:spPr/>
+        <p:txBody>
+          <a:bodyPr>
+            <a:normAutofit/>
+          </a:bodyPr>
+          <a:lstStyle/>
+          <a:p>
+            <a:r>
+              <a:rPr lang="en-US" sz="4000" dirty="0"/>
+              <a:t>Filtering......</a:t>
+            </a:r>
+          </a:p>
+        </p:txBody>
+      </p:sp>
+      <p:sp>
+        <p:nvSpPr>
+          <p:cNvPr id="4" name="TextBox 3">
+            <a:extLst>
+              <a:ext uri="{FF2B5EF4-FFF2-40B4-BE49-F238E27FC236}">
+                <a16:creationId xmlns:a16="http://schemas.microsoft.com/office/drawing/2014/main" id="{5F400E09-6DFA-AC48-87C9-C4E7116B2BBF}"/>
+              </a:ext>
+            </a:extLst>
+          </p:cNvPr>
+          <p:cNvSpPr txBox="1"/>
+          <p:nvPr/>
+        </p:nvSpPr>
+        <p:spPr>
+          <a:xfrm>
+            <a:off x="467780" y="1700132"/>
+            <a:ext cx="7639900" cy="4247313"/>
+          </a:xfrm>
+          <a:prstGeom prst="rect">
+            <a:avLst/>
+          </a:prstGeom>
+          <a:noFill/>
+          <a:ln w="12700" cap="flat">
+            <a:noFill/>
+            <a:miter lim="400000"/>
+          </a:ln>
+          <a:effectLst/>
+          <a:sp3d/>
+        </p:spPr>
+        <p:style>
+          <a:lnRef idx="0">
+            <a:scrgbClr r="0" g="0" b="0"/>
+          </a:lnRef>
+          <a:fillRef idx="0">
+            <a:scrgbClr r="0" g="0" b="0"/>
+          </a:fillRef>
+          <a:effectRef idx="0">
+            <a:scrgbClr r="0" g="0" b="0"/>
+          </a:effectRef>
+          <a:fontRef idx="none"/>
+        </p:style>
+        <p:txBody>
+          <a:bodyPr rot="0" spcFirstLastPara="1" vertOverflow="overflow" horzOverflow="overflow" vert="horz" wrap="square" lIns="45718" tIns="45718" rIns="45718" bIns="45718" numCol="1" spcCol="38100" rtlCol="0" anchor="t">
+            <a:spAutoFit/>
+          </a:bodyPr>
+          <a:lstStyle/>
+          <a:p>
+            <a:pPr marL="285750" marR="0" indent="-285750" algn="l" defTabSz="457200" rtl="0" fontAlgn="auto" latinLnBrk="0" hangingPunct="0">
+              <a:lnSpc>
+                <a:spcPct val="100000"/>
+              </a:lnSpc>
+              <a:spcBef>
+                <a:spcPts val="0"/>
+              </a:spcBef>
+              <a:spcAft>
+                <a:spcPts val="0"/>
+              </a:spcAft>
+              <a:buClrTx/>
+              <a:buSzTx/>
+              <a:buFont typeface="Arial" panose="020B0604020202020204" pitchFamily="34" charset="0"/>
+              <a:buChar char="•"/>
+              <a:tabLst/>
+            </a:pPr>
+            <a:r>
+              <a:rPr lang="en-US" dirty="0"/>
+              <a:t>Consider the following expression:</a:t>
+            </a:r>
+          </a:p>
+          <a:p>
+            <a:pPr marR="0" algn="l" defTabSz="457200" rtl="0" fontAlgn="auto" latinLnBrk="0" hangingPunct="0">
+              <a:lnSpc>
+                <a:spcPct val="100000"/>
+              </a:lnSpc>
+              <a:spcBef>
+                <a:spcPts val="0"/>
+              </a:spcBef>
+              <a:spcAft>
+                <a:spcPts val="0"/>
+              </a:spcAft>
+              <a:buClrTx/>
+              <a:buSzTx/>
+              <a:tabLst/>
+            </a:pPr>
+            <a:r>
+              <a:rPr lang="en-US" dirty="0">
+                <a:solidFill>
+                  <a:srgbClr val="0070C0"/>
+                </a:solidFill>
+              </a:rPr>
+              <a:t>	</a:t>
+            </a:r>
+            <a:r>
+              <a:rPr lang="en-US" dirty="0" err="1">
+                <a:solidFill>
+                  <a:srgbClr val="0070C0"/>
+                </a:solidFill>
+              </a:rPr>
+              <a:t>Func</a:t>
+            </a:r>
+            <a:r>
+              <a:rPr lang="en-US" dirty="0">
+                <a:solidFill>
+                  <a:srgbClr val="0070C0"/>
+                </a:solidFill>
+              </a:rPr>
+              <a:t>&lt;Movie, </a:t>
+            </a:r>
+            <a:r>
+              <a:rPr lang="en-US" dirty="0">
+                <a:solidFill>
+                  <a:srgbClr val="C00000"/>
+                </a:solidFill>
+              </a:rPr>
+              <a:t>bool</a:t>
+            </a:r>
+            <a:r>
+              <a:rPr lang="en-US" dirty="0">
+                <a:solidFill>
+                  <a:srgbClr val="0070C0"/>
+                </a:solidFill>
+              </a:rPr>
+              <a:t>&gt; </a:t>
+            </a:r>
+            <a:r>
+              <a:rPr lang="en-US" dirty="0" err="1"/>
+              <a:t>isMatching</a:t>
+            </a:r>
+            <a:r>
+              <a:rPr lang="en-US" dirty="0"/>
+              <a:t> = p </a:t>
+            </a:r>
+            <a:r>
+              <a:rPr lang="en-US" dirty="0">
+                <a:solidFill>
+                  <a:schemeClr val="accent1">
+                    <a:lumMod val="50000"/>
+                  </a:schemeClr>
+                </a:solidFill>
+              </a:rPr>
+              <a:t>=&gt;</a:t>
+            </a:r>
+            <a:r>
+              <a:rPr lang="en-US" dirty="0"/>
+              <a:t> </a:t>
+            </a:r>
+            <a:r>
+              <a:rPr lang="en-US" dirty="0" err="1"/>
+              <a:t>p.Title</a:t>
+            </a:r>
+            <a:r>
+              <a:rPr lang="en-US" dirty="0"/>
+              <a:t> == </a:t>
+            </a:r>
+            <a:r>
+              <a:rPr lang="en-US" dirty="0">
+                <a:solidFill>
+                  <a:srgbClr val="00B050"/>
+                </a:solidFill>
+              </a:rPr>
+              <a:t>“Indiana Jones” </a:t>
+            </a:r>
+          </a:p>
+          <a:p>
+            <a:pPr marR="0" algn="l" defTabSz="457200" rtl="0" fontAlgn="auto" latinLnBrk="0" hangingPunct="0">
+              <a:lnSpc>
+                <a:spcPct val="100000"/>
+              </a:lnSpc>
+              <a:spcBef>
+                <a:spcPts val="0"/>
+              </a:spcBef>
+              <a:spcAft>
+                <a:spcPts val="0"/>
+              </a:spcAft>
+              <a:buClrTx/>
+              <a:buSzTx/>
+              <a:tabLst/>
+            </a:pPr>
+            <a:r>
+              <a:rPr kumimoji="0" lang="en-US" sz="1800" b="0" i="0" u="none" strike="noStrike" cap="none" spc="0" normalizeH="0" baseline="0" dirty="0">
+                <a:ln>
+                  <a:noFill/>
+                </a:ln>
+                <a:solidFill>
+                  <a:srgbClr val="000000"/>
+                </a:solidFill>
+                <a:effectLst/>
+                <a:uFillTx/>
+                <a:latin typeface="+mj-lt"/>
+                <a:ea typeface="+mj-ea"/>
+                <a:cs typeface="+mj-cs"/>
+                <a:sym typeface="Helvetica"/>
+              </a:rPr>
+              <a:t> </a:t>
+            </a:r>
+          </a:p>
+          <a:p>
+            <a:pPr lvl="2"/>
+            <a:r>
+              <a:rPr lang="en-US" dirty="0"/>
+              <a:t>The left side of the expression consist of:</a:t>
+            </a:r>
+          </a:p>
+          <a:p>
+            <a:pPr lvl="2"/>
+            <a:r>
+              <a:rPr lang="en-US" dirty="0"/>
+              <a:t>	- Expression parameter of type Movie: p</a:t>
+            </a:r>
+          </a:p>
+          <a:p>
+            <a:pPr lvl="2"/>
+            <a:r>
+              <a:rPr lang="en-US" dirty="0"/>
+              <a:t> 	- Expression property: Age</a:t>
+            </a:r>
+          </a:p>
+          <a:p>
+            <a:pPr lvl="2"/>
+            <a:endParaRPr lang="en-US" dirty="0"/>
+          </a:p>
+          <a:p>
+            <a:pPr lvl="2"/>
+            <a:r>
+              <a:rPr lang="en-US" dirty="0"/>
+              <a:t>The last part of the expression is the kind of the comparison:</a:t>
+            </a:r>
+          </a:p>
+          <a:p>
+            <a:pPr lvl="2"/>
+            <a:r>
+              <a:rPr lang="en-US" dirty="0"/>
+              <a:t>	- equality expression</a:t>
+            </a:r>
+          </a:p>
+          <a:p>
+            <a:pPr lvl="2"/>
+            <a:r>
+              <a:rPr lang="en-US" dirty="0"/>
+              <a:t>	- </a:t>
+            </a:r>
+            <a:r>
+              <a:rPr lang="en-US" dirty="0" err="1"/>
+              <a:t>greaterThan</a:t>
+            </a:r>
+            <a:r>
+              <a:rPr lang="en-US" dirty="0"/>
+              <a:t> expression</a:t>
+            </a:r>
+          </a:p>
+          <a:p>
+            <a:pPr lvl="2"/>
+            <a:r>
+              <a:rPr lang="en-US" dirty="0"/>
+              <a:t>	- </a:t>
+            </a:r>
+            <a:r>
+              <a:rPr lang="en-US" dirty="0" err="1"/>
+              <a:t>gretterThanOrEqual</a:t>
+            </a:r>
+            <a:r>
+              <a:rPr lang="en-US" dirty="0"/>
+              <a:t> expression</a:t>
+            </a:r>
+          </a:p>
+          <a:p>
+            <a:pPr lvl="2"/>
+            <a:r>
+              <a:rPr lang="en-US" dirty="0"/>
+              <a:t>	- and expression</a:t>
+            </a:r>
+          </a:p>
+          <a:p>
+            <a:pPr lvl="2"/>
+            <a:r>
+              <a:rPr lang="en-US" dirty="0"/>
+              <a:t>	- or expression</a:t>
+            </a:r>
+          </a:p>
+          <a:p>
+            <a:pPr lvl="2"/>
+            <a:r>
+              <a:rPr lang="en-US" dirty="0"/>
+              <a:t>	- etc.</a:t>
+            </a:r>
+          </a:p>
+          <a:p>
+            <a:pPr lvl="2"/>
+            <a:endParaRPr lang="en-US" dirty="0"/>
+          </a:p>
+        </p:txBody>
+      </p:sp>
+    </p:spTree>
+    <p:extLst>
+      <p:ext uri="{BB962C8B-B14F-4D97-AF65-F5344CB8AC3E}">
+        <p14:creationId xmlns:p14="http://schemas.microsoft.com/office/powerpoint/2010/main" val="3320406271"/>
+      </p:ext>
+    </p:extLst>
+  </p:cSld>
+  <p:clrMapOvr>
+    <a:masterClrMapping/>
+  </p:clrMapOvr>
+  <p:transition spd="med"/>
+</p:sld>
+</file>
+
+<file path=ppt/slides/slide41.xml><?xml version="1.0" encoding="utf-8"?>
+<p:sld xmlns:a="http://schemas.openxmlformats.org/drawingml/2006/main" xmlns:r="http://schemas.openxmlformats.org/officeDocument/2006/relationships" xmlns:p="http://schemas.openxmlformats.org/presentationml/2006/main">
+  <p:cSld>
+    <p:spTree>
+      <p:nvGrpSpPr>
+        <p:cNvPr id="1" name=""/>
+        <p:cNvGrpSpPr/>
+        <p:nvPr/>
+      </p:nvGrpSpPr>
+      <p:grpSpPr>
+        <a:xfrm>
+          <a:off x="0" y="0"/>
+          <a:ext cx="0" cy="0"/>
+          <a:chOff x="0" y="0"/>
+          <a:chExt cx="0" cy="0"/>
+        </a:xfrm>
+      </p:grpSpPr>
+      <p:sp>
+        <p:nvSpPr>
+          <p:cNvPr id="2" name="Title 1">
+            <a:extLst>
+              <a:ext uri="{FF2B5EF4-FFF2-40B4-BE49-F238E27FC236}">
+                <a16:creationId xmlns:a16="http://schemas.microsoft.com/office/drawing/2014/main" id="{69D4F42E-32F5-9840-972F-BBFFCA87CF13}"/>
+              </a:ext>
+            </a:extLst>
+          </p:cNvPr>
+          <p:cNvSpPr>
+            <a:spLocks noGrp="1"/>
+          </p:cNvSpPr>
+          <p:nvPr>
+            <p:ph type="title"/>
+          </p:nvPr>
+        </p:nvSpPr>
+        <p:spPr/>
+        <p:txBody>
+          <a:bodyPr>
+            <a:normAutofit/>
+          </a:bodyPr>
+          <a:lstStyle/>
+          <a:p>
+            <a:r>
+              <a:rPr lang="en-US" sz="4000" dirty="0"/>
+              <a:t>Example</a:t>
+            </a:r>
+          </a:p>
+        </p:txBody>
+      </p:sp>
+      <p:sp>
+        <p:nvSpPr>
+          <p:cNvPr id="3" name="Text Placeholder 2">
+            <a:extLst>
+              <a:ext uri="{FF2B5EF4-FFF2-40B4-BE49-F238E27FC236}">
+                <a16:creationId xmlns:a16="http://schemas.microsoft.com/office/drawing/2014/main" id="{DB15752E-2F08-A14B-9655-F547F4DE9D88}"/>
+              </a:ext>
+            </a:extLst>
+          </p:cNvPr>
+          <p:cNvSpPr>
+            <a:spLocks noGrp="1"/>
+          </p:cNvSpPr>
+          <p:nvPr>
+            <p:ph type="body" idx="1"/>
+          </p:nvPr>
+        </p:nvSpPr>
+        <p:spPr/>
+        <p:txBody>
+          <a:bodyPr/>
+          <a:lstStyle/>
+          <a:p>
+            <a:r>
+              <a:rPr lang="en-US" dirty="0"/>
+              <a:t>Live code</a:t>
+            </a:r>
+          </a:p>
+        </p:txBody>
+      </p:sp>
+    </p:spTree>
+    <p:extLst>
+      <p:ext uri="{BB962C8B-B14F-4D97-AF65-F5344CB8AC3E}">
+        <p14:creationId xmlns:p14="http://schemas.microsoft.com/office/powerpoint/2010/main" val="2045328667"/>
+      </p:ext>
+    </p:extLst>
+  </p:cSld>
+  <p:clrMapOvr>
+    <a:masterClrMapping/>
+  </p:clrMapOvr>
+  <p:transition spd="med"/>
+</p:sld>
+</file>
+
 <file path=ppt/slides/slide5.xml><?xml version="1.0" encoding="utf-8"?>
 <p:sld xmlns:a="http://schemas.openxmlformats.org/drawingml/2006/main" xmlns:r="http://schemas.openxmlformats.org/officeDocument/2006/relationships" xmlns:p="http://schemas.openxmlformats.org/presentationml/2006/main">
   <p:cSld>
